--- a/talks/20160823_mad_birman.pptx
+++ b/talks/20160823_mad_birman.pptx
@@ -5,7 +5,7 @@
     <p:sldMasterId id="2147483648" r:id="rId1"/>
   </p:sldMasterIdLst>
   <p:notesMasterIdLst>
-    <p:notesMasterId r:id="rId58"/>
+    <p:notesMasterId r:id="rId54"/>
   </p:notesMasterIdLst>
   <p:sldIdLst>
     <p:sldId id="256" r:id="rId2"/>
@@ -31,39 +31,35 @@
     <p:sldId id="298" r:id="rId22"/>
     <p:sldId id="299" r:id="rId23"/>
     <p:sldId id="300" r:id="rId24"/>
-    <p:sldId id="301" r:id="rId25"/>
-    <p:sldId id="297" r:id="rId26"/>
-    <p:sldId id="274" r:id="rId27"/>
-    <p:sldId id="275" r:id="rId28"/>
-    <p:sldId id="302" r:id="rId29"/>
-    <p:sldId id="307" r:id="rId30"/>
-    <p:sldId id="308" r:id="rId31"/>
-    <p:sldId id="313" r:id="rId32"/>
-    <p:sldId id="309" r:id="rId33"/>
-    <p:sldId id="315" r:id="rId34"/>
-    <p:sldId id="314" r:id="rId35"/>
-    <p:sldId id="311" r:id="rId36"/>
-    <p:sldId id="310" r:id="rId37"/>
-    <p:sldId id="312" r:id="rId38"/>
-    <p:sldId id="304" r:id="rId39"/>
-    <p:sldId id="305" r:id="rId40"/>
-    <p:sldId id="306" r:id="rId41"/>
-    <p:sldId id="303" r:id="rId42"/>
-    <p:sldId id="316" r:id="rId43"/>
-    <p:sldId id="317" r:id="rId44"/>
-    <p:sldId id="318" r:id="rId45"/>
-    <p:sldId id="320" r:id="rId46"/>
-    <p:sldId id="319" r:id="rId47"/>
-    <p:sldId id="321" r:id="rId48"/>
-    <p:sldId id="322" r:id="rId49"/>
-    <p:sldId id="258" r:id="rId50"/>
-    <p:sldId id="261" r:id="rId51"/>
-    <p:sldId id="263" r:id="rId52"/>
-    <p:sldId id="268" r:id="rId53"/>
-    <p:sldId id="264" r:id="rId54"/>
-    <p:sldId id="265" r:id="rId55"/>
-    <p:sldId id="266" r:id="rId56"/>
-    <p:sldId id="267" r:id="rId57"/>
+    <p:sldId id="323" r:id="rId25"/>
+    <p:sldId id="301" r:id="rId26"/>
+    <p:sldId id="297" r:id="rId27"/>
+    <p:sldId id="274" r:id="rId28"/>
+    <p:sldId id="275" r:id="rId29"/>
+    <p:sldId id="302" r:id="rId30"/>
+    <p:sldId id="307" r:id="rId31"/>
+    <p:sldId id="308" r:id="rId32"/>
+    <p:sldId id="313" r:id="rId33"/>
+    <p:sldId id="309" r:id="rId34"/>
+    <p:sldId id="315" r:id="rId35"/>
+    <p:sldId id="314" r:id="rId36"/>
+    <p:sldId id="311" r:id="rId37"/>
+    <p:sldId id="310" r:id="rId38"/>
+    <p:sldId id="312" r:id="rId39"/>
+    <p:sldId id="304" r:id="rId40"/>
+    <p:sldId id="305" r:id="rId41"/>
+    <p:sldId id="306" r:id="rId42"/>
+    <p:sldId id="303" r:id="rId43"/>
+    <p:sldId id="316" r:id="rId44"/>
+    <p:sldId id="317" r:id="rId45"/>
+    <p:sldId id="318" r:id="rId46"/>
+    <p:sldId id="320" r:id="rId47"/>
+    <p:sldId id="319" r:id="rId48"/>
+    <p:sldId id="321" r:id="rId49"/>
+    <p:sldId id="324" r:id="rId50"/>
+    <p:sldId id="326" r:id="rId51"/>
+    <p:sldId id="325" r:id="rId52"/>
+    <p:sldId id="327" r:id="rId53"/>
   </p:sldIdLst>
   <p:sldSz cx="9144000" cy="6858000" type="screen4x3"/>
   <p:notesSz cx="6858000" cy="9144000"/>
@@ -247,7 +243,7 @@
           <a:p>
             <a:fld id="{DC4CBEBA-7579-4113-BD90-CA36CAAA0A44}" type="datetimeFigureOut">
               <a:rPr lang="en-US" smtClean="0"/>
-              <a:t>8/15/2016</a:t>
+              <a:t>8/31/16</a:t>
             </a:fld>
             <a:endParaRPr lang="en-US"/>
           </a:p>
@@ -696,7 +692,7 @@
           <a:p>
             <a:fld id="{E2246E70-5581-4DAE-9B6C-11B609E40F5D}" type="datetimeFigureOut">
               <a:rPr lang="en-US" smtClean="0"/>
-              <a:t>8/15/2016</a:t>
+              <a:t>8/31/16</a:t>
             </a:fld>
             <a:endParaRPr lang="en-US"/>
           </a:p>
@@ -866,7 +862,7 @@
           <a:p>
             <a:fld id="{E2246E70-5581-4DAE-9B6C-11B609E40F5D}" type="datetimeFigureOut">
               <a:rPr lang="en-US" smtClean="0"/>
-              <a:t>8/15/2016</a:t>
+              <a:t>8/31/16</a:t>
             </a:fld>
             <a:endParaRPr lang="en-US"/>
           </a:p>
@@ -1046,7 +1042,7 @@
           <a:p>
             <a:fld id="{E2246E70-5581-4DAE-9B6C-11B609E40F5D}" type="datetimeFigureOut">
               <a:rPr lang="en-US" smtClean="0"/>
-              <a:t>8/15/2016</a:t>
+              <a:t>8/31/16</a:t>
             </a:fld>
             <a:endParaRPr lang="en-US"/>
           </a:p>
@@ -1216,7 +1212,7 @@
           <a:p>
             <a:fld id="{E2246E70-5581-4DAE-9B6C-11B609E40F5D}" type="datetimeFigureOut">
               <a:rPr lang="en-US" smtClean="0"/>
-              <a:t>8/15/2016</a:t>
+              <a:t>8/31/16</a:t>
             </a:fld>
             <a:endParaRPr lang="en-US"/>
           </a:p>
@@ -1462,7 +1458,7 @@
           <a:p>
             <a:fld id="{E2246E70-5581-4DAE-9B6C-11B609E40F5D}" type="datetimeFigureOut">
               <a:rPr lang="en-US" smtClean="0"/>
-              <a:t>8/15/2016</a:t>
+              <a:t>8/31/16</a:t>
             </a:fld>
             <a:endParaRPr lang="en-US"/>
           </a:p>
@@ -1750,7 +1746,7 @@
           <a:p>
             <a:fld id="{E2246E70-5581-4DAE-9B6C-11B609E40F5D}" type="datetimeFigureOut">
               <a:rPr lang="en-US" smtClean="0"/>
-              <a:t>8/15/2016</a:t>
+              <a:t>8/31/16</a:t>
             </a:fld>
             <a:endParaRPr lang="en-US"/>
           </a:p>
@@ -2172,7 +2168,7 @@
           <a:p>
             <a:fld id="{E2246E70-5581-4DAE-9B6C-11B609E40F5D}" type="datetimeFigureOut">
               <a:rPr lang="en-US" smtClean="0"/>
-              <a:t>8/15/2016</a:t>
+              <a:t>8/31/16</a:t>
             </a:fld>
             <a:endParaRPr lang="en-US"/>
           </a:p>
@@ -2290,7 +2286,7 @@
           <a:p>
             <a:fld id="{E2246E70-5581-4DAE-9B6C-11B609E40F5D}" type="datetimeFigureOut">
               <a:rPr lang="en-US" smtClean="0"/>
-              <a:t>8/15/2016</a:t>
+              <a:t>8/31/16</a:t>
             </a:fld>
             <a:endParaRPr lang="en-US"/>
           </a:p>
@@ -2385,7 +2381,7 @@
           <a:p>
             <a:fld id="{E2246E70-5581-4DAE-9B6C-11B609E40F5D}" type="datetimeFigureOut">
               <a:rPr lang="en-US" smtClean="0"/>
-              <a:t>8/15/2016</a:t>
+              <a:t>8/31/16</a:t>
             </a:fld>
             <a:endParaRPr lang="en-US"/>
           </a:p>
@@ -2662,7 +2658,7 @@
           <a:p>
             <a:fld id="{E2246E70-5581-4DAE-9B6C-11B609E40F5D}" type="datetimeFigureOut">
               <a:rPr lang="en-US" smtClean="0"/>
-              <a:t>8/15/2016</a:t>
+              <a:t>8/31/16</a:t>
             </a:fld>
             <a:endParaRPr lang="en-US"/>
           </a:p>
@@ -2915,7 +2911,7 @@
           <a:p>
             <a:fld id="{E2246E70-5581-4DAE-9B6C-11B609E40F5D}" type="datetimeFigureOut">
               <a:rPr lang="en-US" smtClean="0"/>
-              <a:t>8/15/2016</a:t>
+              <a:t>8/31/16</a:t>
             </a:fld>
             <a:endParaRPr lang="en-US"/>
           </a:p>
@@ -3128,7 +3124,7 @@
           <a:p>
             <a:fld id="{E2246E70-5581-4DAE-9B6C-11B609E40F5D}" type="datetimeFigureOut">
               <a:rPr lang="en-US" smtClean="0"/>
-              <a:t>8/15/2016</a:t>
+              <a:t>8/31/16</a:t>
             </a:fld>
             <a:endParaRPr lang="en-US"/>
           </a:p>
@@ -3786,7 +3782,7 @@
   <p:timing>
     <p:tnLst>
       <p:par>
-        <p:cTn id="1" dur="indefinite" restart="never" nodeType="tmRoot"/>
+        <p:cTn xmlns:p14="http://schemas.microsoft.com/office/powerpoint/2010/main" id="1" dur="indefinite" restart="never" nodeType="tmRoot"/>
       </p:par>
     </p:tnLst>
   </p:timing>
@@ -4702,7 +4698,7 @@
   <p:timing>
     <p:tnLst>
       <p:par>
-        <p:cTn id="1" dur="indefinite" restart="never" nodeType="tmRoot"/>
+        <p:cTn xmlns:p14="http://schemas.microsoft.com/office/powerpoint/2010/main" id="1" dur="indefinite" restart="never" nodeType="tmRoot"/>
       </p:par>
     </p:tnLst>
   </p:timing>
@@ -5648,7 +5644,7 @@
   <p:timing>
     <p:tnLst>
       <p:par>
-        <p:cTn id="1" dur="indefinite" restart="never" nodeType="tmRoot"/>
+        <p:cTn xmlns:p14="http://schemas.microsoft.com/office/powerpoint/2010/main" id="1" dur="indefinite" restart="never" nodeType="tmRoot"/>
       </p:par>
     </p:tnLst>
   </p:timing>
@@ -6374,7 +6370,7 @@
           </a:prstGeom>
           <a:noFill/>
           <a:extLst>
-            <a:ext uri="{909E8E84-426E-40DD-AFC4-6F175D3DCCD1}">
+            <a:ext uri="{909E8E84-426E-40dd-AFC4-6F175D3DCCD1}">
               <a14:hiddenFill xmlns:a14="http://schemas.microsoft.com/office/drawing/2010/main">
                 <a:solidFill>
                   <a:srgbClr val="FFFFFF"/>
@@ -6521,7 +6517,7 @@
   <p:timing>
     <p:tnLst>
       <p:par>
-        <p:cTn id="1" dur="indefinite" restart="never" nodeType="tmRoot"/>
+        <p:cTn xmlns:p14="http://schemas.microsoft.com/office/powerpoint/2010/main" id="1" dur="indefinite" restart="never" nodeType="tmRoot"/>
       </p:par>
     </p:tnLst>
   </p:timing>
@@ -7217,7 +7213,7 @@
           </a:prstGeom>
           <a:noFill/>
           <a:extLst>
-            <a:ext uri="{909E8E84-426E-40DD-AFC4-6F175D3DCCD1}">
+            <a:ext uri="{909E8E84-426E-40dd-AFC4-6F175D3DCCD1}">
               <a14:hiddenFill xmlns:a14="http://schemas.microsoft.com/office/drawing/2010/main">
                 <a:solidFill>
                   <a:srgbClr val="FFFFFF"/>
@@ -7288,7 +7284,7 @@
   <p:timing>
     <p:tnLst>
       <p:par>
-        <p:cTn id="1" dur="indefinite" restart="never" nodeType="tmRoot"/>
+        <p:cTn xmlns:p14="http://schemas.microsoft.com/office/powerpoint/2010/main" id="1" dur="indefinite" restart="never" nodeType="tmRoot"/>
       </p:par>
     </p:tnLst>
   </p:timing>
@@ -7990,7 +7986,7 @@
           </a:prstGeom>
           <a:noFill/>
           <a:extLst>
-            <a:ext uri="{909E8E84-426E-40DD-AFC4-6F175D3DCCD1}">
+            <a:ext uri="{909E8E84-426E-40dd-AFC4-6F175D3DCCD1}">
               <a14:hiddenFill xmlns:a14="http://schemas.microsoft.com/office/drawing/2010/main">
                 <a:solidFill>
                   <a:srgbClr val="FFFFFF"/>
@@ -8061,7 +8057,7 @@
   <p:timing>
     <p:tnLst>
       <p:par>
-        <p:cTn id="1" dur="indefinite" restart="never" nodeType="tmRoot"/>
+        <p:cTn xmlns:p14="http://schemas.microsoft.com/office/powerpoint/2010/main" id="1" dur="indefinite" restart="never" nodeType="tmRoot"/>
       </p:par>
     </p:tnLst>
   </p:timing>
@@ -8775,7 +8771,7 @@
           </a:prstGeom>
           <a:noFill/>
           <a:extLst>
-            <a:ext uri="{909E8E84-426E-40DD-AFC4-6F175D3DCCD1}">
+            <a:ext uri="{909E8E84-426E-40dd-AFC4-6F175D3DCCD1}">
               <a14:hiddenFill xmlns:a14="http://schemas.microsoft.com/office/drawing/2010/main">
                 <a:solidFill>
                   <a:srgbClr val="FFFFFF"/>
@@ -8846,7 +8842,7 @@
   <p:timing>
     <p:tnLst>
       <p:par>
-        <p:cTn id="1" dur="indefinite" restart="never" nodeType="tmRoot"/>
+        <p:cTn xmlns:p14="http://schemas.microsoft.com/office/powerpoint/2010/main" id="1" dur="indefinite" restart="never" nodeType="tmRoot"/>
       </p:par>
     </p:tnLst>
   </p:timing>
@@ -8923,7 +8919,11 @@
             <a:pPr algn="ctr"/>
             <a:r>
               <a:rPr lang="en-US" dirty="0" smtClean="0"/>
-              <a:t>Prior Information about perceptual information</a:t>
+              <a:t>Priors about </a:t>
+            </a:r>
+            <a:r>
+              <a:rPr lang="en-US" dirty="0" smtClean="0"/>
+              <a:t>perceptual information</a:t>
             </a:r>
             <a:endParaRPr lang="en-US" dirty="0"/>
           </a:p>
@@ -10021,37 +10021,6 @@
       </p:grpSp>
       <p:sp>
         <p:nvSpPr>
-          <p:cNvPr id="51" name="TextBox 50"/>
-          <p:cNvSpPr txBox="1"/>
-          <p:nvPr/>
-        </p:nvSpPr>
-        <p:spPr>
-          <a:xfrm>
-            <a:off x="2092970" y="1173263"/>
-            <a:ext cx="4958060" cy="369332"/>
-          </a:xfrm>
-          <a:prstGeom prst="rect">
-            <a:avLst/>
-          </a:prstGeom>
-          <a:noFill/>
-        </p:spPr>
-        <p:txBody>
-          <a:bodyPr wrap="square" rtlCol="0">
-            <a:spAutoFit/>
-          </a:bodyPr>
-          <a:lstStyle/>
-          <a:p>
-            <a:pPr algn="ctr"/>
-            <a:r>
-              <a:rPr lang="en-US" dirty="0" smtClean="0"/>
-              <a:t>Prior Information about perceptual information</a:t>
-            </a:r>
-            <a:endParaRPr lang="en-US" dirty="0"/>
-          </a:p>
-        </p:txBody>
-      </p:sp>
-      <p:sp>
-        <p:nvSpPr>
           <p:cNvPr id="65" name="Oval 64"/>
           <p:cNvSpPr/>
           <p:nvPr/>
@@ -10125,6 +10094,41 @@
               <a:t>Spatial Priors</a:t>
             </a:r>
             <a:endParaRPr lang="en-US" sz="2400" dirty="0"/>
+          </a:p>
+        </p:txBody>
+      </p:sp>
+      <p:sp>
+        <p:nvSpPr>
+          <p:cNvPr id="37" name="TextBox 36"/>
+          <p:cNvSpPr txBox="1"/>
+          <p:nvPr/>
+        </p:nvSpPr>
+        <p:spPr>
+          <a:xfrm>
+            <a:off x="2092970" y="1173263"/>
+            <a:ext cx="4958060" cy="369332"/>
+          </a:xfrm>
+          <a:prstGeom prst="rect">
+            <a:avLst/>
+          </a:prstGeom>
+          <a:noFill/>
+        </p:spPr>
+        <p:txBody>
+          <a:bodyPr wrap="square" rtlCol="0">
+            <a:spAutoFit/>
+          </a:bodyPr>
+          <a:lstStyle/>
+          <a:p>
+            <a:pPr algn="ctr"/>
+            <a:r>
+              <a:rPr lang="en-US" dirty="0" smtClean="0"/>
+              <a:t>Priors about </a:t>
+            </a:r>
+            <a:r>
+              <a:rPr lang="en-US" dirty="0" smtClean="0"/>
+              <a:t>perceptual information</a:t>
+            </a:r>
+            <a:endParaRPr lang="en-US" dirty="0"/>
           </a:p>
         </p:txBody>
       </p:sp>
@@ -11218,37 +11222,6 @@
           </p:txBody>
         </p:sp>
       </p:grpSp>
-      <p:sp>
-        <p:nvSpPr>
-          <p:cNvPr id="51" name="TextBox 50"/>
-          <p:cNvSpPr txBox="1"/>
-          <p:nvPr/>
-        </p:nvSpPr>
-        <p:spPr>
-          <a:xfrm>
-            <a:off x="2092970" y="1173263"/>
-            <a:ext cx="4958060" cy="369332"/>
-          </a:xfrm>
-          <a:prstGeom prst="rect">
-            <a:avLst/>
-          </a:prstGeom>
-          <a:noFill/>
-        </p:spPr>
-        <p:txBody>
-          <a:bodyPr wrap="square" rtlCol="0">
-            <a:spAutoFit/>
-          </a:bodyPr>
-          <a:lstStyle/>
-          <a:p>
-            <a:pPr algn="ctr"/>
-            <a:r>
-              <a:rPr lang="en-US" dirty="0" smtClean="0"/>
-              <a:t>Prior Information about perceptual information</a:t>
-            </a:r>
-            <a:endParaRPr lang="en-US" dirty="0"/>
-          </a:p>
-        </p:txBody>
-      </p:sp>
       <p:sp>
         <p:nvSpPr>
           <p:cNvPr id="65" name="Oval 64"/>
@@ -11358,7 +11331,7 @@
           </a:prstGeom>
           <a:noFill/>
           <a:extLst>
-            <a:ext uri="{909E8E84-426E-40DD-AFC4-6F175D3DCCD1}">
+            <a:ext uri="{909E8E84-426E-40dd-AFC4-6F175D3DCCD1}">
               <a14:hiddenFill xmlns:a14="http://schemas.microsoft.com/office/drawing/2010/main">
                 <a:solidFill>
                   <a:srgbClr val="FFFFFF"/>
@@ -11399,7 +11372,7 @@
           </a:prstGeom>
           <a:noFill/>
           <a:extLst>
-            <a:ext uri="{909E8E84-426E-40DD-AFC4-6F175D3DCCD1}">
+            <a:ext uri="{909E8E84-426E-40dd-AFC4-6F175D3DCCD1}">
               <a14:hiddenFill xmlns:a14="http://schemas.microsoft.com/office/drawing/2010/main">
                 <a:solidFill>
                   <a:srgbClr val="FFFFFF"/>
@@ -11437,6 +11410,41 @@
               <a:t>Spatial Priors</a:t>
             </a:r>
             <a:endParaRPr lang="en-US" sz="2400" dirty="0"/>
+          </a:p>
+        </p:txBody>
+      </p:sp>
+      <p:sp>
+        <p:nvSpPr>
+          <p:cNvPr id="39" name="TextBox 38"/>
+          <p:cNvSpPr txBox="1"/>
+          <p:nvPr/>
+        </p:nvSpPr>
+        <p:spPr>
+          <a:xfrm>
+            <a:off x="2092970" y="1173263"/>
+            <a:ext cx="4958060" cy="369332"/>
+          </a:xfrm>
+          <a:prstGeom prst="rect">
+            <a:avLst/>
+          </a:prstGeom>
+          <a:noFill/>
+        </p:spPr>
+        <p:txBody>
+          <a:bodyPr wrap="square" rtlCol="0">
+            <a:spAutoFit/>
+          </a:bodyPr>
+          <a:lstStyle/>
+          <a:p>
+            <a:pPr algn="ctr"/>
+            <a:r>
+              <a:rPr lang="en-US" dirty="0" smtClean="0"/>
+              <a:t>Priors about </a:t>
+            </a:r>
+            <a:r>
+              <a:rPr lang="en-US" dirty="0" smtClean="0"/>
+              <a:t>perceptual information</a:t>
+            </a:r>
+            <a:endParaRPr lang="en-US" dirty="0"/>
           </a:p>
         </p:txBody>
       </p:sp>
@@ -11493,37 +11501,6 @@
             <a:r>
               <a:rPr lang="en-US" dirty="0" smtClean="0"/>
               <a:t>Attention</a:t>
-            </a:r>
-            <a:endParaRPr lang="en-US" dirty="0"/>
-          </a:p>
-        </p:txBody>
-      </p:sp>
-      <p:sp>
-        <p:nvSpPr>
-          <p:cNvPr id="51" name="TextBox 50"/>
-          <p:cNvSpPr txBox="1"/>
-          <p:nvPr/>
-        </p:nvSpPr>
-        <p:spPr>
-          <a:xfrm>
-            <a:off x="2092970" y="1173263"/>
-            <a:ext cx="4958060" cy="369332"/>
-          </a:xfrm>
-          <a:prstGeom prst="rect">
-            <a:avLst/>
-          </a:prstGeom>
-          <a:noFill/>
-        </p:spPr>
-        <p:txBody>
-          <a:bodyPr wrap="square" rtlCol="0">
-            <a:spAutoFit/>
-          </a:bodyPr>
-          <a:lstStyle/>
-          <a:p>
-            <a:pPr algn="ctr"/>
-            <a:r>
-              <a:rPr lang="en-US" dirty="0" smtClean="0"/>
-              <a:t>Prior Information about perceptual information</a:t>
             </a:r>
             <a:endParaRPr lang="en-US" dirty="0"/>
           </a:p>
@@ -11626,6 +11603,41 @@
           </a:fontRef>
         </p:style>
       </p:cxnSp>
+      <p:sp>
+        <p:nvSpPr>
+          <p:cNvPr id="7" name="TextBox 6"/>
+          <p:cNvSpPr txBox="1"/>
+          <p:nvPr/>
+        </p:nvSpPr>
+        <p:spPr>
+          <a:xfrm>
+            <a:off x="2092970" y="1173263"/>
+            <a:ext cx="4958060" cy="369332"/>
+          </a:xfrm>
+          <a:prstGeom prst="rect">
+            <a:avLst/>
+          </a:prstGeom>
+          <a:noFill/>
+        </p:spPr>
+        <p:txBody>
+          <a:bodyPr wrap="square" rtlCol="0">
+            <a:spAutoFit/>
+          </a:bodyPr>
+          <a:lstStyle/>
+          <a:p>
+            <a:pPr algn="ctr"/>
+            <a:r>
+              <a:rPr lang="en-US" dirty="0" smtClean="0"/>
+              <a:t>Priors about </a:t>
+            </a:r>
+            <a:r>
+              <a:rPr lang="en-US" dirty="0" smtClean="0"/>
+              <a:t>perceptual information</a:t>
+            </a:r>
+            <a:endParaRPr lang="en-US" dirty="0"/>
+          </a:p>
+        </p:txBody>
+      </p:sp>
     </p:spTree>
     <p:extLst>
       <p:ext uri="{BB962C8B-B14F-4D97-AF65-F5344CB8AC3E}">
@@ -11701,7 +11713,7 @@
         </p:spPr>
         <p:txBody>
           <a:bodyPr vert="horz" lIns="91440" tIns="45720" rIns="91440" bIns="45720" rtlCol="0" anchor="ctr">
-            <a:normAutofit/>
+            <a:normAutofit fontScale="85000" lnSpcReduction="20000"/>
           </a:bodyPr>
           <a:lstStyle>
             <a:lvl1pPr algn="ctr" defTabSz="914400" rtl="0" eaLnBrk="1" latinLnBrk="0" hangingPunct="1">
@@ -11721,10 +11733,8 @@
           </a:lstStyle>
           <a:p>
             <a:r>
-              <a:rPr lang="en-US" dirty="0" smtClean="0">
-                <a:effectLst/>
-              </a:rPr>
-              <a:t>Neural Substrates of Attention and Awareness</a:t>
+              <a:rPr lang="en-US" dirty="0" smtClean="0"/>
+              <a:t>Neural basis of visual discrimination: joint fits for contrast and motion discrimination</a:t>
             </a:r>
             <a:endParaRPr lang="en-US" dirty="0">
               <a:effectLst/>
@@ -11745,7 +11755,7 @@
   <p:timing>
     <p:tnLst>
       <p:par>
-        <p:cTn id="1" dur="indefinite" restart="never" nodeType="tmRoot"/>
+        <p:cTn xmlns:p14="http://schemas.microsoft.com/office/powerpoint/2010/main" id="1" dur="indefinite" restart="never" nodeType="tmRoot"/>
       </p:par>
     </p:tnLst>
   </p:timing>
@@ -11792,37 +11802,6 @@
             <a:r>
               <a:rPr lang="en-US" dirty="0" smtClean="0"/>
               <a:t>Attention</a:t>
-            </a:r>
-            <a:endParaRPr lang="en-US" dirty="0"/>
-          </a:p>
-        </p:txBody>
-      </p:sp>
-      <p:sp>
-        <p:nvSpPr>
-          <p:cNvPr id="51" name="TextBox 50"/>
-          <p:cNvSpPr txBox="1"/>
-          <p:nvPr/>
-        </p:nvSpPr>
-        <p:spPr>
-          <a:xfrm>
-            <a:off x="2092970" y="1173263"/>
-            <a:ext cx="4958060" cy="369332"/>
-          </a:xfrm>
-          <a:prstGeom prst="rect">
-            <a:avLst/>
-          </a:prstGeom>
-          <a:noFill/>
-        </p:spPr>
-        <p:txBody>
-          <a:bodyPr wrap="square" rtlCol="0">
-            <a:spAutoFit/>
-          </a:bodyPr>
-          <a:lstStyle/>
-          <a:p>
-            <a:pPr algn="ctr"/>
-            <a:r>
-              <a:rPr lang="en-US" dirty="0" smtClean="0"/>
-              <a:t>Prior Information about perceptual information</a:t>
             </a:r>
             <a:endParaRPr lang="en-US" dirty="0"/>
           </a:p>
@@ -11956,6 +11935,41 @@
           </a:fontRef>
         </p:style>
       </p:cxnSp>
+      <p:sp>
+        <p:nvSpPr>
+          <p:cNvPr id="8" name="TextBox 7"/>
+          <p:cNvSpPr txBox="1"/>
+          <p:nvPr/>
+        </p:nvSpPr>
+        <p:spPr>
+          <a:xfrm>
+            <a:off x="2092970" y="1173263"/>
+            <a:ext cx="4958060" cy="369332"/>
+          </a:xfrm>
+          <a:prstGeom prst="rect">
+            <a:avLst/>
+          </a:prstGeom>
+          <a:noFill/>
+        </p:spPr>
+        <p:txBody>
+          <a:bodyPr wrap="square" rtlCol="0">
+            <a:spAutoFit/>
+          </a:bodyPr>
+          <a:lstStyle/>
+          <a:p>
+            <a:pPr algn="ctr"/>
+            <a:r>
+              <a:rPr lang="en-US" dirty="0" smtClean="0"/>
+              <a:t>Priors about </a:t>
+            </a:r>
+            <a:r>
+              <a:rPr lang="en-US" dirty="0" smtClean="0"/>
+              <a:t>perceptual information</a:t>
+            </a:r>
+            <a:endParaRPr lang="en-US" dirty="0"/>
+          </a:p>
+        </p:txBody>
+      </p:sp>
     </p:spTree>
     <p:extLst>
       <p:ext uri="{BB962C8B-B14F-4D97-AF65-F5344CB8AC3E}">
@@ -12010,7 +12024,6 @@
               <a:rPr lang="en-US" dirty="0"/>
               <a:t>Top-down feature based attention</a:t>
             </a:r>
-            <a:endParaRPr lang="en-US" dirty="0"/>
           </a:p>
         </p:txBody>
       </p:sp>
@@ -12098,7 +12111,6 @@
               <a:rPr lang="en-US" dirty="0"/>
               <a:t>Top-down feature based attention</a:t>
             </a:r>
-            <a:endParaRPr lang="en-US" dirty="0"/>
           </a:p>
         </p:txBody>
       </p:sp>
@@ -12197,7 +12209,6 @@
               <a:rPr lang="en-US" dirty="0"/>
               <a:t>Top-down feature based attention</a:t>
             </a:r>
-            <a:endParaRPr lang="en-US" dirty="0"/>
           </a:p>
         </p:txBody>
       </p:sp>
@@ -12267,6 +12278,161 @@
 </file>
 
 <file path=ppt/slides/slide24.xml><?xml version="1.0" encoding="utf-8"?>
+<p:sld xmlns:a="http://schemas.openxmlformats.org/drawingml/2006/main" xmlns:r="http://schemas.openxmlformats.org/officeDocument/2006/relationships" xmlns:p="http://schemas.openxmlformats.org/presentationml/2006/main">
+  <p:cSld>
+    <p:spTree>
+      <p:nvGrpSpPr>
+        <p:cNvPr id="1" name=""/>
+        <p:cNvGrpSpPr/>
+        <p:nvPr/>
+      </p:nvGrpSpPr>
+      <p:grpSpPr>
+        <a:xfrm>
+          <a:off x="0" y="0"/>
+          <a:ext cx="0" cy="0"/>
+          <a:chOff x="0" y="0"/>
+          <a:chExt cx="0" cy="0"/>
+        </a:xfrm>
+      </p:grpSpPr>
+      <p:sp>
+        <p:nvSpPr>
+          <p:cNvPr id="2" name="Title 1"/>
+          <p:cNvSpPr>
+            <a:spLocks noGrp="1"/>
+          </p:cNvSpPr>
+          <p:nvPr>
+            <p:ph type="title"/>
+          </p:nvPr>
+        </p:nvSpPr>
+        <p:spPr>
+          <a:xfrm>
+            <a:off x="457200" y="274638"/>
+            <a:ext cx="8229600" cy="1143000"/>
+          </a:xfrm>
+        </p:spPr>
+        <p:txBody>
+          <a:bodyPr/>
+          <a:lstStyle/>
+          <a:p>
+            <a:r>
+              <a:rPr lang="en-US" dirty="0"/>
+              <a:t>Top-down feature based attention</a:t>
+            </a:r>
+          </a:p>
+        </p:txBody>
+      </p:sp>
+      <p:sp>
+        <p:nvSpPr>
+          <p:cNvPr id="51" name="TextBox 50"/>
+          <p:cNvSpPr txBox="1"/>
+          <p:nvPr/>
+        </p:nvSpPr>
+        <p:spPr>
+          <a:xfrm>
+            <a:off x="2092970" y="1390379"/>
+            <a:ext cx="4958060" cy="1754326"/>
+          </a:xfrm>
+          <a:prstGeom prst="rect">
+            <a:avLst/>
+          </a:prstGeom>
+          <a:noFill/>
+        </p:spPr>
+        <p:txBody>
+          <a:bodyPr wrap="square" rtlCol="0">
+            <a:spAutoFit/>
+          </a:bodyPr>
+          <a:lstStyle/>
+          <a:p>
+            <a:pPr algn="ctr"/>
+            <a:r>
+              <a:rPr lang="en-US" dirty="0" smtClean="0"/>
+              <a:t>Cue a specific feature, in advance.</a:t>
+            </a:r>
+          </a:p>
+          <a:p>
+            <a:pPr algn="ctr"/>
+            <a:endParaRPr lang="en-US" dirty="0"/>
+          </a:p>
+          <a:p>
+            <a:pPr algn="ctr"/>
+            <a:r>
+              <a:rPr lang="en-US" dirty="0" smtClean="0"/>
+              <a:t>Does not prevent bottom-up salience</a:t>
+            </a:r>
+          </a:p>
+          <a:p>
+            <a:pPr algn="ctr"/>
+            <a:endParaRPr lang="en-US" dirty="0"/>
+          </a:p>
+          <a:p>
+            <a:pPr algn="ctr"/>
+            <a:r>
+              <a:rPr lang="en-US" dirty="0" smtClean="0"/>
+              <a:t>Record one measure of conscious awareness: ability to discriminate stimulus strength</a:t>
+            </a:r>
+          </a:p>
+        </p:txBody>
+      </p:sp>
+      <p:sp>
+        <p:nvSpPr>
+          <p:cNvPr id="4" name="Title 1"/>
+          <p:cNvSpPr txBox="1">
+            <a:spLocks/>
+          </p:cNvSpPr>
+          <p:nvPr/>
+        </p:nvSpPr>
+        <p:spPr>
+          <a:xfrm>
+            <a:off x="381000" y="4191000"/>
+            <a:ext cx="8229600" cy="1143000"/>
+          </a:xfrm>
+          <a:prstGeom prst="rect">
+            <a:avLst/>
+          </a:prstGeom>
+        </p:spPr>
+        <p:txBody>
+          <a:bodyPr vert="horz" lIns="91440" tIns="45720" rIns="91440" bIns="45720" rtlCol="0" anchor="ctr">
+            <a:normAutofit/>
+          </a:bodyPr>
+          <a:lstStyle>
+            <a:lvl1pPr algn="ctr" defTabSz="914400" rtl="0" eaLnBrk="1" latinLnBrk="0" hangingPunct="1">
+              <a:spcBef>
+                <a:spcPct val="0"/>
+              </a:spcBef>
+              <a:buNone/>
+              <a:defRPr sz="4400" kern="1200">
+                <a:solidFill>
+                  <a:schemeClr val="tx1"/>
+                </a:solidFill>
+                <a:latin typeface="+mj-lt"/>
+                <a:ea typeface="+mj-ea"/>
+                <a:cs typeface="+mj-cs"/>
+              </a:defRPr>
+            </a:lvl1pPr>
+          </a:lstStyle>
+          <a:p>
+            <a:r>
+              <a:rPr lang="en-US" sz="3200" dirty="0" smtClean="0"/>
+              <a:t>What is the functional role of information becoming “consciously accessible”?</a:t>
+            </a:r>
+            <a:endParaRPr lang="en-US" sz="3200" dirty="0"/>
+          </a:p>
+        </p:txBody>
+      </p:sp>
+    </p:spTree>
+    <p:extLst>
+      <p:ext uri="{BB962C8B-B14F-4D97-AF65-F5344CB8AC3E}">
+        <p14:creationId xmlns:p14="http://schemas.microsoft.com/office/powerpoint/2010/main" val="737541012"/>
+      </p:ext>
+    </p:extLst>
+  </p:cSld>
+  <p:clrMapOvr>
+    <a:masterClrMapping/>
+  </p:clrMapOvr>
+</p:sld>
+</file>
+
+<file path=ppt/slides/slide25.xml><?xml version="1.0" encoding="utf-8"?>
 <p:sld xmlns:a="http://schemas.openxmlformats.org/drawingml/2006/main" xmlns:r="http://schemas.openxmlformats.org/officeDocument/2006/relationships" xmlns:p="http://schemas.openxmlformats.org/presentationml/2006/main">
   <p:cSld>
     <p:spTree>
@@ -13498,7 +13664,7 @@
 </p:sld>
 </file>
 
-<file path=ppt/slides/slide25.xml><?xml version="1.0" encoding="utf-8"?>
+<file path=ppt/slides/slide26.xml><?xml version="1.0" encoding="utf-8"?>
 <p:sld xmlns:a="http://schemas.openxmlformats.org/drawingml/2006/main" xmlns:r="http://schemas.openxmlformats.org/officeDocument/2006/relationships" xmlns:p="http://schemas.openxmlformats.org/presentationml/2006/main">
   <p:cSld>
     <p:spTree>
@@ -13537,11 +13703,7 @@
           <a:p>
             <a:r>
               <a:rPr lang="en-US" dirty="0" smtClean="0"/>
-              <a:t>Top-down </a:t>
-            </a:r>
-            <a:r>
-              <a:rPr lang="en-US" dirty="0" smtClean="0"/>
-              <a:t>feature based attention</a:t>
+              <a:t>Top-down feature based attention</a:t>
             </a:r>
             <a:endParaRPr lang="en-US" dirty="0"/>
           </a:p>
@@ -14719,7 +14881,7 @@
         </p:blipFill>
         <p:spPr>
           <a:xfrm>
-            <a:off x="3650011" y="3742700"/>
+            <a:off x="3733800" y="3733800"/>
             <a:ext cx="1843978" cy="1390379"/>
           </a:xfrm>
           <a:prstGeom prst="rect">
@@ -14749,7 +14911,7 @@
         </p:blipFill>
         <p:spPr>
           <a:xfrm>
-            <a:off x="4114800" y="5373327"/>
+            <a:off x="3733800" y="5257800"/>
             <a:ext cx="1883208" cy="1259548"/>
           </a:xfrm>
           <a:prstGeom prst="rect">
@@ -14780,7 +14942,7 @@
         </p:blipFill>
         <p:spPr bwMode="auto">
           <a:xfrm>
-            <a:off x="5865518" y="3873163"/>
+            <a:off x="5791200" y="4495800"/>
             <a:ext cx="1428751" cy="1428750"/>
           </a:xfrm>
           <a:prstGeom prst="rect">
@@ -14788,7 +14950,7 @@
           </a:prstGeom>
           <a:noFill/>
           <a:extLst>
-            <a:ext uri="{909E8E84-426E-40DD-AFC4-6F175D3DCCD1}">
+            <a:ext uri="{909E8E84-426E-40dd-AFC4-6F175D3DCCD1}">
               <a14:hiddenFill xmlns:a14="http://schemas.microsoft.com/office/drawing/2010/main">
                 <a:solidFill>
                   <a:srgbClr val="FFFFFF"/>
@@ -14821,7 +14983,7 @@
         </p:blipFill>
         <p:spPr bwMode="auto">
           <a:xfrm>
-            <a:off x="7715250" y="3873163"/>
+            <a:off x="7543800" y="4495800"/>
             <a:ext cx="1428750" cy="1428750"/>
           </a:xfrm>
           <a:prstGeom prst="rect">
@@ -14829,7 +14991,7 @@
           </a:prstGeom>
           <a:noFill/>
           <a:extLst>
-            <a:ext uri="{909E8E84-426E-40DD-AFC4-6F175D3DCCD1}">
+            <a:ext uri="{909E8E84-426E-40dd-AFC4-6F175D3DCCD1}">
               <a14:hiddenFill xmlns:a14="http://schemas.microsoft.com/office/drawing/2010/main">
                 <a:solidFill>
                   <a:srgbClr val="FFFFFF"/>
@@ -14847,7 +15009,7 @@
         </p:nvSpPr>
         <p:spPr>
           <a:xfrm>
-            <a:off x="5612069" y="3387273"/>
+            <a:off x="5609371" y="6033705"/>
             <a:ext cx="1529778" cy="369332"/>
           </a:xfrm>
           <a:prstGeom prst="rect">
@@ -14877,7 +15039,7 @@
         </p:nvSpPr>
         <p:spPr>
           <a:xfrm>
-            <a:off x="7344782" y="3373368"/>
+            <a:off x="7342084" y="6019800"/>
             <a:ext cx="1763816" cy="369332"/>
           </a:xfrm>
           <a:prstGeom prst="rect">
@@ -14907,7 +15069,7 @@
         </p:nvSpPr>
         <p:spPr>
           <a:xfrm>
-            <a:off x="5865667" y="5861252"/>
+            <a:off x="5715000" y="3505200"/>
             <a:ext cx="3278333" cy="461665"/>
           </a:xfrm>
           <a:prstGeom prst="rect">
@@ -14971,7 +15133,7 @@
 </p:sld>
 </file>
 
-<file path=ppt/slides/slide26.xml><?xml version="1.0" encoding="utf-8"?>
+<file path=ppt/slides/slide27.xml><?xml version="1.0" encoding="utf-8"?>
 <p:sld xmlns:a="http://schemas.openxmlformats.org/drawingml/2006/main" xmlns:r="http://schemas.openxmlformats.org/officeDocument/2006/relationships" xmlns:p="http://schemas.openxmlformats.org/presentationml/2006/main">
   <p:cSld>
     <p:spTree>
@@ -21196,7 +21358,7 @@
 </p:sld>
 </file>
 
-<file path=ppt/slides/slide27.xml><?xml version="1.0" encoding="utf-8"?>
+<file path=ppt/slides/slide28.xml><?xml version="1.0" encoding="utf-8"?>
 <p:sld xmlns:a="http://schemas.openxmlformats.org/drawingml/2006/main" xmlns:r="http://schemas.openxmlformats.org/officeDocument/2006/relationships" xmlns:p="http://schemas.openxmlformats.org/presentationml/2006/main">
   <p:cSld>
     <p:spTree>
@@ -27377,7 +27539,7 @@
 </p:sld>
 </file>
 
-<file path=ppt/slides/slide28.xml><?xml version="1.0" encoding="utf-8"?>
+<file path=ppt/slides/slide29.xml><?xml version="1.0" encoding="utf-8"?>
 <p:sld xmlns:a="http://schemas.openxmlformats.org/drawingml/2006/main" xmlns:r="http://schemas.openxmlformats.org/officeDocument/2006/relationships" xmlns:p="http://schemas.openxmlformats.org/presentationml/2006/main">
   <p:cSld>
     <p:spTree>
@@ -27429,14 +27591,14 @@
           </a:ln>
           <a:effectLst/>
           <a:extLst>
-            <a:ext uri="{909E8E84-426E-40DD-AFC4-6F175D3DCCD1}">
+            <a:ext uri="{909E8E84-426E-40dd-AFC4-6F175D3DCCD1}">
               <a14:hiddenFill xmlns:a14="http://schemas.microsoft.com/office/drawing/2010/main">
                 <a:solidFill>
                   <a:schemeClr val="accent1"/>
                 </a:solidFill>
               </a14:hiddenFill>
             </a:ext>
-            <a:ext uri="{91240B29-F687-4F45-9708-019B960494DF}">
+            <a:ext uri="{91240B29-F687-4f45-9708-019B960494DF}">
               <a14:hiddenLine xmlns:a14="http://schemas.microsoft.com/office/drawing/2010/main" w="9525">
                 <a:solidFill>
                   <a:schemeClr val="tx1"/>
@@ -27446,7 +27608,7 @@
                 <a:tailEnd/>
               </a14:hiddenLine>
             </a:ext>
-            <a:ext uri="{AF507438-7753-43E0-B8FC-AC1667EBCBE1}">
+            <a:ext uri="{AF507438-7753-43e0-B8FC-AC1667EBCBE1}">
               <a14:hiddenEffects xmlns:a14="http://schemas.microsoft.com/office/drawing/2010/main">
                 <a:effectLst>
                   <a:outerShdw dist="35921" dir="2700000" algn="ctr" rotWithShape="0">
@@ -30417,346 +30579,6 @@
 </p:sld>
 </file>
 
-<file path=ppt/slides/slide29.xml><?xml version="1.0" encoding="utf-8"?>
-<p:sld xmlns:a="http://schemas.openxmlformats.org/drawingml/2006/main" xmlns:r="http://schemas.openxmlformats.org/officeDocument/2006/relationships" xmlns:p="http://schemas.openxmlformats.org/presentationml/2006/main">
-  <p:cSld>
-    <p:spTree>
-      <p:nvGrpSpPr>
-        <p:cNvPr id="1" name=""/>
-        <p:cNvGrpSpPr/>
-        <p:nvPr/>
-      </p:nvGrpSpPr>
-      <p:grpSpPr>
-        <a:xfrm>
-          <a:off x="0" y="0"/>
-          <a:ext cx="0" cy="0"/>
-          <a:chOff x="0" y="0"/>
-          <a:chExt cx="0" cy="0"/>
-        </a:xfrm>
-      </p:grpSpPr>
-      <p:pic>
-        <p:nvPicPr>
-          <p:cNvPr id="2050" name="Picture 2"/>
-          <p:cNvPicPr>
-            <a:picLocks noChangeAspect="1" noChangeArrowheads="1"/>
-          </p:cNvPicPr>
-          <p:nvPr/>
-        </p:nvPicPr>
-        <p:blipFill>
-          <a:blip r:embed="rId2">
-            <a:extLst>
-              <a:ext uri="{28A0092B-C50C-407E-A947-70E740481C1C}">
-                <a14:useLocalDpi xmlns:a14="http://schemas.microsoft.com/office/drawing/2010/main" val="0"/>
-              </a:ext>
-            </a:extLst>
-          </a:blip>
-          <a:srcRect/>
-          <a:stretch>
-            <a:fillRect/>
-          </a:stretch>
-        </p:blipFill>
-        <p:spPr bwMode="auto">
-          <a:xfrm>
-            <a:off x="762000" y="381000"/>
-            <a:ext cx="7696200" cy="5950670"/>
-          </a:xfrm>
-          <a:prstGeom prst="rect">
-            <a:avLst/>
-          </a:prstGeom>
-          <a:noFill/>
-          <a:ln>
-            <a:noFill/>
-          </a:ln>
-          <a:effectLst/>
-          <a:extLst>
-            <a:ext uri="{909E8E84-426E-40DD-AFC4-6F175D3DCCD1}">
-              <a14:hiddenFill xmlns:a14="http://schemas.microsoft.com/office/drawing/2010/main">
-                <a:solidFill>
-                  <a:schemeClr val="accent1"/>
-                </a:solidFill>
-              </a14:hiddenFill>
-            </a:ext>
-            <a:ext uri="{91240B29-F687-4F45-9708-019B960494DF}">
-              <a14:hiddenLine xmlns:a14="http://schemas.microsoft.com/office/drawing/2010/main" w="9525">
-                <a:solidFill>
-                  <a:schemeClr val="tx1"/>
-                </a:solidFill>
-                <a:miter lim="800000"/>
-                <a:headEnd/>
-                <a:tailEnd/>
-              </a14:hiddenLine>
-            </a:ext>
-            <a:ext uri="{AF507438-7753-43E0-B8FC-AC1667EBCBE1}">
-              <a14:hiddenEffects xmlns:a14="http://schemas.microsoft.com/office/drawing/2010/main">
-                <a:effectLst>
-                  <a:outerShdw dist="35921" dir="2700000" algn="ctr" rotWithShape="0">
-                    <a:schemeClr val="bg2"/>
-                  </a:outerShdw>
-                </a:effectLst>
-              </a14:hiddenEffects>
-            </a:ext>
-          </a:extLst>
-        </p:spPr>
-      </p:pic>
-      <p:sp>
-        <p:nvSpPr>
-          <p:cNvPr id="4" name="Rectangle 3"/>
-          <p:cNvSpPr/>
-          <p:nvPr/>
-        </p:nvSpPr>
-        <p:spPr>
-          <a:xfrm>
-            <a:off x="4610100" y="304800"/>
-            <a:ext cx="4076700" cy="5943600"/>
-          </a:xfrm>
-          <a:prstGeom prst="rect">
-            <a:avLst/>
-          </a:prstGeom>
-          <a:solidFill>
-            <a:schemeClr val="bg1"/>
-          </a:solidFill>
-          <a:ln>
-            <a:solidFill>
-              <a:schemeClr val="bg1"/>
-            </a:solidFill>
-          </a:ln>
-        </p:spPr>
-        <p:style>
-          <a:lnRef idx="2">
-            <a:schemeClr val="accent1">
-              <a:shade val="50000"/>
-            </a:schemeClr>
-          </a:lnRef>
-          <a:fillRef idx="1">
-            <a:schemeClr val="accent1"/>
-          </a:fillRef>
-          <a:effectRef idx="0">
-            <a:schemeClr val="accent1"/>
-          </a:effectRef>
-          <a:fontRef idx="minor">
-            <a:schemeClr val="lt1"/>
-          </a:fontRef>
-        </p:style>
-        <p:txBody>
-          <a:bodyPr rtlCol="0" anchor="ctr"/>
-          <a:lstStyle/>
-          <a:p>
-            <a:pPr algn="ctr"/>
-            <a:endParaRPr lang="en-US" dirty="0"/>
-          </a:p>
-        </p:txBody>
-      </p:sp>
-      <p:sp>
-        <p:nvSpPr>
-          <p:cNvPr id="6" name="Rectangle 5"/>
-          <p:cNvSpPr/>
-          <p:nvPr/>
-        </p:nvSpPr>
-        <p:spPr>
-          <a:xfrm>
-            <a:off x="672935" y="2362200"/>
-            <a:ext cx="4076700" cy="5943600"/>
-          </a:xfrm>
-          <a:prstGeom prst="rect">
-            <a:avLst/>
-          </a:prstGeom>
-          <a:solidFill>
-            <a:schemeClr val="bg1"/>
-          </a:solidFill>
-          <a:ln>
-            <a:solidFill>
-              <a:schemeClr val="bg1"/>
-            </a:solidFill>
-          </a:ln>
-        </p:spPr>
-        <p:style>
-          <a:lnRef idx="2">
-            <a:schemeClr val="accent1">
-              <a:shade val="50000"/>
-            </a:schemeClr>
-          </a:lnRef>
-          <a:fillRef idx="1">
-            <a:schemeClr val="accent1"/>
-          </a:fillRef>
-          <a:effectRef idx="0">
-            <a:schemeClr val="accent1"/>
-          </a:effectRef>
-          <a:fontRef idx="minor">
-            <a:schemeClr val="lt1"/>
-          </a:fontRef>
-        </p:style>
-        <p:txBody>
-          <a:bodyPr rtlCol="0" anchor="ctr"/>
-          <a:lstStyle/>
-          <a:p>
-            <a:pPr algn="ctr"/>
-            <a:endParaRPr lang="en-US"/>
-          </a:p>
-        </p:txBody>
-      </p:sp>
-      <p:sp>
-        <p:nvSpPr>
-          <p:cNvPr id="5" name="Rectangle 4"/>
-          <p:cNvSpPr/>
-          <p:nvPr/>
-        </p:nvSpPr>
-        <p:spPr>
-          <a:xfrm>
-            <a:off x="5029200" y="685800"/>
-            <a:ext cx="304800" cy="304800"/>
-          </a:xfrm>
-          <a:prstGeom prst="rect">
-            <a:avLst/>
-          </a:prstGeom>
-          <a:ln>
-            <a:solidFill>
-              <a:schemeClr val="bg1"/>
-            </a:solidFill>
-          </a:ln>
-        </p:spPr>
-        <p:style>
-          <a:lnRef idx="2">
-            <a:schemeClr val="accent6">
-              <a:shade val="50000"/>
-            </a:schemeClr>
-          </a:lnRef>
-          <a:fillRef idx="1">
-            <a:schemeClr val="accent6"/>
-          </a:fillRef>
-          <a:effectRef idx="0">
-            <a:schemeClr val="accent6"/>
-          </a:effectRef>
-          <a:fontRef idx="minor">
-            <a:schemeClr val="lt1"/>
-          </a:fontRef>
-        </p:style>
-        <p:txBody>
-          <a:bodyPr rtlCol="0" anchor="ctr"/>
-          <a:lstStyle/>
-          <a:p>
-            <a:pPr algn="ctr"/>
-            <a:endParaRPr lang="en-US"/>
-          </a:p>
-        </p:txBody>
-      </p:sp>
-      <p:sp>
-        <p:nvSpPr>
-          <p:cNvPr id="7" name="TextBox 6"/>
-          <p:cNvSpPr txBox="1"/>
-          <p:nvPr/>
-        </p:nvSpPr>
-        <p:spPr>
-          <a:xfrm>
-            <a:off x="5370616" y="653534"/>
-            <a:ext cx="1557799" cy="369332"/>
-          </a:xfrm>
-          <a:prstGeom prst="rect">
-            <a:avLst/>
-          </a:prstGeom>
-          <a:noFill/>
-        </p:spPr>
-        <p:txBody>
-          <a:bodyPr wrap="none" rtlCol="0">
-            <a:spAutoFit/>
-          </a:bodyPr>
-          <a:lstStyle/>
-          <a:p>
-            <a:r>
-              <a:rPr lang="en-US" dirty="0" smtClean="0"/>
-              <a:t>Contrast Effect</a:t>
-            </a:r>
-            <a:endParaRPr lang="en-US" dirty="0"/>
-          </a:p>
-        </p:txBody>
-      </p:sp>
-      <p:sp>
-        <p:nvSpPr>
-          <p:cNvPr id="9" name="Rectangle 8"/>
-          <p:cNvSpPr/>
-          <p:nvPr/>
-        </p:nvSpPr>
-        <p:spPr>
-          <a:xfrm>
-            <a:off x="5029200" y="1186750"/>
-            <a:ext cx="304800" cy="304800"/>
-          </a:xfrm>
-          <a:prstGeom prst="rect">
-            <a:avLst/>
-          </a:prstGeom>
-          <a:ln>
-            <a:solidFill>
-              <a:schemeClr val="bg1"/>
-            </a:solidFill>
-          </a:ln>
-        </p:spPr>
-        <p:style>
-          <a:lnRef idx="2">
-            <a:schemeClr val="accent4">
-              <a:shade val="50000"/>
-            </a:schemeClr>
-          </a:lnRef>
-          <a:fillRef idx="1">
-            <a:schemeClr val="accent4"/>
-          </a:fillRef>
-          <a:effectRef idx="0">
-            <a:schemeClr val="accent4"/>
-          </a:effectRef>
-          <a:fontRef idx="minor">
-            <a:schemeClr val="lt1"/>
-          </a:fontRef>
-        </p:style>
-        <p:txBody>
-          <a:bodyPr rtlCol="0" anchor="ctr"/>
-          <a:lstStyle/>
-          <a:p>
-            <a:pPr algn="ctr"/>
-            <a:endParaRPr lang="en-US"/>
-          </a:p>
-        </p:txBody>
-      </p:sp>
-      <p:sp>
-        <p:nvSpPr>
-          <p:cNvPr id="10" name="TextBox 9"/>
-          <p:cNvSpPr txBox="1"/>
-          <p:nvPr/>
-        </p:nvSpPr>
-        <p:spPr>
-          <a:xfrm>
-            <a:off x="5370616" y="1154484"/>
-            <a:ext cx="2521203" cy="369332"/>
-          </a:xfrm>
-          <a:prstGeom prst="rect">
-            <a:avLst/>
-          </a:prstGeom>
-          <a:noFill/>
-        </p:spPr>
-        <p:txBody>
-          <a:bodyPr wrap="none" rtlCol="0">
-            <a:spAutoFit/>
-          </a:bodyPr>
-          <a:lstStyle/>
-          <a:p>
-            <a:r>
-              <a:rPr lang="en-US" dirty="0" smtClean="0"/>
-              <a:t>Motion Coherence Effect</a:t>
-            </a:r>
-            <a:endParaRPr lang="en-US" dirty="0"/>
-          </a:p>
-        </p:txBody>
-      </p:sp>
-    </p:spTree>
-    <p:extLst>
-      <p:ext uri="{BB962C8B-B14F-4D97-AF65-F5344CB8AC3E}">
-        <p14:creationId xmlns:p14="http://schemas.microsoft.com/office/powerpoint/2010/main" val="882595190"/>
-      </p:ext>
-    </p:extLst>
-  </p:cSld>
-  <p:clrMapOvr>
-    <a:masterClrMapping/>
-  </p:clrMapOvr>
-</p:sld>
-</file>
-
 <file path=ppt/slides/slide3.xml><?xml version="1.0" encoding="utf-8"?>
 <p:sld xmlns:a="http://schemas.openxmlformats.org/drawingml/2006/main" xmlns:r="http://schemas.openxmlformats.org/officeDocument/2006/relationships" xmlns:p="http://schemas.openxmlformats.org/presentationml/2006/main">
   <p:cSld>
@@ -31356,7 +31178,7 @@
   <p:timing>
     <p:tnLst>
       <p:par>
-        <p:cTn id="1" dur="indefinite" restart="never" nodeType="tmRoot"/>
+        <p:cTn xmlns:p14="http://schemas.microsoft.com/office/powerpoint/2010/main" id="1" dur="indefinite" restart="never" nodeType="tmRoot"/>
       </p:par>
     </p:tnLst>
   </p:timing>
@@ -31415,14 +31237,14 @@
           </a:ln>
           <a:effectLst/>
           <a:extLst>
-            <a:ext uri="{909E8E84-426E-40DD-AFC4-6F175D3DCCD1}">
+            <a:ext uri="{909E8E84-426E-40dd-AFC4-6F175D3DCCD1}">
               <a14:hiddenFill xmlns:a14="http://schemas.microsoft.com/office/drawing/2010/main">
                 <a:solidFill>
                   <a:schemeClr val="accent1"/>
                 </a:solidFill>
               </a14:hiddenFill>
             </a:ext>
-            <a:ext uri="{91240B29-F687-4F45-9708-019B960494DF}">
+            <a:ext uri="{91240B29-F687-4f45-9708-019B960494DF}">
               <a14:hiddenLine xmlns:a14="http://schemas.microsoft.com/office/drawing/2010/main" w="9525">
                 <a:solidFill>
                   <a:schemeClr val="tx1"/>
@@ -31432,7 +31254,347 @@
                 <a:tailEnd/>
               </a14:hiddenLine>
             </a:ext>
-            <a:ext uri="{AF507438-7753-43E0-B8FC-AC1667EBCBE1}">
+            <a:ext uri="{AF507438-7753-43e0-B8FC-AC1667EBCBE1}">
+              <a14:hiddenEffects xmlns:a14="http://schemas.microsoft.com/office/drawing/2010/main">
+                <a:effectLst>
+                  <a:outerShdw dist="35921" dir="2700000" algn="ctr" rotWithShape="0">
+                    <a:schemeClr val="bg2"/>
+                  </a:outerShdw>
+                </a:effectLst>
+              </a14:hiddenEffects>
+            </a:ext>
+          </a:extLst>
+        </p:spPr>
+      </p:pic>
+      <p:sp>
+        <p:nvSpPr>
+          <p:cNvPr id="4" name="Rectangle 3"/>
+          <p:cNvSpPr/>
+          <p:nvPr/>
+        </p:nvSpPr>
+        <p:spPr>
+          <a:xfrm>
+            <a:off x="4610100" y="304800"/>
+            <a:ext cx="4076700" cy="5943600"/>
+          </a:xfrm>
+          <a:prstGeom prst="rect">
+            <a:avLst/>
+          </a:prstGeom>
+          <a:solidFill>
+            <a:schemeClr val="bg1"/>
+          </a:solidFill>
+          <a:ln>
+            <a:solidFill>
+              <a:schemeClr val="bg1"/>
+            </a:solidFill>
+          </a:ln>
+        </p:spPr>
+        <p:style>
+          <a:lnRef idx="2">
+            <a:schemeClr val="accent1">
+              <a:shade val="50000"/>
+            </a:schemeClr>
+          </a:lnRef>
+          <a:fillRef idx="1">
+            <a:schemeClr val="accent1"/>
+          </a:fillRef>
+          <a:effectRef idx="0">
+            <a:schemeClr val="accent1"/>
+          </a:effectRef>
+          <a:fontRef idx="minor">
+            <a:schemeClr val="lt1"/>
+          </a:fontRef>
+        </p:style>
+        <p:txBody>
+          <a:bodyPr rtlCol="0" anchor="ctr"/>
+          <a:lstStyle/>
+          <a:p>
+            <a:pPr algn="ctr"/>
+            <a:endParaRPr lang="en-US" dirty="0"/>
+          </a:p>
+        </p:txBody>
+      </p:sp>
+      <p:sp>
+        <p:nvSpPr>
+          <p:cNvPr id="6" name="Rectangle 5"/>
+          <p:cNvSpPr/>
+          <p:nvPr/>
+        </p:nvSpPr>
+        <p:spPr>
+          <a:xfrm>
+            <a:off x="672935" y="2362200"/>
+            <a:ext cx="4076700" cy="5943600"/>
+          </a:xfrm>
+          <a:prstGeom prst="rect">
+            <a:avLst/>
+          </a:prstGeom>
+          <a:solidFill>
+            <a:schemeClr val="bg1"/>
+          </a:solidFill>
+          <a:ln>
+            <a:solidFill>
+              <a:schemeClr val="bg1"/>
+            </a:solidFill>
+          </a:ln>
+        </p:spPr>
+        <p:style>
+          <a:lnRef idx="2">
+            <a:schemeClr val="accent1">
+              <a:shade val="50000"/>
+            </a:schemeClr>
+          </a:lnRef>
+          <a:fillRef idx="1">
+            <a:schemeClr val="accent1"/>
+          </a:fillRef>
+          <a:effectRef idx="0">
+            <a:schemeClr val="accent1"/>
+          </a:effectRef>
+          <a:fontRef idx="minor">
+            <a:schemeClr val="lt1"/>
+          </a:fontRef>
+        </p:style>
+        <p:txBody>
+          <a:bodyPr rtlCol="0" anchor="ctr"/>
+          <a:lstStyle/>
+          <a:p>
+            <a:pPr algn="ctr"/>
+            <a:endParaRPr lang="en-US"/>
+          </a:p>
+        </p:txBody>
+      </p:sp>
+      <p:sp>
+        <p:nvSpPr>
+          <p:cNvPr id="5" name="Rectangle 4"/>
+          <p:cNvSpPr/>
+          <p:nvPr/>
+        </p:nvSpPr>
+        <p:spPr>
+          <a:xfrm>
+            <a:off x="5029200" y="685800"/>
+            <a:ext cx="304800" cy="304800"/>
+          </a:xfrm>
+          <a:prstGeom prst="rect">
+            <a:avLst/>
+          </a:prstGeom>
+          <a:ln>
+            <a:solidFill>
+              <a:schemeClr val="bg1"/>
+            </a:solidFill>
+          </a:ln>
+        </p:spPr>
+        <p:style>
+          <a:lnRef idx="2">
+            <a:schemeClr val="accent6">
+              <a:shade val="50000"/>
+            </a:schemeClr>
+          </a:lnRef>
+          <a:fillRef idx="1">
+            <a:schemeClr val="accent6"/>
+          </a:fillRef>
+          <a:effectRef idx="0">
+            <a:schemeClr val="accent6"/>
+          </a:effectRef>
+          <a:fontRef idx="minor">
+            <a:schemeClr val="lt1"/>
+          </a:fontRef>
+        </p:style>
+        <p:txBody>
+          <a:bodyPr rtlCol="0" anchor="ctr"/>
+          <a:lstStyle/>
+          <a:p>
+            <a:pPr algn="ctr"/>
+            <a:endParaRPr lang="en-US"/>
+          </a:p>
+        </p:txBody>
+      </p:sp>
+      <p:sp>
+        <p:nvSpPr>
+          <p:cNvPr id="7" name="TextBox 6"/>
+          <p:cNvSpPr txBox="1"/>
+          <p:nvPr/>
+        </p:nvSpPr>
+        <p:spPr>
+          <a:xfrm>
+            <a:off x="5370616" y="653534"/>
+            <a:ext cx="1557799" cy="369332"/>
+          </a:xfrm>
+          <a:prstGeom prst="rect">
+            <a:avLst/>
+          </a:prstGeom>
+          <a:noFill/>
+        </p:spPr>
+        <p:txBody>
+          <a:bodyPr wrap="none" rtlCol="0">
+            <a:spAutoFit/>
+          </a:bodyPr>
+          <a:lstStyle/>
+          <a:p>
+            <a:r>
+              <a:rPr lang="en-US" dirty="0" smtClean="0"/>
+              <a:t>Contrast Effect</a:t>
+            </a:r>
+            <a:endParaRPr lang="en-US" dirty="0"/>
+          </a:p>
+        </p:txBody>
+      </p:sp>
+      <p:sp>
+        <p:nvSpPr>
+          <p:cNvPr id="9" name="Rectangle 8"/>
+          <p:cNvSpPr/>
+          <p:nvPr/>
+        </p:nvSpPr>
+        <p:spPr>
+          <a:xfrm>
+            <a:off x="5029200" y="1186750"/>
+            <a:ext cx="304800" cy="304800"/>
+          </a:xfrm>
+          <a:prstGeom prst="rect">
+            <a:avLst/>
+          </a:prstGeom>
+          <a:ln>
+            <a:solidFill>
+              <a:schemeClr val="bg1"/>
+            </a:solidFill>
+          </a:ln>
+        </p:spPr>
+        <p:style>
+          <a:lnRef idx="2">
+            <a:schemeClr val="accent4">
+              <a:shade val="50000"/>
+            </a:schemeClr>
+          </a:lnRef>
+          <a:fillRef idx="1">
+            <a:schemeClr val="accent4"/>
+          </a:fillRef>
+          <a:effectRef idx="0">
+            <a:schemeClr val="accent4"/>
+          </a:effectRef>
+          <a:fontRef idx="minor">
+            <a:schemeClr val="lt1"/>
+          </a:fontRef>
+        </p:style>
+        <p:txBody>
+          <a:bodyPr rtlCol="0" anchor="ctr"/>
+          <a:lstStyle/>
+          <a:p>
+            <a:pPr algn="ctr"/>
+            <a:endParaRPr lang="en-US"/>
+          </a:p>
+        </p:txBody>
+      </p:sp>
+      <p:sp>
+        <p:nvSpPr>
+          <p:cNvPr id="10" name="TextBox 9"/>
+          <p:cNvSpPr txBox="1"/>
+          <p:nvPr/>
+        </p:nvSpPr>
+        <p:spPr>
+          <a:xfrm>
+            <a:off x="5370616" y="1154484"/>
+            <a:ext cx="2521203" cy="369332"/>
+          </a:xfrm>
+          <a:prstGeom prst="rect">
+            <a:avLst/>
+          </a:prstGeom>
+          <a:noFill/>
+        </p:spPr>
+        <p:txBody>
+          <a:bodyPr wrap="none" rtlCol="0">
+            <a:spAutoFit/>
+          </a:bodyPr>
+          <a:lstStyle/>
+          <a:p>
+            <a:r>
+              <a:rPr lang="en-US" dirty="0" smtClean="0"/>
+              <a:t>Motion Coherence Effect</a:t>
+            </a:r>
+            <a:endParaRPr lang="en-US" dirty="0"/>
+          </a:p>
+        </p:txBody>
+      </p:sp>
+    </p:spTree>
+    <p:extLst>
+      <p:ext uri="{BB962C8B-B14F-4D97-AF65-F5344CB8AC3E}">
+        <p14:creationId xmlns:p14="http://schemas.microsoft.com/office/powerpoint/2010/main" val="882595190"/>
+      </p:ext>
+    </p:extLst>
+  </p:cSld>
+  <p:clrMapOvr>
+    <a:masterClrMapping/>
+  </p:clrMapOvr>
+</p:sld>
+</file>
+
+<file path=ppt/slides/slide31.xml><?xml version="1.0" encoding="utf-8"?>
+<p:sld xmlns:a="http://schemas.openxmlformats.org/drawingml/2006/main" xmlns:r="http://schemas.openxmlformats.org/officeDocument/2006/relationships" xmlns:p="http://schemas.openxmlformats.org/presentationml/2006/main">
+  <p:cSld>
+    <p:spTree>
+      <p:nvGrpSpPr>
+        <p:cNvPr id="1" name=""/>
+        <p:cNvGrpSpPr/>
+        <p:nvPr/>
+      </p:nvGrpSpPr>
+      <p:grpSpPr>
+        <a:xfrm>
+          <a:off x="0" y="0"/>
+          <a:ext cx="0" cy="0"/>
+          <a:chOff x="0" y="0"/>
+          <a:chExt cx="0" cy="0"/>
+        </a:xfrm>
+      </p:grpSpPr>
+      <p:pic>
+        <p:nvPicPr>
+          <p:cNvPr id="2050" name="Picture 2"/>
+          <p:cNvPicPr>
+            <a:picLocks noChangeAspect="1" noChangeArrowheads="1"/>
+          </p:cNvPicPr>
+          <p:nvPr/>
+        </p:nvPicPr>
+        <p:blipFill>
+          <a:blip r:embed="rId2">
+            <a:extLst>
+              <a:ext uri="{28A0092B-C50C-407E-A947-70E740481C1C}">
+                <a14:useLocalDpi xmlns:a14="http://schemas.microsoft.com/office/drawing/2010/main" val="0"/>
+              </a:ext>
+            </a:extLst>
+          </a:blip>
+          <a:srcRect/>
+          <a:stretch>
+            <a:fillRect/>
+          </a:stretch>
+        </p:blipFill>
+        <p:spPr bwMode="auto">
+          <a:xfrm>
+            <a:off x="762000" y="381000"/>
+            <a:ext cx="7696200" cy="5950670"/>
+          </a:xfrm>
+          <a:prstGeom prst="rect">
+            <a:avLst/>
+          </a:prstGeom>
+          <a:noFill/>
+          <a:ln>
+            <a:noFill/>
+          </a:ln>
+          <a:effectLst/>
+          <a:extLst>
+            <a:ext uri="{909E8E84-426E-40dd-AFC4-6F175D3DCCD1}">
+              <a14:hiddenFill xmlns:a14="http://schemas.microsoft.com/office/drawing/2010/main">
+                <a:solidFill>
+                  <a:schemeClr val="accent1"/>
+                </a:solidFill>
+              </a14:hiddenFill>
+            </a:ext>
+            <a:ext uri="{91240B29-F687-4f45-9708-019B960494DF}">
+              <a14:hiddenLine xmlns:a14="http://schemas.microsoft.com/office/drawing/2010/main" w="9525">
+                <a:solidFill>
+                  <a:schemeClr val="tx1"/>
+                </a:solidFill>
+                <a:miter lim="800000"/>
+                <a:headEnd/>
+                <a:tailEnd/>
+              </a14:hiddenLine>
+            </a:ext>
+            <a:ext uri="{AF507438-7753-43e0-B8FC-AC1667EBCBE1}">
               <a14:hiddenEffects xmlns:a14="http://schemas.microsoft.com/office/drawing/2010/main">
                 <a:effectLst>
                   <a:outerShdw dist="35921" dir="2700000" algn="ctr" rotWithShape="0">
@@ -31703,7 +31865,7 @@
 </p:sld>
 </file>
 
-<file path=ppt/slides/slide31.xml><?xml version="1.0" encoding="utf-8"?>
+<file path=ppt/slides/slide32.xml><?xml version="1.0" encoding="utf-8"?>
 <p:sld xmlns:a="http://schemas.openxmlformats.org/drawingml/2006/main" xmlns:r="http://schemas.openxmlformats.org/officeDocument/2006/relationships" xmlns:p="http://schemas.openxmlformats.org/presentationml/2006/main">
   <p:cSld>
     <p:spTree>
@@ -31755,14 +31917,14 @@
           </a:ln>
           <a:effectLst/>
           <a:extLst>
-            <a:ext uri="{909E8E84-426E-40DD-AFC4-6F175D3DCCD1}">
+            <a:ext uri="{909E8E84-426E-40dd-AFC4-6F175D3DCCD1}">
               <a14:hiddenFill xmlns:a14="http://schemas.microsoft.com/office/drawing/2010/main">
                 <a:solidFill>
                   <a:schemeClr val="accent1"/>
                 </a:solidFill>
               </a14:hiddenFill>
             </a:ext>
-            <a:ext uri="{91240B29-F687-4F45-9708-019B960494DF}">
+            <a:ext uri="{91240B29-F687-4f45-9708-019B960494DF}">
               <a14:hiddenLine xmlns:a14="http://schemas.microsoft.com/office/drawing/2010/main" w="9525">
                 <a:solidFill>
                   <a:schemeClr val="tx1"/>
@@ -31772,7 +31934,7 @@
                 <a:tailEnd/>
               </a14:hiddenLine>
             </a:ext>
-            <a:ext uri="{AF507438-7753-43E0-B8FC-AC1667EBCBE1}">
+            <a:ext uri="{AF507438-7753-43e0-B8FC-AC1667EBCBE1}">
               <a14:hiddenEffects xmlns:a14="http://schemas.microsoft.com/office/drawing/2010/main">
                 <a:effectLst>
                   <a:outerShdw dist="35921" dir="2700000" algn="ctr" rotWithShape="0">
@@ -32073,7 +32235,7 @@
 </p:sld>
 </file>
 
-<file path=ppt/slides/slide32.xml><?xml version="1.0" encoding="utf-8"?>
+<file path=ppt/slides/slide33.xml><?xml version="1.0" encoding="utf-8"?>
 <p:sld xmlns:a="http://schemas.openxmlformats.org/drawingml/2006/main" xmlns:r="http://schemas.openxmlformats.org/officeDocument/2006/relationships" xmlns:p="http://schemas.openxmlformats.org/presentationml/2006/main">
   <p:cSld>
     <p:spTree>
@@ -32125,14 +32287,14 @@
           </a:ln>
           <a:effectLst/>
           <a:extLst>
-            <a:ext uri="{909E8E84-426E-40DD-AFC4-6F175D3DCCD1}">
+            <a:ext uri="{909E8E84-426E-40dd-AFC4-6F175D3DCCD1}">
               <a14:hiddenFill xmlns:a14="http://schemas.microsoft.com/office/drawing/2010/main">
                 <a:solidFill>
                   <a:schemeClr val="accent1"/>
                 </a:solidFill>
               </a14:hiddenFill>
             </a:ext>
-            <a:ext uri="{91240B29-F687-4F45-9708-019B960494DF}">
+            <a:ext uri="{91240B29-F687-4f45-9708-019B960494DF}">
               <a14:hiddenLine xmlns:a14="http://schemas.microsoft.com/office/drawing/2010/main" w="9525">
                 <a:solidFill>
                   <a:schemeClr val="tx1"/>
@@ -32142,7 +32304,7 @@
                 <a:tailEnd/>
               </a14:hiddenLine>
             </a:ext>
-            <a:ext uri="{AF507438-7753-43E0-B8FC-AC1667EBCBE1}">
+            <a:ext uri="{AF507438-7753-43e0-B8FC-AC1667EBCBE1}">
               <a14:hiddenEffects xmlns:a14="http://schemas.microsoft.com/office/drawing/2010/main">
                 <a:effectLst>
                   <a:outerShdw dist="35921" dir="2700000" algn="ctr" rotWithShape="0">
@@ -32365,7 +32527,7 @@
 </p:sld>
 </file>
 
-<file path=ppt/slides/slide33.xml><?xml version="1.0" encoding="utf-8"?>
+<file path=ppt/slides/slide34.xml><?xml version="1.0" encoding="utf-8"?>
 <p:sld xmlns:a="http://schemas.openxmlformats.org/drawingml/2006/main" xmlns:r="http://schemas.openxmlformats.org/officeDocument/2006/relationships" xmlns:p="http://schemas.openxmlformats.org/presentationml/2006/main">
   <p:cSld>
     <p:spTree>
@@ -32417,14 +32579,14 @@
           </a:ln>
           <a:effectLst/>
           <a:extLst>
-            <a:ext uri="{909E8E84-426E-40DD-AFC4-6F175D3DCCD1}">
+            <a:ext uri="{909E8E84-426E-40dd-AFC4-6F175D3DCCD1}">
               <a14:hiddenFill xmlns:a14="http://schemas.microsoft.com/office/drawing/2010/main">
                 <a:solidFill>
                   <a:schemeClr val="accent1"/>
                 </a:solidFill>
               </a14:hiddenFill>
             </a:ext>
-            <a:ext uri="{91240B29-F687-4F45-9708-019B960494DF}">
+            <a:ext uri="{91240B29-F687-4f45-9708-019B960494DF}">
               <a14:hiddenLine xmlns:a14="http://schemas.microsoft.com/office/drawing/2010/main" w="9525">
                 <a:solidFill>
                   <a:schemeClr val="tx1"/>
@@ -32434,7 +32596,7 @@
                 <a:tailEnd/>
               </a14:hiddenLine>
             </a:ext>
-            <a:ext uri="{AF507438-7753-43E0-B8FC-AC1667EBCBE1}">
+            <a:ext uri="{AF507438-7753-43e0-B8FC-AC1667EBCBE1}">
               <a14:hiddenEffects xmlns:a14="http://schemas.microsoft.com/office/drawing/2010/main">
                 <a:effectLst>
                   <a:outerShdw dist="35921" dir="2700000" algn="ctr" rotWithShape="0">
@@ -32687,198 +32849,6 @@
 </p:sld>
 </file>
 
-<file path=ppt/slides/slide34.xml><?xml version="1.0" encoding="utf-8"?>
-<p:sld xmlns:a="http://schemas.openxmlformats.org/drawingml/2006/main" xmlns:r="http://schemas.openxmlformats.org/officeDocument/2006/relationships" xmlns:p="http://schemas.openxmlformats.org/presentationml/2006/main">
-  <p:cSld>
-    <p:spTree>
-      <p:nvGrpSpPr>
-        <p:cNvPr id="1" name=""/>
-        <p:cNvGrpSpPr/>
-        <p:nvPr/>
-      </p:nvGrpSpPr>
-      <p:grpSpPr>
-        <a:xfrm>
-          <a:off x="0" y="0"/>
-          <a:ext cx="0" cy="0"/>
-          <a:chOff x="0" y="0"/>
-          <a:chExt cx="0" cy="0"/>
-        </a:xfrm>
-      </p:grpSpPr>
-      <p:pic>
-        <p:nvPicPr>
-          <p:cNvPr id="2050" name="Picture 2"/>
-          <p:cNvPicPr>
-            <a:picLocks noChangeAspect="1" noChangeArrowheads="1"/>
-          </p:cNvPicPr>
-          <p:nvPr/>
-        </p:nvPicPr>
-        <p:blipFill>
-          <a:blip r:embed="rId2">
-            <a:extLst>
-              <a:ext uri="{28A0092B-C50C-407E-A947-70E740481C1C}">
-                <a14:useLocalDpi xmlns:a14="http://schemas.microsoft.com/office/drawing/2010/main" val="0"/>
-              </a:ext>
-            </a:extLst>
-          </a:blip>
-          <a:srcRect/>
-          <a:stretch>
-            <a:fillRect/>
-          </a:stretch>
-        </p:blipFill>
-        <p:spPr bwMode="auto">
-          <a:xfrm>
-            <a:off x="762000" y="381000"/>
-            <a:ext cx="7696200" cy="5950670"/>
-          </a:xfrm>
-          <a:prstGeom prst="rect">
-            <a:avLst/>
-          </a:prstGeom>
-          <a:noFill/>
-          <a:ln>
-            <a:noFill/>
-          </a:ln>
-          <a:effectLst/>
-          <a:extLst>
-            <a:ext uri="{909E8E84-426E-40DD-AFC4-6F175D3DCCD1}">
-              <a14:hiddenFill xmlns:a14="http://schemas.microsoft.com/office/drawing/2010/main">
-                <a:solidFill>
-                  <a:schemeClr val="accent1"/>
-                </a:solidFill>
-              </a14:hiddenFill>
-            </a:ext>
-            <a:ext uri="{91240B29-F687-4F45-9708-019B960494DF}">
-              <a14:hiddenLine xmlns:a14="http://schemas.microsoft.com/office/drawing/2010/main" w="9525">
-                <a:solidFill>
-                  <a:schemeClr val="tx1"/>
-                </a:solidFill>
-                <a:miter lim="800000"/>
-                <a:headEnd/>
-                <a:tailEnd/>
-              </a14:hiddenLine>
-            </a:ext>
-            <a:ext uri="{AF507438-7753-43E0-B8FC-AC1667EBCBE1}">
-              <a14:hiddenEffects xmlns:a14="http://schemas.microsoft.com/office/drawing/2010/main">
-                <a:effectLst>
-                  <a:outerShdw dist="35921" dir="2700000" algn="ctr" rotWithShape="0">
-                    <a:schemeClr val="bg2"/>
-                  </a:outerShdw>
-                </a:effectLst>
-              </a14:hiddenEffects>
-            </a:ext>
-          </a:extLst>
-        </p:spPr>
-      </p:pic>
-      <p:sp>
-        <p:nvSpPr>
-          <p:cNvPr id="4" name="Rectangle 3"/>
-          <p:cNvSpPr/>
-          <p:nvPr/>
-        </p:nvSpPr>
-        <p:spPr>
-          <a:xfrm>
-            <a:off x="4610100" y="2362200"/>
-            <a:ext cx="4076700" cy="3886200"/>
-          </a:xfrm>
-          <a:prstGeom prst="rect">
-            <a:avLst/>
-          </a:prstGeom>
-          <a:solidFill>
-            <a:schemeClr val="bg1"/>
-          </a:solidFill>
-          <a:ln>
-            <a:solidFill>
-              <a:schemeClr val="bg1"/>
-            </a:solidFill>
-          </a:ln>
-        </p:spPr>
-        <p:style>
-          <a:lnRef idx="2">
-            <a:schemeClr val="accent1">
-              <a:shade val="50000"/>
-            </a:schemeClr>
-          </a:lnRef>
-          <a:fillRef idx="1">
-            <a:schemeClr val="accent1"/>
-          </a:fillRef>
-          <a:effectRef idx="0">
-            <a:schemeClr val="accent1"/>
-          </a:effectRef>
-          <a:fontRef idx="minor">
-            <a:schemeClr val="lt1"/>
-          </a:fontRef>
-        </p:style>
-        <p:txBody>
-          <a:bodyPr rtlCol="0" anchor="ctr"/>
-          <a:lstStyle/>
-          <a:p>
-            <a:pPr algn="ctr"/>
-            <a:endParaRPr lang="en-US"/>
-          </a:p>
-        </p:txBody>
-      </p:sp>
-      <p:sp>
-        <p:nvSpPr>
-          <p:cNvPr id="5" name="Rectangle 4"/>
-          <p:cNvSpPr/>
-          <p:nvPr/>
-        </p:nvSpPr>
-        <p:spPr>
-          <a:xfrm>
-            <a:off x="381000" y="228600"/>
-            <a:ext cx="4076700" cy="6019800"/>
-          </a:xfrm>
-          <a:prstGeom prst="rect">
-            <a:avLst/>
-          </a:prstGeom>
-          <a:solidFill>
-            <a:schemeClr val="bg1">
-              <a:alpha val="80000"/>
-            </a:schemeClr>
-          </a:solidFill>
-          <a:ln>
-            <a:solidFill>
-              <a:schemeClr val="bg1"/>
-            </a:solidFill>
-          </a:ln>
-        </p:spPr>
-        <p:style>
-          <a:lnRef idx="2">
-            <a:schemeClr val="accent1">
-              <a:shade val="50000"/>
-            </a:schemeClr>
-          </a:lnRef>
-          <a:fillRef idx="1">
-            <a:schemeClr val="accent1"/>
-          </a:fillRef>
-          <a:effectRef idx="0">
-            <a:schemeClr val="accent1"/>
-          </a:effectRef>
-          <a:fontRef idx="minor">
-            <a:schemeClr val="lt1"/>
-          </a:fontRef>
-        </p:style>
-        <p:txBody>
-          <a:bodyPr rtlCol="0" anchor="ctr"/>
-          <a:lstStyle/>
-          <a:p>
-            <a:pPr algn="ctr"/>
-            <a:endParaRPr lang="en-US"/>
-          </a:p>
-        </p:txBody>
-      </p:sp>
-    </p:spTree>
-    <p:extLst>
-      <p:ext uri="{BB962C8B-B14F-4D97-AF65-F5344CB8AC3E}">
-        <p14:creationId xmlns:p14="http://schemas.microsoft.com/office/powerpoint/2010/main" val="571279171"/>
-      </p:ext>
-    </p:extLst>
-  </p:cSld>
-  <p:clrMapOvr>
-    <a:masterClrMapping/>
-  </p:clrMapOvr>
-</p:sld>
-</file>
-
 <file path=ppt/slides/slide35.xml><?xml version="1.0" encoding="utf-8"?>
 <p:sld xmlns:a="http://schemas.openxmlformats.org/drawingml/2006/main" xmlns:r="http://schemas.openxmlformats.org/officeDocument/2006/relationships" xmlns:p="http://schemas.openxmlformats.org/presentationml/2006/main">
   <p:cSld>
@@ -32931,14 +32901,14 @@
           </a:ln>
           <a:effectLst/>
           <a:extLst>
-            <a:ext uri="{909E8E84-426E-40DD-AFC4-6F175D3DCCD1}">
+            <a:ext uri="{909E8E84-426E-40dd-AFC4-6F175D3DCCD1}">
               <a14:hiddenFill xmlns:a14="http://schemas.microsoft.com/office/drawing/2010/main">
                 <a:solidFill>
                   <a:schemeClr val="accent1"/>
                 </a:solidFill>
               </a14:hiddenFill>
             </a:ext>
-            <a:ext uri="{91240B29-F687-4F45-9708-019B960494DF}">
+            <a:ext uri="{91240B29-F687-4f45-9708-019B960494DF}">
               <a14:hiddenLine xmlns:a14="http://schemas.microsoft.com/office/drawing/2010/main" w="9525">
                 <a:solidFill>
                   <a:schemeClr val="tx1"/>
@@ -32948,7 +32918,199 @@
                 <a:tailEnd/>
               </a14:hiddenLine>
             </a:ext>
-            <a:ext uri="{AF507438-7753-43E0-B8FC-AC1667EBCBE1}">
+            <a:ext uri="{AF507438-7753-43e0-B8FC-AC1667EBCBE1}">
+              <a14:hiddenEffects xmlns:a14="http://schemas.microsoft.com/office/drawing/2010/main">
+                <a:effectLst>
+                  <a:outerShdw dist="35921" dir="2700000" algn="ctr" rotWithShape="0">
+                    <a:schemeClr val="bg2"/>
+                  </a:outerShdw>
+                </a:effectLst>
+              </a14:hiddenEffects>
+            </a:ext>
+          </a:extLst>
+        </p:spPr>
+      </p:pic>
+      <p:sp>
+        <p:nvSpPr>
+          <p:cNvPr id="4" name="Rectangle 3"/>
+          <p:cNvSpPr/>
+          <p:nvPr/>
+        </p:nvSpPr>
+        <p:spPr>
+          <a:xfrm>
+            <a:off x="4610100" y="2362200"/>
+            <a:ext cx="4076700" cy="3886200"/>
+          </a:xfrm>
+          <a:prstGeom prst="rect">
+            <a:avLst/>
+          </a:prstGeom>
+          <a:solidFill>
+            <a:schemeClr val="bg1"/>
+          </a:solidFill>
+          <a:ln>
+            <a:solidFill>
+              <a:schemeClr val="bg1"/>
+            </a:solidFill>
+          </a:ln>
+        </p:spPr>
+        <p:style>
+          <a:lnRef idx="2">
+            <a:schemeClr val="accent1">
+              <a:shade val="50000"/>
+            </a:schemeClr>
+          </a:lnRef>
+          <a:fillRef idx="1">
+            <a:schemeClr val="accent1"/>
+          </a:fillRef>
+          <a:effectRef idx="0">
+            <a:schemeClr val="accent1"/>
+          </a:effectRef>
+          <a:fontRef idx="minor">
+            <a:schemeClr val="lt1"/>
+          </a:fontRef>
+        </p:style>
+        <p:txBody>
+          <a:bodyPr rtlCol="0" anchor="ctr"/>
+          <a:lstStyle/>
+          <a:p>
+            <a:pPr algn="ctr"/>
+            <a:endParaRPr lang="en-US"/>
+          </a:p>
+        </p:txBody>
+      </p:sp>
+      <p:sp>
+        <p:nvSpPr>
+          <p:cNvPr id="5" name="Rectangle 4"/>
+          <p:cNvSpPr/>
+          <p:nvPr/>
+        </p:nvSpPr>
+        <p:spPr>
+          <a:xfrm>
+            <a:off x="381000" y="228600"/>
+            <a:ext cx="4076700" cy="6019800"/>
+          </a:xfrm>
+          <a:prstGeom prst="rect">
+            <a:avLst/>
+          </a:prstGeom>
+          <a:solidFill>
+            <a:schemeClr val="bg1">
+              <a:alpha val="80000"/>
+            </a:schemeClr>
+          </a:solidFill>
+          <a:ln>
+            <a:solidFill>
+              <a:schemeClr val="bg1"/>
+            </a:solidFill>
+          </a:ln>
+        </p:spPr>
+        <p:style>
+          <a:lnRef idx="2">
+            <a:schemeClr val="accent1">
+              <a:shade val="50000"/>
+            </a:schemeClr>
+          </a:lnRef>
+          <a:fillRef idx="1">
+            <a:schemeClr val="accent1"/>
+          </a:fillRef>
+          <a:effectRef idx="0">
+            <a:schemeClr val="accent1"/>
+          </a:effectRef>
+          <a:fontRef idx="minor">
+            <a:schemeClr val="lt1"/>
+          </a:fontRef>
+        </p:style>
+        <p:txBody>
+          <a:bodyPr rtlCol="0" anchor="ctr"/>
+          <a:lstStyle/>
+          <a:p>
+            <a:pPr algn="ctr"/>
+            <a:endParaRPr lang="en-US"/>
+          </a:p>
+        </p:txBody>
+      </p:sp>
+    </p:spTree>
+    <p:extLst>
+      <p:ext uri="{BB962C8B-B14F-4D97-AF65-F5344CB8AC3E}">
+        <p14:creationId xmlns:p14="http://schemas.microsoft.com/office/powerpoint/2010/main" val="571279171"/>
+      </p:ext>
+    </p:extLst>
+  </p:cSld>
+  <p:clrMapOvr>
+    <a:masterClrMapping/>
+  </p:clrMapOvr>
+</p:sld>
+</file>
+
+<file path=ppt/slides/slide36.xml><?xml version="1.0" encoding="utf-8"?>
+<p:sld xmlns:a="http://schemas.openxmlformats.org/drawingml/2006/main" xmlns:r="http://schemas.openxmlformats.org/officeDocument/2006/relationships" xmlns:p="http://schemas.openxmlformats.org/presentationml/2006/main">
+  <p:cSld>
+    <p:spTree>
+      <p:nvGrpSpPr>
+        <p:cNvPr id="1" name=""/>
+        <p:cNvGrpSpPr/>
+        <p:nvPr/>
+      </p:nvGrpSpPr>
+      <p:grpSpPr>
+        <a:xfrm>
+          <a:off x="0" y="0"/>
+          <a:ext cx="0" cy="0"/>
+          <a:chOff x="0" y="0"/>
+          <a:chExt cx="0" cy="0"/>
+        </a:xfrm>
+      </p:grpSpPr>
+      <p:pic>
+        <p:nvPicPr>
+          <p:cNvPr id="2050" name="Picture 2"/>
+          <p:cNvPicPr>
+            <a:picLocks noChangeAspect="1" noChangeArrowheads="1"/>
+          </p:cNvPicPr>
+          <p:nvPr/>
+        </p:nvPicPr>
+        <p:blipFill>
+          <a:blip r:embed="rId2">
+            <a:extLst>
+              <a:ext uri="{28A0092B-C50C-407E-A947-70E740481C1C}">
+                <a14:useLocalDpi xmlns:a14="http://schemas.microsoft.com/office/drawing/2010/main" val="0"/>
+              </a:ext>
+            </a:extLst>
+          </a:blip>
+          <a:srcRect/>
+          <a:stretch>
+            <a:fillRect/>
+          </a:stretch>
+        </p:blipFill>
+        <p:spPr bwMode="auto">
+          <a:xfrm>
+            <a:off x="762000" y="381000"/>
+            <a:ext cx="7696200" cy="5950670"/>
+          </a:xfrm>
+          <a:prstGeom prst="rect">
+            <a:avLst/>
+          </a:prstGeom>
+          <a:noFill/>
+          <a:ln>
+            <a:noFill/>
+          </a:ln>
+          <a:effectLst/>
+          <a:extLst>
+            <a:ext uri="{909E8E84-426E-40dd-AFC4-6F175D3DCCD1}">
+              <a14:hiddenFill xmlns:a14="http://schemas.microsoft.com/office/drawing/2010/main">
+                <a:solidFill>
+                  <a:schemeClr val="accent1"/>
+                </a:solidFill>
+              </a14:hiddenFill>
+            </a:ext>
+            <a:ext uri="{91240B29-F687-4f45-9708-019B960494DF}">
+              <a14:hiddenLine xmlns:a14="http://schemas.microsoft.com/office/drawing/2010/main" w="9525">
+                <a:solidFill>
+                  <a:schemeClr val="tx1"/>
+                </a:solidFill>
+                <a:miter lim="800000"/>
+                <a:headEnd/>
+                <a:tailEnd/>
+              </a14:hiddenLine>
+            </a:ext>
+            <a:ext uri="{AF507438-7753-43e0-B8FC-AC1667EBCBE1}">
               <a14:hiddenEffects xmlns:a14="http://schemas.microsoft.com/office/drawing/2010/main">
                 <a:effectLst>
                   <a:outerShdw dist="35921" dir="2700000" algn="ctr" rotWithShape="0">
@@ -33101,148 +33263,6 @@
 </p:sld>
 </file>
 
-<file path=ppt/slides/slide36.xml><?xml version="1.0" encoding="utf-8"?>
-<p:sld xmlns:a="http://schemas.openxmlformats.org/drawingml/2006/main" xmlns:r="http://schemas.openxmlformats.org/officeDocument/2006/relationships" xmlns:p="http://schemas.openxmlformats.org/presentationml/2006/main">
-  <p:cSld>
-    <p:spTree>
-      <p:nvGrpSpPr>
-        <p:cNvPr id="1" name=""/>
-        <p:cNvGrpSpPr/>
-        <p:nvPr/>
-      </p:nvGrpSpPr>
-      <p:grpSpPr>
-        <a:xfrm>
-          <a:off x="0" y="0"/>
-          <a:ext cx="0" cy="0"/>
-          <a:chOff x="0" y="0"/>
-          <a:chExt cx="0" cy="0"/>
-        </a:xfrm>
-      </p:grpSpPr>
-      <p:pic>
-        <p:nvPicPr>
-          <p:cNvPr id="2050" name="Picture 2"/>
-          <p:cNvPicPr>
-            <a:picLocks noChangeAspect="1" noChangeArrowheads="1"/>
-          </p:cNvPicPr>
-          <p:nvPr/>
-        </p:nvPicPr>
-        <p:blipFill>
-          <a:blip r:embed="rId2">
-            <a:extLst>
-              <a:ext uri="{28A0092B-C50C-407E-A947-70E740481C1C}">
-                <a14:useLocalDpi xmlns:a14="http://schemas.microsoft.com/office/drawing/2010/main" val="0"/>
-              </a:ext>
-            </a:extLst>
-          </a:blip>
-          <a:srcRect/>
-          <a:stretch>
-            <a:fillRect/>
-          </a:stretch>
-        </p:blipFill>
-        <p:spPr bwMode="auto">
-          <a:xfrm>
-            <a:off x="762000" y="381000"/>
-            <a:ext cx="7696200" cy="5950670"/>
-          </a:xfrm>
-          <a:prstGeom prst="rect">
-            <a:avLst/>
-          </a:prstGeom>
-          <a:noFill/>
-          <a:ln>
-            <a:noFill/>
-          </a:ln>
-          <a:effectLst/>
-          <a:extLst>
-            <a:ext uri="{909E8E84-426E-40DD-AFC4-6F175D3DCCD1}">
-              <a14:hiddenFill xmlns:a14="http://schemas.microsoft.com/office/drawing/2010/main">
-                <a:solidFill>
-                  <a:schemeClr val="accent1"/>
-                </a:solidFill>
-              </a14:hiddenFill>
-            </a:ext>
-            <a:ext uri="{91240B29-F687-4F45-9708-019B960494DF}">
-              <a14:hiddenLine xmlns:a14="http://schemas.microsoft.com/office/drawing/2010/main" w="9525">
-                <a:solidFill>
-                  <a:schemeClr val="tx1"/>
-                </a:solidFill>
-                <a:miter lim="800000"/>
-                <a:headEnd/>
-                <a:tailEnd/>
-              </a14:hiddenLine>
-            </a:ext>
-            <a:ext uri="{AF507438-7753-43E0-B8FC-AC1667EBCBE1}">
-              <a14:hiddenEffects xmlns:a14="http://schemas.microsoft.com/office/drawing/2010/main">
-                <a:effectLst>
-                  <a:outerShdw dist="35921" dir="2700000" algn="ctr" rotWithShape="0">
-                    <a:schemeClr val="bg2"/>
-                  </a:outerShdw>
-                </a:effectLst>
-              </a14:hiddenEffects>
-            </a:ext>
-          </a:extLst>
-        </p:spPr>
-      </p:pic>
-      <p:sp>
-        <p:nvSpPr>
-          <p:cNvPr id="4" name="Rectangle 3"/>
-          <p:cNvSpPr/>
-          <p:nvPr/>
-        </p:nvSpPr>
-        <p:spPr>
-          <a:xfrm>
-            <a:off x="4610100" y="4191000"/>
-            <a:ext cx="4076700" cy="2057400"/>
-          </a:xfrm>
-          <a:prstGeom prst="rect">
-            <a:avLst/>
-          </a:prstGeom>
-          <a:solidFill>
-            <a:schemeClr val="bg1"/>
-          </a:solidFill>
-          <a:ln>
-            <a:solidFill>
-              <a:schemeClr val="bg1"/>
-            </a:solidFill>
-          </a:ln>
-        </p:spPr>
-        <p:style>
-          <a:lnRef idx="2">
-            <a:schemeClr val="accent1">
-              <a:shade val="50000"/>
-            </a:schemeClr>
-          </a:lnRef>
-          <a:fillRef idx="1">
-            <a:schemeClr val="accent1"/>
-          </a:fillRef>
-          <a:effectRef idx="0">
-            <a:schemeClr val="accent1"/>
-          </a:effectRef>
-          <a:fontRef idx="minor">
-            <a:schemeClr val="lt1"/>
-          </a:fontRef>
-        </p:style>
-        <p:txBody>
-          <a:bodyPr rtlCol="0" anchor="ctr"/>
-          <a:lstStyle/>
-          <a:p>
-            <a:pPr algn="ctr"/>
-            <a:endParaRPr lang="en-US"/>
-          </a:p>
-        </p:txBody>
-      </p:sp>
-    </p:spTree>
-    <p:extLst>
-      <p:ext uri="{BB962C8B-B14F-4D97-AF65-F5344CB8AC3E}">
-        <p14:creationId xmlns:p14="http://schemas.microsoft.com/office/powerpoint/2010/main" val="3879510897"/>
-      </p:ext>
-    </p:extLst>
-  </p:cSld>
-  <p:clrMapOvr>
-    <a:masterClrMapping/>
-  </p:clrMapOvr>
-</p:sld>
-</file>
-
 <file path=ppt/slides/slide37.xml><?xml version="1.0" encoding="utf-8"?>
 <p:sld xmlns:a="http://schemas.openxmlformats.org/drawingml/2006/main" xmlns:r="http://schemas.openxmlformats.org/officeDocument/2006/relationships" xmlns:p="http://schemas.openxmlformats.org/presentationml/2006/main">
   <p:cSld>
@@ -33295,14 +33315,14 @@
           </a:ln>
           <a:effectLst/>
           <a:extLst>
-            <a:ext uri="{909E8E84-426E-40DD-AFC4-6F175D3DCCD1}">
+            <a:ext uri="{909E8E84-426E-40dd-AFC4-6F175D3DCCD1}">
               <a14:hiddenFill xmlns:a14="http://schemas.microsoft.com/office/drawing/2010/main">
                 <a:solidFill>
                   <a:schemeClr val="accent1"/>
                 </a:solidFill>
               </a14:hiddenFill>
             </a:ext>
-            <a:ext uri="{91240B29-F687-4F45-9708-019B960494DF}">
+            <a:ext uri="{91240B29-F687-4f45-9708-019B960494DF}">
               <a14:hiddenLine xmlns:a14="http://schemas.microsoft.com/office/drawing/2010/main" w="9525">
                 <a:solidFill>
                   <a:schemeClr val="tx1"/>
@@ -33312,7 +33332,149 @@
                 <a:tailEnd/>
               </a14:hiddenLine>
             </a:ext>
-            <a:ext uri="{AF507438-7753-43E0-B8FC-AC1667EBCBE1}">
+            <a:ext uri="{AF507438-7753-43e0-B8FC-AC1667EBCBE1}">
+              <a14:hiddenEffects xmlns:a14="http://schemas.microsoft.com/office/drawing/2010/main">
+                <a:effectLst>
+                  <a:outerShdw dist="35921" dir="2700000" algn="ctr" rotWithShape="0">
+                    <a:schemeClr val="bg2"/>
+                  </a:outerShdw>
+                </a:effectLst>
+              </a14:hiddenEffects>
+            </a:ext>
+          </a:extLst>
+        </p:spPr>
+      </p:pic>
+      <p:sp>
+        <p:nvSpPr>
+          <p:cNvPr id="4" name="Rectangle 3"/>
+          <p:cNvSpPr/>
+          <p:nvPr/>
+        </p:nvSpPr>
+        <p:spPr>
+          <a:xfrm>
+            <a:off x="4610100" y="4191000"/>
+            <a:ext cx="4076700" cy="2057400"/>
+          </a:xfrm>
+          <a:prstGeom prst="rect">
+            <a:avLst/>
+          </a:prstGeom>
+          <a:solidFill>
+            <a:schemeClr val="bg1"/>
+          </a:solidFill>
+          <a:ln>
+            <a:solidFill>
+              <a:schemeClr val="bg1"/>
+            </a:solidFill>
+          </a:ln>
+        </p:spPr>
+        <p:style>
+          <a:lnRef idx="2">
+            <a:schemeClr val="accent1">
+              <a:shade val="50000"/>
+            </a:schemeClr>
+          </a:lnRef>
+          <a:fillRef idx="1">
+            <a:schemeClr val="accent1"/>
+          </a:fillRef>
+          <a:effectRef idx="0">
+            <a:schemeClr val="accent1"/>
+          </a:effectRef>
+          <a:fontRef idx="minor">
+            <a:schemeClr val="lt1"/>
+          </a:fontRef>
+        </p:style>
+        <p:txBody>
+          <a:bodyPr rtlCol="0" anchor="ctr"/>
+          <a:lstStyle/>
+          <a:p>
+            <a:pPr algn="ctr"/>
+            <a:endParaRPr lang="en-US"/>
+          </a:p>
+        </p:txBody>
+      </p:sp>
+    </p:spTree>
+    <p:extLst>
+      <p:ext uri="{BB962C8B-B14F-4D97-AF65-F5344CB8AC3E}">
+        <p14:creationId xmlns:p14="http://schemas.microsoft.com/office/powerpoint/2010/main" val="3879510897"/>
+      </p:ext>
+    </p:extLst>
+  </p:cSld>
+  <p:clrMapOvr>
+    <a:masterClrMapping/>
+  </p:clrMapOvr>
+</p:sld>
+</file>
+
+<file path=ppt/slides/slide38.xml><?xml version="1.0" encoding="utf-8"?>
+<p:sld xmlns:a="http://schemas.openxmlformats.org/drawingml/2006/main" xmlns:r="http://schemas.openxmlformats.org/officeDocument/2006/relationships" xmlns:p="http://schemas.openxmlformats.org/presentationml/2006/main">
+  <p:cSld>
+    <p:spTree>
+      <p:nvGrpSpPr>
+        <p:cNvPr id="1" name=""/>
+        <p:cNvGrpSpPr/>
+        <p:nvPr/>
+      </p:nvGrpSpPr>
+      <p:grpSpPr>
+        <a:xfrm>
+          <a:off x="0" y="0"/>
+          <a:ext cx="0" cy="0"/>
+          <a:chOff x="0" y="0"/>
+          <a:chExt cx="0" cy="0"/>
+        </a:xfrm>
+      </p:grpSpPr>
+      <p:pic>
+        <p:nvPicPr>
+          <p:cNvPr id="2050" name="Picture 2"/>
+          <p:cNvPicPr>
+            <a:picLocks noChangeAspect="1" noChangeArrowheads="1"/>
+          </p:cNvPicPr>
+          <p:nvPr/>
+        </p:nvPicPr>
+        <p:blipFill>
+          <a:blip r:embed="rId2">
+            <a:extLst>
+              <a:ext uri="{28A0092B-C50C-407E-A947-70E740481C1C}">
+                <a14:useLocalDpi xmlns:a14="http://schemas.microsoft.com/office/drawing/2010/main" val="0"/>
+              </a:ext>
+            </a:extLst>
+          </a:blip>
+          <a:srcRect/>
+          <a:stretch>
+            <a:fillRect/>
+          </a:stretch>
+        </p:blipFill>
+        <p:spPr bwMode="auto">
+          <a:xfrm>
+            <a:off x="762000" y="381000"/>
+            <a:ext cx="7696200" cy="5950670"/>
+          </a:xfrm>
+          <a:prstGeom prst="rect">
+            <a:avLst/>
+          </a:prstGeom>
+          <a:noFill/>
+          <a:ln>
+            <a:noFill/>
+          </a:ln>
+          <a:effectLst/>
+          <a:extLst>
+            <a:ext uri="{909E8E84-426E-40dd-AFC4-6F175D3DCCD1}">
+              <a14:hiddenFill xmlns:a14="http://schemas.microsoft.com/office/drawing/2010/main">
+                <a:solidFill>
+                  <a:schemeClr val="accent1"/>
+                </a:solidFill>
+              </a14:hiddenFill>
+            </a:ext>
+            <a:ext uri="{91240B29-F687-4f45-9708-019B960494DF}">
+              <a14:hiddenLine xmlns:a14="http://schemas.microsoft.com/office/drawing/2010/main" w="9525">
+                <a:solidFill>
+                  <a:schemeClr val="tx1"/>
+                </a:solidFill>
+                <a:miter lim="800000"/>
+                <a:headEnd/>
+                <a:tailEnd/>
+              </a14:hiddenLine>
+            </a:ext>
+            <a:ext uri="{AF507438-7753-43e0-B8FC-AC1667EBCBE1}">
               <a14:hiddenEffects xmlns:a14="http://schemas.microsoft.com/office/drawing/2010/main">
                 <a:effectLst>
                   <a:outerShdw dist="35921" dir="2700000" algn="ctr" rotWithShape="0">
@@ -33337,7 +33499,7 @@
 </p:sld>
 </file>
 
-<file path=ppt/slides/slide38.xml><?xml version="1.0" encoding="utf-8"?>
+<file path=ppt/slides/slide39.xml><?xml version="1.0" encoding="utf-8"?>
 <p:sld xmlns:a="http://schemas.openxmlformats.org/drawingml/2006/main" xmlns:r="http://schemas.openxmlformats.org/officeDocument/2006/relationships" xmlns:p="http://schemas.openxmlformats.org/presentationml/2006/main">
   <p:cSld>
     <p:spTree>
@@ -33389,14 +33551,14 @@
           </a:ln>
           <a:effectLst/>
           <a:extLst>
-            <a:ext uri="{909E8E84-426E-40DD-AFC4-6F175D3DCCD1}">
+            <a:ext uri="{909E8E84-426E-40dd-AFC4-6F175D3DCCD1}">
               <a14:hiddenFill xmlns:a14="http://schemas.microsoft.com/office/drawing/2010/main">
                 <a:solidFill>
                   <a:schemeClr val="accent1"/>
                 </a:solidFill>
               </a14:hiddenFill>
             </a:ext>
-            <a:ext uri="{91240B29-F687-4F45-9708-019B960494DF}">
+            <a:ext uri="{91240B29-F687-4f45-9708-019B960494DF}">
               <a14:hiddenLine xmlns:a14="http://schemas.microsoft.com/office/drawing/2010/main" w="9525">
                 <a:solidFill>
                   <a:schemeClr val="tx1"/>
@@ -33406,7 +33568,7 @@
                 <a:tailEnd/>
               </a14:hiddenLine>
             </a:ext>
-            <a:ext uri="{AF507438-7753-43E0-B8FC-AC1667EBCBE1}">
+            <a:ext uri="{AF507438-7753-43e0-B8FC-AC1667EBCBE1}">
               <a14:hiddenEffects xmlns:a14="http://schemas.microsoft.com/office/drawing/2010/main">
                 <a:effectLst>
                   <a:outerShdw dist="35921" dir="2700000" algn="ctr" rotWithShape="0">
@@ -36478,1807 +36640,6 @@
     <p:extLst>
       <p:ext uri="{BB962C8B-B14F-4D97-AF65-F5344CB8AC3E}">
         <p14:creationId xmlns:p14="http://schemas.microsoft.com/office/powerpoint/2010/main" val="3564019675"/>
-      </p:ext>
-    </p:extLst>
-  </p:cSld>
-  <p:clrMapOvr>
-    <a:masterClrMapping/>
-  </p:clrMapOvr>
-</p:sld>
-</file>
-
-<file path=ppt/slides/slide39.xml><?xml version="1.0" encoding="utf-8"?>
-<p:sld xmlns:a="http://schemas.openxmlformats.org/drawingml/2006/main" xmlns:r="http://schemas.openxmlformats.org/officeDocument/2006/relationships" xmlns:p="http://schemas.openxmlformats.org/presentationml/2006/main">
-  <p:cSld>
-    <p:spTree>
-      <p:nvGrpSpPr>
-        <p:cNvPr id="1" name=""/>
-        <p:cNvGrpSpPr/>
-        <p:nvPr/>
-      </p:nvGrpSpPr>
-      <p:grpSpPr>
-        <a:xfrm>
-          <a:off x="0" y="0"/>
-          <a:ext cx="0" cy="0"/>
-          <a:chOff x="0" y="0"/>
-          <a:chExt cx="0" cy="0"/>
-        </a:xfrm>
-      </p:grpSpPr>
-      <p:pic>
-        <p:nvPicPr>
-          <p:cNvPr id="12294" name="Picture 6"/>
-          <p:cNvPicPr>
-            <a:picLocks noChangeAspect="1" noChangeArrowheads="1"/>
-          </p:cNvPicPr>
-          <p:nvPr/>
-        </p:nvPicPr>
-        <p:blipFill>
-          <a:blip r:embed="rId2">
-            <a:extLst>
-              <a:ext uri="{28A0092B-C50C-407E-A947-70E740481C1C}">
-                <a14:useLocalDpi xmlns:a14="http://schemas.microsoft.com/office/drawing/2010/main" val="0"/>
-              </a:ext>
-            </a:extLst>
-          </a:blip>
-          <a:srcRect/>
-          <a:stretch>
-            <a:fillRect/>
-          </a:stretch>
-        </p:blipFill>
-        <p:spPr bwMode="auto">
-          <a:xfrm>
-            <a:off x="838200" y="2590800"/>
-            <a:ext cx="7391400" cy="4114800"/>
-          </a:xfrm>
-          <a:prstGeom prst="rect">
-            <a:avLst/>
-          </a:prstGeom>
-          <a:noFill/>
-          <a:ln>
-            <a:noFill/>
-          </a:ln>
-          <a:effectLst/>
-          <a:extLst>
-            <a:ext uri="{909E8E84-426E-40DD-AFC4-6F175D3DCCD1}">
-              <a14:hiddenFill xmlns:a14="http://schemas.microsoft.com/office/drawing/2010/main">
-                <a:solidFill>
-                  <a:schemeClr val="accent1"/>
-                </a:solidFill>
-              </a14:hiddenFill>
-            </a:ext>
-            <a:ext uri="{91240B29-F687-4F45-9708-019B960494DF}">
-              <a14:hiddenLine xmlns:a14="http://schemas.microsoft.com/office/drawing/2010/main" w="9525">
-                <a:solidFill>
-                  <a:schemeClr val="tx1"/>
-                </a:solidFill>
-                <a:miter lim="800000"/>
-                <a:headEnd/>
-                <a:tailEnd/>
-              </a14:hiddenLine>
-            </a:ext>
-            <a:ext uri="{AF507438-7753-43E0-B8FC-AC1667EBCBE1}">
-              <a14:hiddenEffects xmlns:a14="http://schemas.microsoft.com/office/drawing/2010/main">
-                <a:effectLst>
-                  <a:outerShdw dist="35921" dir="2700000" algn="ctr" rotWithShape="0">
-                    <a:schemeClr val="bg2"/>
-                  </a:outerShdw>
-                </a:effectLst>
-              </a14:hiddenEffects>
-            </a:ext>
-          </a:extLst>
-        </p:spPr>
-      </p:pic>
-      <p:cxnSp>
-        <p:nvCxnSpPr>
-          <p:cNvPr id="3" name="Straight Connector 2"/>
-          <p:cNvCxnSpPr/>
-          <p:nvPr/>
-        </p:nvCxnSpPr>
-        <p:spPr>
-          <a:xfrm flipV="1">
-            <a:off x="5638800" y="3505200"/>
-            <a:ext cx="0" cy="1905000"/>
-          </a:xfrm>
-          <a:prstGeom prst="line">
-            <a:avLst/>
-          </a:prstGeom>
-          <a:ln w="76200">
-            <a:solidFill>
-              <a:srgbClr val="FF0000"/>
-            </a:solidFill>
-            <a:prstDash val="dash"/>
-          </a:ln>
-        </p:spPr>
-        <p:style>
-          <a:lnRef idx="1">
-            <a:schemeClr val="accent1"/>
-          </a:lnRef>
-          <a:fillRef idx="0">
-            <a:schemeClr val="accent1"/>
-          </a:fillRef>
-          <a:effectRef idx="0">
-            <a:schemeClr val="accent1"/>
-          </a:effectRef>
-          <a:fontRef idx="minor">
-            <a:schemeClr val="tx1"/>
-          </a:fontRef>
-        </p:style>
-      </p:cxnSp>
-      <p:cxnSp>
-        <p:nvCxnSpPr>
-          <p:cNvPr id="71" name="Straight Connector 70"/>
-          <p:cNvCxnSpPr/>
-          <p:nvPr/>
-        </p:nvCxnSpPr>
-        <p:spPr>
-          <a:xfrm flipV="1">
-            <a:off x="4648200" y="4953000"/>
-            <a:ext cx="0" cy="457200"/>
-          </a:xfrm>
-          <a:prstGeom prst="line">
-            <a:avLst/>
-          </a:prstGeom>
-          <a:ln w="76200">
-            <a:solidFill>
-              <a:srgbClr val="FF0000"/>
-            </a:solidFill>
-            <a:prstDash val="dash"/>
-          </a:ln>
-        </p:spPr>
-        <p:style>
-          <a:lnRef idx="1">
-            <a:schemeClr val="accent1"/>
-          </a:lnRef>
-          <a:fillRef idx="0">
-            <a:schemeClr val="accent1"/>
-          </a:fillRef>
-          <a:effectRef idx="0">
-            <a:schemeClr val="accent1"/>
-          </a:effectRef>
-          <a:fontRef idx="minor">
-            <a:schemeClr val="tx1"/>
-          </a:fontRef>
-        </p:style>
-      </p:cxnSp>
-      <p:sp>
-        <p:nvSpPr>
-          <p:cNvPr id="6" name="TextBox 5"/>
-          <p:cNvSpPr txBox="1"/>
-          <p:nvPr/>
-        </p:nvSpPr>
-        <p:spPr>
-          <a:xfrm>
-            <a:off x="5916672" y="4226867"/>
-            <a:ext cx="732893" cy="461665"/>
-          </a:xfrm>
-          <a:prstGeom prst="rect">
-            <a:avLst/>
-          </a:prstGeom>
-          <a:noFill/>
-        </p:spPr>
-        <p:txBody>
-          <a:bodyPr wrap="none" rtlCol="0">
-            <a:spAutoFit/>
-          </a:bodyPr>
-          <a:lstStyle/>
-          <a:p>
-            <a:r>
-              <a:rPr lang="en-US" sz="2400" dirty="0" smtClean="0">
-                <a:solidFill>
-                  <a:srgbClr val="FF0000"/>
-                </a:solidFill>
-              </a:rPr>
-              <a:t>d‘=1</a:t>
-            </a:r>
-            <a:endParaRPr lang="en-US" sz="2400" dirty="0">
-              <a:solidFill>
-                <a:srgbClr val="FF0000"/>
-              </a:solidFill>
-            </a:endParaRPr>
-          </a:p>
-        </p:txBody>
-      </p:sp>
-      <p:pic>
-        <p:nvPicPr>
-          <p:cNvPr id="1026" name="Picture 2"/>
-          <p:cNvPicPr>
-            <a:picLocks noChangeAspect="1" noChangeArrowheads="1"/>
-          </p:cNvPicPr>
-          <p:nvPr/>
-        </p:nvPicPr>
-        <p:blipFill>
-          <a:blip r:embed="rId3">
-            <a:extLst>
-              <a:ext uri="{28A0092B-C50C-407E-A947-70E740481C1C}">
-                <a14:useLocalDpi xmlns:a14="http://schemas.microsoft.com/office/drawing/2010/main" val="0"/>
-              </a:ext>
-            </a:extLst>
-          </a:blip>
-          <a:srcRect/>
-          <a:stretch>
-            <a:fillRect/>
-          </a:stretch>
-        </p:blipFill>
-        <p:spPr bwMode="auto">
-          <a:xfrm>
-            <a:off x="3886200" y="533400"/>
-            <a:ext cx="3090863" cy="2206912"/>
-          </a:xfrm>
-          <a:prstGeom prst="rect">
-            <a:avLst/>
-          </a:prstGeom>
-          <a:noFill/>
-          <a:ln>
-            <a:noFill/>
-          </a:ln>
-          <a:effectLst/>
-          <a:extLst>
-            <a:ext uri="{909E8E84-426E-40DD-AFC4-6F175D3DCCD1}">
-              <a14:hiddenFill xmlns:a14="http://schemas.microsoft.com/office/drawing/2010/main">
-                <a:solidFill>
-                  <a:schemeClr val="accent1"/>
-                </a:solidFill>
-              </a14:hiddenFill>
-            </a:ext>
-            <a:ext uri="{91240B29-F687-4F45-9708-019B960494DF}">
-              <a14:hiddenLine xmlns:a14="http://schemas.microsoft.com/office/drawing/2010/main" w="9525">
-                <a:solidFill>
-                  <a:schemeClr val="tx1"/>
-                </a:solidFill>
-                <a:miter lim="800000"/>
-                <a:headEnd/>
-                <a:tailEnd/>
-              </a14:hiddenLine>
-            </a:ext>
-            <a:ext uri="{AF507438-7753-43E0-B8FC-AC1667EBCBE1}">
-              <a14:hiddenEffects xmlns:a14="http://schemas.microsoft.com/office/drawing/2010/main">
-                <a:effectLst>
-                  <a:outerShdw dist="35921" dir="2700000" algn="ctr" rotWithShape="0">
-                    <a:schemeClr val="bg2"/>
-                  </a:outerShdw>
-                </a:effectLst>
-              </a14:hiddenEffects>
-            </a:ext>
-          </a:extLst>
-        </p:spPr>
-      </p:pic>
-      <p:cxnSp>
-        <p:nvCxnSpPr>
-          <p:cNvPr id="4" name="Straight Connector 3"/>
-          <p:cNvCxnSpPr/>
-          <p:nvPr/>
-        </p:nvCxnSpPr>
-        <p:spPr>
-          <a:xfrm>
-            <a:off x="5431631" y="533400"/>
-            <a:ext cx="207169" cy="0"/>
-          </a:xfrm>
-          <a:prstGeom prst="line">
-            <a:avLst/>
-          </a:prstGeom>
-        </p:spPr>
-        <p:style>
-          <a:lnRef idx="1">
-            <a:schemeClr val="accent1"/>
-          </a:lnRef>
-          <a:fillRef idx="0">
-            <a:schemeClr val="accent1"/>
-          </a:fillRef>
-          <a:effectRef idx="0">
-            <a:schemeClr val="accent1"/>
-          </a:effectRef>
-          <a:fontRef idx="minor">
-            <a:schemeClr val="tx1"/>
-          </a:fontRef>
-        </p:style>
-      </p:cxnSp>
-      <p:sp>
-        <p:nvSpPr>
-          <p:cNvPr id="5" name="TextBox 4"/>
-          <p:cNvSpPr txBox="1"/>
-          <p:nvPr/>
-        </p:nvSpPr>
-        <p:spPr>
-          <a:xfrm>
-            <a:off x="5257800" y="156358"/>
-            <a:ext cx="617798" cy="369332"/>
-          </a:xfrm>
-          <a:prstGeom prst="rect">
-            <a:avLst/>
-          </a:prstGeom>
-          <a:noFill/>
-        </p:spPr>
-        <p:txBody>
-          <a:bodyPr wrap="none" rtlCol="0">
-            <a:spAutoFit/>
-          </a:bodyPr>
-          <a:lstStyle/>
-          <a:p>
-            <a:r>
-              <a:rPr lang="en-US" dirty="0" smtClean="0"/>
-              <a:t>d’=1</a:t>
-            </a:r>
-            <a:endParaRPr lang="en-US" dirty="0"/>
-          </a:p>
-        </p:txBody>
-      </p:sp>
-      <p:grpSp>
-        <p:nvGrpSpPr>
-          <p:cNvPr id="76" name="Group 75"/>
-          <p:cNvGrpSpPr/>
-          <p:nvPr/>
-        </p:nvGrpSpPr>
-        <p:grpSpPr>
-          <a:xfrm rot="10800000">
-            <a:off x="2362200" y="947976"/>
-            <a:ext cx="1676400" cy="1154668"/>
-            <a:chOff x="2590800" y="3853934"/>
-            <a:chExt cx="1676400" cy="1154668"/>
-          </a:xfrm>
-        </p:grpSpPr>
-        <p:grpSp>
-          <p:nvGrpSpPr>
-            <p:cNvPr id="77" name="Group 76"/>
-            <p:cNvGrpSpPr/>
-            <p:nvPr/>
-          </p:nvGrpSpPr>
-          <p:grpSpPr>
-            <a:xfrm>
-              <a:off x="2590800" y="3853934"/>
-              <a:ext cx="1676400" cy="1154668"/>
-              <a:chOff x="1524000" y="3048000"/>
-              <a:chExt cx="1676400" cy="1154668"/>
-            </a:xfrm>
-          </p:grpSpPr>
-          <p:sp>
-            <p:nvSpPr>
-              <p:cNvPr id="106" name="Rectangle 105"/>
-              <p:cNvSpPr/>
-              <p:nvPr/>
-            </p:nvSpPr>
-            <p:spPr>
-              <a:xfrm>
-                <a:off x="1524000" y="3048000"/>
-                <a:ext cx="1676400" cy="1154668"/>
-              </a:xfrm>
-              <a:prstGeom prst="rect">
-                <a:avLst/>
-              </a:prstGeom>
-              <a:solidFill>
-                <a:schemeClr val="bg1">
-                  <a:lumMod val="50000"/>
-                </a:schemeClr>
-              </a:solidFill>
-              <a:ln>
-                <a:solidFill>
-                  <a:schemeClr val="tx1"/>
-                </a:solidFill>
-              </a:ln>
-            </p:spPr>
-            <p:style>
-              <a:lnRef idx="2">
-                <a:schemeClr val="accent1">
-                  <a:shade val="50000"/>
-                </a:schemeClr>
-              </a:lnRef>
-              <a:fillRef idx="1">
-                <a:schemeClr val="accent1"/>
-              </a:fillRef>
-              <a:effectRef idx="0">
-                <a:schemeClr val="accent1"/>
-              </a:effectRef>
-              <a:fontRef idx="minor">
-                <a:schemeClr val="lt1"/>
-              </a:fontRef>
-            </p:style>
-            <p:txBody>
-              <a:bodyPr rtlCol="0" anchor="ctr"/>
-              <a:lstStyle/>
-              <a:p>
-                <a:pPr algn="ctr"/>
-                <a:endParaRPr lang="en-US" dirty="0"/>
-              </a:p>
-            </p:txBody>
-          </p:sp>
-          <p:cxnSp>
-            <p:nvCxnSpPr>
-              <p:cNvPr id="107" name="Straight Connector 106"/>
-              <p:cNvCxnSpPr/>
-              <p:nvPr/>
-            </p:nvCxnSpPr>
-            <p:spPr>
-              <a:xfrm>
-                <a:off x="2362200" y="3396734"/>
-                <a:ext cx="0" cy="457200"/>
-              </a:xfrm>
-              <a:prstGeom prst="line">
-                <a:avLst/>
-              </a:prstGeom>
-              <a:ln>
-                <a:solidFill>
-                  <a:schemeClr val="tx1"/>
-                </a:solidFill>
-              </a:ln>
-            </p:spPr>
-            <p:style>
-              <a:lnRef idx="1">
-                <a:schemeClr val="accent1"/>
-              </a:lnRef>
-              <a:fillRef idx="0">
-                <a:schemeClr val="accent1"/>
-              </a:fillRef>
-              <a:effectRef idx="0">
-                <a:schemeClr val="accent1"/>
-              </a:effectRef>
-              <a:fontRef idx="minor">
-                <a:schemeClr val="tx1"/>
-              </a:fontRef>
-            </p:style>
-          </p:cxnSp>
-          <p:cxnSp>
-            <p:nvCxnSpPr>
-              <p:cNvPr id="108" name="Straight Connector 107"/>
-              <p:cNvCxnSpPr/>
-              <p:nvPr/>
-            </p:nvCxnSpPr>
-            <p:spPr>
-              <a:xfrm flipH="1">
-                <a:off x="2133600" y="3625334"/>
-                <a:ext cx="457200" cy="0"/>
-              </a:xfrm>
-              <a:prstGeom prst="line">
-                <a:avLst/>
-              </a:prstGeom>
-              <a:ln>
-                <a:solidFill>
-                  <a:schemeClr val="tx1"/>
-                </a:solidFill>
-              </a:ln>
-            </p:spPr>
-            <p:style>
-              <a:lnRef idx="1">
-                <a:schemeClr val="accent1"/>
-              </a:lnRef>
-              <a:fillRef idx="0">
-                <a:schemeClr val="accent1"/>
-              </a:fillRef>
-              <a:effectRef idx="0">
-                <a:schemeClr val="accent1"/>
-              </a:effectRef>
-              <a:fontRef idx="minor">
-                <a:schemeClr val="tx1"/>
-              </a:fontRef>
-            </p:style>
-          </p:cxnSp>
-        </p:grpSp>
-        <p:sp>
-          <p:nvSpPr>
-            <p:cNvPr id="78" name="Oval 77"/>
-            <p:cNvSpPr/>
-            <p:nvPr/>
-          </p:nvSpPr>
-          <p:spPr>
-            <a:xfrm>
-              <a:off x="2750402" y="3962400"/>
-              <a:ext cx="76200" cy="76200"/>
-            </a:xfrm>
-            <a:prstGeom prst="ellipse">
-              <a:avLst/>
-            </a:prstGeom>
-            <a:solidFill>
-              <a:schemeClr val="tx1"/>
-            </a:solidFill>
-            <a:ln>
-              <a:noFill/>
-            </a:ln>
-          </p:spPr>
-          <p:style>
-            <a:lnRef idx="2">
-              <a:schemeClr val="accent1">
-                <a:shade val="50000"/>
-              </a:schemeClr>
-            </a:lnRef>
-            <a:fillRef idx="1">
-              <a:schemeClr val="accent1"/>
-            </a:fillRef>
-            <a:effectRef idx="0">
-              <a:schemeClr val="accent1"/>
-            </a:effectRef>
-            <a:fontRef idx="minor">
-              <a:schemeClr val="lt1"/>
-            </a:fontRef>
-          </p:style>
-          <p:txBody>
-            <a:bodyPr rtlCol="0" anchor="ctr"/>
-            <a:lstStyle/>
-            <a:p>
-              <a:pPr algn="ctr"/>
-              <a:endParaRPr lang="en-US"/>
-            </a:p>
-          </p:txBody>
-        </p:sp>
-        <p:sp>
-          <p:nvSpPr>
-            <p:cNvPr id="79" name="Oval 78"/>
-            <p:cNvSpPr/>
-            <p:nvPr/>
-          </p:nvSpPr>
-          <p:spPr>
-            <a:xfrm>
-              <a:off x="2880475" y="4202668"/>
-              <a:ext cx="76200" cy="76200"/>
-            </a:xfrm>
-            <a:prstGeom prst="ellipse">
-              <a:avLst/>
-            </a:prstGeom>
-            <a:solidFill>
-              <a:schemeClr val="tx1"/>
-            </a:solidFill>
-            <a:ln>
-              <a:noFill/>
-            </a:ln>
-          </p:spPr>
-          <p:style>
-            <a:lnRef idx="2">
-              <a:schemeClr val="accent1">
-                <a:shade val="50000"/>
-              </a:schemeClr>
-            </a:lnRef>
-            <a:fillRef idx="1">
-              <a:schemeClr val="accent1"/>
-            </a:fillRef>
-            <a:effectRef idx="0">
-              <a:schemeClr val="accent1"/>
-            </a:effectRef>
-            <a:fontRef idx="minor">
-              <a:schemeClr val="lt1"/>
-            </a:fontRef>
-          </p:style>
-          <p:txBody>
-            <a:bodyPr rtlCol="0" anchor="ctr"/>
-            <a:lstStyle/>
-            <a:p>
-              <a:pPr algn="ctr"/>
-              <a:endParaRPr lang="en-US"/>
-            </a:p>
-          </p:txBody>
-        </p:sp>
-        <p:sp>
-          <p:nvSpPr>
-            <p:cNvPr id="80" name="Oval 79"/>
-            <p:cNvSpPr/>
-            <p:nvPr/>
-          </p:nvSpPr>
-          <p:spPr>
-            <a:xfrm>
-              <a:off x="2969159" y="4076700"/>
-              <a:ext cx="76200" cy="76200"/>
-            </a:xfrm>
-            <a:prstGeom prst="ellipse">
-              <a:avLst/>
-            </a:prstGeom>
-            <a:solidFill>
-              <a:schemeClr val="tx1"/>
-            </a:solidFill>
-            <a:ln>
-              <a:noFill/>
-            </a:ln>
-          </p:spPr>
-          <p:style>
-            <a:lnRef idx="2">
-              <a:schemeClr val="accent1">
-                <a:shade val="50000"/>
-              </a:schemeClr>
-            </a:lnRef>
-            <a:fillRef idx="1">
-              <a:schemeClr val="accent1"/>
-            </a:fillRef>
-            <a:effectRef idx="0">
-              <a:schemeClr val="accent1"/>
-            </a:effectRef>
-            <a:fontRef idx="minor">
-              <a:schemeClr val="lt1"/>
-            </a:fontRef>
-          </p:style>
-          <p:txBody>
-            <a:bodyPr rtlCol="0" anchor="ctr"/>
-            <a:lstStyle/>
-            <a:p>
-              <a:pPr algn="ctr"/>
-              <a:endParaRPr lang="en-US"/>
-            </a:p>
-          </p:txBody>
-        </p:sp>
-        <p:sp>
-          <p:nvSpPr>
-            <p:cNvPr id="81" name="Oval 80"/>
-            <p:cNvSpPr/>
-            <p:nvPr/>
-          </p:nvSpPr>
-          <p:spPr>
-            <a:xfrm>
-              <a:off x="2755385" y="4431268"/>
-              <a:ext cx="76200" cy="76200"/>
-            </a:xfrm>
-            <a:prstGeom prst="ellipse">
-              <a:avLst/>
-            </a:prstGeom>
-            <a:solidFill>
-              <a:schemeClr val="tx1"/>
-            </a:solidFill>
-            <a:ln>
-              <a:noFill/>
-            </a:ln>
-          </p:spPr>
-          <p:style>
-            <a:lnRef idx="2">
-              <a:schemeClr val="accent1">
-                <a:shade val="50000"/>
-              </a:schemeClr>
-            </a:lnRef>
-            <a:fillRef idx="1">
-              <a:schemeClr val="accent1"/>
-            </a:fillRef>
-            <a:effectRef idx="0">
-              <a:schemeClr val="accent1"/>
-            </a:effectRef>
-            <a:fontRef idx="minor">
-              <a:schemeClr val="lt1"/>
-            </a:fontRef>
-          </p:style>
-          <p:txBody>
-            <a:bodyPr rtlCol="0" anchor="ctr"/>
-            <a:lstStyle/>
-            <a:p>
-              <a:pPr algn="ctr"/>
-              <a:endParaRPr lang="en-US"/>
-            </a:p>
-          </p:txBody>
-        </p:sp>
-        <p:sp>
-          <p:nvSpPr>
-            <p:cNvPr id="82" name="Oval 81"/>
-            <p:cNvSpPr/>
-            <p:nvPr/>
-          </p:nvSpPr>
-          <p:spPr>
-            <a:xfrm>
-              <a:off x="3023979" y="4467331"/>
-              <a:ext cx="76200" cy="76200"/>
-            </a:xfrm>
-            <a:prstGeom prst="ellipse">
-              <a:avLst/>
-            </a:prstGeom>
-            <a:solidFill>
-              <a:schemeClr val="tx1"/>
-            </a:solidFill>
-            <a:ln>
-              <a:noFill/>
-            </a:ln>
-          </p:spPr>
-          <p:style>
-            <a:lnRef idx="2">
-              <a:schemeClr val="accent1">
-                <a:shade val="50000"/>
-              </a:schemeClr>
-            </a:lnRef>
-            <a:fillRef idx="1">
-              <a:schemeClr val="accent1"/>
-            </a:fillRef>
-            <a:effectRef idx="0">
-              <a:schemeClr val="accent1"/>
-            </a:effectRef>
-            <a:fontRef idx="minor">
-              <a:schemeClr val="lt1"/>
-            </a:fontRef>
-          </p:style>
-          <p:txBody>
-            <a:bodyPr rtlCol="0" anchor="ctr"/>
-            <a:lstStyle/>
-            <a:p>
-              <a:pPr algn="ctr"/>
-              <a:endParaRPr lang="en-US"/>
-            </a:p>
-          </p:txBody>
-        </p:sp>
-        <p:sp>
-          <p:nvSpPr>
-            <p:cNvPr id="83" name="Oval 82"/>
-            <p:cNvSpPr/>
-            <p:nvPr/>
-          </p:nvSpPr>
-          <p:spPr>
-            <a:xfrm>
-              <a:off x="2821443" y="4583668"/>
-              <a:ext cx="76200" cy="76200"/>
-            </a:xfrm>
-            <a:prstGeom prst="ellipse">
-              <a:avLst/>
-            </a:prstGeom>
-            <a:solidFill>
-              <a:schemeClr val="tx1"/>
-            </a:solidFill>
-            <a:ln>
-              <a:noFill/>
-            </a:ln>
-          </p:spPr>
-          <p:style>
-            <a:lnRef idx="2">
-              <a:schemeClr val="accent1">
-                <a:shade val="50000"/>
-              </a:schemeClr>
-            </a:lnRef>
-            <a:fillRef idx="1">
-              <a:schemeClr val="accent1"/>
-            </a:fillRef>
-            <a:effectRef idx="0">
-              <a:schemeClr val="accent1"/>
-            </a:effectRef>
-            <a:fontRef idx="minor">
-              <a:schemeClr val="lt1"/>
-            </a:fontRef>
-          </p:style>
-          <p:txBody>
-            <a:bodyPr rtlCol="0" anchor="ctr"/>
-            <a:lstStyle/>
-            <a:p>
-              <a:pPr algn="ctr"/>
-              <a:endParaRPr lang="en-US"/>
-            </a:p>
-          </p:txBody>
-        </p:sp>
-        <p:sp>
-          <p:nvSpPr>
-            <p:cNvPr id="84" name="Oval 83"/>
-            <p:cNvSpPr/>
-            <p:nvPr/>
-          </p:nvSpPr>
-          <p:spPr>
-            <a:xfrm>
-              <a:off x="3039155" y="4774168"/>
-              <a:ext cx="76200" cy="76200"/>
-            </a:xfrm>
-            <a:prstGeom prst="ellipse">
-              <a:avLst/>
-            </a:prstGeom>
-            <a:solidFill>
-              <a:schemeClr val="tx1"/>
-            </a:solidFill>
-            <a:ln>
-              <a:noFill/>
-            </a:ln>
-          </p:spPr>
-          <p:style>
-            <a:lnRef idx="2">
-              <a:schemeClr val="accent1">
-                <a:shade val="50000"/>
-              </a:schemeClr>
-            </a:lnRef>
-            <a:fillRef idx="1">
-              <a:schemeClr val="accent1"/>
-            </a:fillRef>
-            <a:effectRef idx="0">
-              <a:schemeClr val="accent1"/>
-            </a:effectRef>
-            <a:fontRef idx="minor">
-              <a:schemeClr val="lt1"/>
-            </a:fontRef>
-          </p:style>
-          <p:txBody>
-            <a:bodyPr rtlCol="0" anchor="ctr"/>
-            <a:lstStyle/>
-            <a:p>
-              <a:pPr algn="ctr"/>
-              <a:endParaRPr lang="en-US"/>
-            </a:p>
-          </p:txBody>
-        </p:sp>
-        <p:sp>
-          <p:nvSpPr>
-            <p:cNvPr id="85" name="Oval 84"/>
-            <p:cNvSpPr/>
-            <p:nvPr/>
-          </p:nvSpPr>
-          <p:spPr>
-            <a:xfrm>
-              <a:off x="3756127" y="4009153"/>
-              <a:ext cx="76200" cy="76200"/>
-            </a:xfrm>
-            <a:prstGeom prst="ellipse">
-              <a:avLst/>
-            </a:prstGeom>
-            <a:solidFill>
-              <a:schemeClr val="bg1">
-                <a:lumMod val="65000"/>
-              </a:schemeClr>
-            </a:solidFill>
-            <a:ln>
-              <a:noFill/>
-            </a:ln>
-          </p:spPr>
-          <p:style>
-            <a:lnRef idx="2">
-              <a:schemeClr val="accent1">
-                <a:shade val="50000"/>
-              </a:schemeClr>
-            </a:lnRef>
-            <a:fillRef idx="1">
-              <a:schemeClr val="accent1"/>
-            </a:fillRef>
-            <a:effectRef idx="0">
-              <a:schemeClr val="accent1"/>
-            </a:effectRef>
-            <a:fontRef idx="minor">
-              <a:schemeClr val="lt1"/>
-            </a:fontRef>
-          </p:style>
-          <p:txBody>
-            <a:bodyPr rtlCol="0" anchor="ctr"/>
-            <a:lstStyle/>
-            <a:p>
-              <a:pPr algn="ctr"/>
-              <a:endParaRPr lang="en-US"/>
-            </a:p>
-          </p:txBody>
-        </p:sp>
-        <p:sp>
-          <p:nvSpPr>
-            <p:cNvPr id="86" name="Oval 85"/>
-            <p:cNvSpPr/>
-            <p:nvPr/>
-          </p:nvSpPr>
-          <p:spPr>
-            <a:xfrm>
-              <a:off x="3886200" y="4249421"/>
-              <a:ext cx="76200" cy="76200"/>
-            </a:xfrm>
-            <a:prstGeom prst="ellipse">
-              <a:avLst/>
-            </a:prstGeom>
-            <a:solidFill>
-              <a:schemeClr val="bg1">
-                <a:lumMod val="65000"/>
-              </a:schemeClr>
-            </a:solidFill>
-            <a:ln>
-              <a:noFill/>
-            </a:ln>
-          </p:spPr>
-          <p:style>
-            <a:lnRef idx="2">
-              <a:schemeClr val="accent1">
-                <a:shade val="50000"/>
-              </a:schemeClr>
-            </a:lnRef>
-            <a:fillRef idx="1">
-              <a:schemeClr val="accent1"/>
-            </a:fillRef>
-            <a:effectRef idx="0">
-              <a:schemeClr val="accent1"/>
-            </a:effectRef>
-            <a:fontRef idx="minor">
-              <a:schemeClr val="lt1"/>
-            </a:fontRef>
-          </p:style>
-          <p:txBody>
-            <a:bodyPr rtlCol="0" anchor="ctr"/>
-            <a:lstStyle/>
-            <a:p>
-              <a:pPr algn="ctr"/>
-              <a:endParaRPr lang="en-US"/>
-            </a:p>
-          </p:txBody>
-        </p:sp>
-        <p:sp>
-          <p:nvSpPr>
-            <p:cNvPr id="87" name="Oval 86"/>
-            <p:cNvSpPr/>
-            <p:nvPr/>
-          </p:nvSpPr>
-          <p:spPr>
-            <a:xfrm>
-              <a:off x="4026714" y="4000500"/>
-              <a:ext cx="76200" cy="76200"/>
-            </a:xfrm>
-            <a:prstGeom prst="ellipse">
-              <a:avLst/>
-            </a:prstGeom>
-            <a:solidFill>
-              <a:schemeClr val="bg1">
-                <a:lumMod val="65000"/>
-              </a:schemeClr>
-            </a:solidFill>
-            <a:ln>
-              <a:noFill/>
-            </a:ln>
-          </p:spPr>
-          <p:style>
-            <a:lnRef idx="2">
-              <a:schemeClr val="accent1">
-                <a:shade val="50000"/>
-              </a:schemeClr>
-            </a:lnRef>
-            <a:fillRef idx="1">
-              <a:schemeClr val="accent1"/>
-            </a:fillRef>
-            <a:effectRef idx="0">
-              <a:schemeClr val="accent1"/>
-            </a:effectRef>
-            <a:fontRef idx="minor">
-              <a:schemeClr val="lt1"/>
-            </a:fontRef>
-          </p:style>
-          <p:txBody>
-            <a:bodyPr rtlCol="0" anchor="ctr"/>
-            <a:lstStyle/>
-            <a:p>
-              <a:pPr algn="ctr"/>
-              <a:endParaRPr lang="en-US"/>
-            </a:p>
-          </p:txBody>
-        </p:sp>
-        <p:sp>
-          <p:nvSpPr>
-            <p:cNvPr id="88" name="Oval 87"/>
-            <p:cNvSpPr/>
-            <p:nvPr/>
-          </p:nvSpPr>
-          <p:spPr>
-            <a:xfrm>
-              <a:off x="4014255" y="4507468"/>
-              <a:ext cx="76200" cy="76200"/>
-            </a:xfrm>
-            <a:prstGeom prst="ellipse">
-              <a:avLst/>
-            </a:prstGeom>
-            <a:solidFill>
-              <a:schemeClr val="bg1">
-                <a:lumMod val="65000"/>
-              </a:schemeClr>
-            </a:solidFill>
-            <a:ln>
-              <a:noFill/>
-            </a:ln>
-          </p:spPr>
-          <p:style>
-            <a:lnRef idx="2">
-              <a:schemeClr val="accent1">
-                <a:shade val="50000"/>
-              </a:schemeClr>
-            </a:lnRef>
-            <a:fillRef idx="1">
-              <a:schemeClr val="accent1"/>
-            </a:fillRef>
-            <a:effectRef idx="0">
-              <a:schemeClr val="accent1"/>
-            </a:effectRef>
-            <a:fontRef idx="minor">
-              <a:schemeClr val="lt1"/>
-            </a:fontRef>
-          </p:style>
-          <p:txBody>
-            <a:bodyPr rtlCol="0" anchor="ctr"/>
-            <a:lstStyle/>
-            <a:p>
-              <a:pPr algn="ctr"/>
-              <a:endParaRPr lang="en-US"/>
-            </a:p>
-          </p:txBody>
-        </p:sp>
-        <p:sp>
-          <p:nvSpPr>
-            <p:cNvPr id="89" name="Oval 88"/>
-            <p:cNvSpPr/>
-            <p:nvPr/>
-          </p:nvSpPr>
-          <p:spPr>
-            <a:xfrm>
-              <a:off x="3980516" y="4212374"/>
-              <a:ext cx="76200" cy="76200"/>
-            </a:xfrm>
-            <a:prstGeom prst="ellipse">
-              <a:avLst/>
-            </a:prstGeom>
-            <a:solidFill>
-              <a:schemeClr val="bg1">
-                <a:lumMod val="65000"/>
-              </a:schemeClr>
-            </a:solidFill>
-            <a:ln>
-              <a:noFill/>
-            </a:ln>
-          </p:spPr>
-          <p:style>
-            <a:lnRef idx="2">
-              <a:schemeClr val="accent1">
-                <a:shade val="50000"/>
-              </a:schemeClr>
-            </a:lnRef>
-            <a:fillRef idx="1">
-              <a:schemeClr val="accent1"/>
-            </a:fillRef>
-            <a:effectRef idx="0">
-              <a:schemeClr val="accent1"/>
-            </a:effectRef>
-            <a:fontRef idx="minor">
-              <a:schemeClr val="lt1"/>
-            </a:fontRef>
-          </p:style>
-          <p:txBody>
-            <a:bodyPr rtlCol="0" anchor="ctr"/>
-            <a:lstStyle/>
-            <a:p>
-              <a:pPr algn="ctr"/>
-              <a:endParaRPr lang="en-US"/>
-            </a:p>
-          </p:txBody>
-        </p:sp>
-        <p:sp>
-          <p:nvSpPr>
-            <p:cNvPr id="90" name="Oval 89"/>
-            <p:cNvSpPr/>
-            <p:nvPr/>
-          </p:nvSpPr>
-          <p:spPr>
-            <a:xfrm>
-              <a:off x="3827168" y="4630421"/>
-              <a:ext cx="76200" cy="76200"/>
-            </a:xfrm>
-            <a:prstGeom prst="ellipse">
-              <a:avLst/>
-            </a:prstGeom>
-            <a:solidFill>
-              <a:schemeClr val="bg1">
-                <a:lumMod val="65000"/>
-              </a:schemeClr>
-            </a:solidFill>
-            <a:ln>
-              <a:noFill/>
-            </a:ln>
-          </p:spPr>
-          <p:style>
-            <a:lnRef idx="2">
-              <a:schemeClr val="accent1">
-                <a:shade val="50000"/>
-              </a:schemeClr>
-            </a:lnRef>
-            <a:fillRef idx="1">
-              <a:schemeClr val="accent1"/>
-            </a:fillRef>
-            <a:effectRef idx="0">
-              <a:schemeClr val="accent1"/>
-            </a:effectRef>
-            <a:fontRef idx="minor">
-              <a:schemeClr val="lt1"/>
-            </a:fontRef>
-          </p:style>
-          <p:txBody>
-            <a:bodyPr rtlCol="0" anchor="ctr"/>
-            <a:lstStyle/>
-            <a:p>
-              <a:pPr algn="ctr"/>
-              <a:endParaRPr lang="en-US"/>
-            </a:p>
-          </p:txBody>
-        </p:sp>
-        <p:sp>
-          <p:nvSpPr>
-            <p:cNvPr id="91" name="Oval 90"/>
-            <p:cNvSpPr/>
-            <p:nvPr/>
-          </p:nvSpPr>
-          <p:spPr>
-            <a:xfrm>
-              <a:off x="3968680" y="4771153"/>
-              <a:ext cx="76200" cy="76200"/>
-            </a:xfrm>
-            <a:prstGeom prst="ellipse">
-              <a:avLst/>
-            </a:prstGeom>
-            <a:solidFill>
-              <a:schemeClr val="bg1">
-                <a:lumMod val="65000"/>
-              </a:schemeClr>
-            </a:solidFill>
-            <a:ln>
-              <a:noFill/>
-            </a:ln>
-          </p:spPr>
-          <p:style>
-            <a:lnRef idx="2">
-              <a:schemeClr val="accent1">
-                <a:shade val="50000"/>
-              </a:schemeClr>
-            </a:lnRef>
-            <a:fillRef idx="1">
-              <a:schemeClr val="accent1"/>
-            </a:fillRef>
-            <a:effectRef idx="0">
-              <a:schemeClr val="accent1"/>
-            </a:effectRef>
-            <a:fontRef idx="minor">
-              <a:schemeClr val="lt1"/>
-            </a:fontRef>
-          </p:style>
-          <p:txBody>
-            <a:bodyPr rtlCol="0" anchor="ctr"/>
-            <a:lstStyle/>
-            <a:p>
-              <a:pPr algn="ctr"/>
-              <a:endParaRPr lang="en-US"/>
-            </a:p>
-          </p:txBody>
-        </p:sp>
-        <p:sp>
-          <p:nvSpPr>
-            <p:cNvPr id="92" name="Oval 91"/>
-            <p:cNvSpPr/>
-            <p:nvPr/>
-          </p:nvSpPr>
-          <p:spPr>
-            <a:xfrm>
-              <a:off x="3882911" y="4000500"/>
-              <a:ext cx="76200" cy="76200"/>
-            </a:xfrm>
-            <a:prstGeom prst="ellipse">
-              <a:avLst/>
-            </a:prstGeom>
-            <a:solidFill>
-              <a:schemeClr val="tx1">
-                <a:lumMod val="65000"/>
-                <a:lumOff val="35000"/>
-              </a:schemeClr>
-            </a:solidFill>
-            <a:ln>
-              <a:noFill/>
-            </a:ln>
-          </p:spPr>
-          <p:style>
-            <a:lnRef idx="2">
-              <a:schemeClr val="accent1">
-                <a:shade val="50000"/>
-              </a:schemeClr>
-            </a:lnRef>
-            <a:fillRef idx="1">
-              <a:schemeClr val="accent1"/>
-            </a:fillRef>
-            <a:effectRef idx="0">
-              <a:schemeClr val="accent1"/>
-            </a:effectRef>
-            <a:fontRef idx="minor">
-              <a:schemeClr val="lt1"/>
-            </a:fontRef>
-          </p:style>
-          <p:txBody>
-            <a:bodyPr rtlCol="0" anchor="ctr"/>
-            <a:lstStyle/>
-            <a:p>
-              <a:pPr algn="ctr"/>
-              <a:endParaRPr lang="en-US"/>
-            </a:p>
-          </p:txBody>
-        </p:sp>
-        <p:sp>
-          <p:nvSpPr>
-            <p:cNvPr id="93" name="Oval 92"/>
-            <p:cNvSpPr/>
-            <p:nvPr/>
-          </p:nvSpPr>
-          <p:spPr>
-            <a:xfrm>
-              <a:off x="3990831" y="4336193"/>
-              <a:ext cx="76200" cy="76200"/>
-            </a:xfrm>
-            <a:prstGeom prst="ellipse">
-              <a:avLst/>
-            </a:prstGeom>
-            <a:solidFill>
-              <a:schemeClr val="tx1">
-                <a:lumMod val="65000"/>
-                <a:lumOff val="35000"/>
-              </a:schemeClr>
-            </a:solidFill>
-            <a:ln>
-              <a:noFill/>
-            </a:ln>
-          </p:spPr>
-          <p:style>
-            <a:lnRef idx="2">
-              <a:schemeClr val="accent1">
-                <a:shade val="50000"/>
-              </a:schemeClr>
-            </a:lnRef>
-            <a:fillRef idx="1">
-              <a:schemeClr val="accent1"/>
-            </a:fillRef>
-            <a:effectRef idx="0">
-              <a:schemeClr val="accent1"/>
-            </a:effectRef>
-            <a:fontRef idx="minor">
-              <a:schemeClr val="lt1"/>
-            </a:fontRef>
-          </p:style>
-          <p:txBody>
-            <a:bodyPr rtlCol="0" anchor="ctr"/>
-            <a:lstStyle/>
-            <a:p>
-              <a:pPr algn="ctr"/>
-              <a:endParaRPr lang="en-US"/>
-            </a:p>
-          </p:txBody>
-        </p:sp>
-        <p:sp>
-          <p:nvSpPr>
-            <p:cNvPr id="94" name="Oval 93"/>
-            <p:cNvSpPr/>
-            <p:nvPr/>
-          </p:nvSpPr>
-          <p:spPr>
-            <a:xfrm>
-              <a:off x="4101668" y="4114800"/>
-              <a:ext cx="76200" cy="76200"/>
-            </a:xfrm>
-            <a:prstGeom prst="ellipse">
-              <a:avLst/>
-            </a:prstGeom>
-            <a:solidFill>
-              <a:schemeClr val="tx1">
-                <a:lumMod val="65000"/>
-                <a:lumOff val="35000"/>
-              </a:schemeClr>
-            </a:solidFill>
-            <a:ln>
-              <a:noFill/>
-            </a:ln>
-          </p:spPr>
-          <p:style>
-            <a:lnRef idx="2">
-              <a:schemeClr val="accent1">
-                <a:shade val="50000"/>
-              </a:schemeClr>
-            </a:lnRef>
-            <a:fillRef idx="1">
-              <a:schemeClr val="accent1"/>
-            </a:fillRef>
-            <a:effectRef idx="0">
-              <a:schemeClr val="accent1"/>
-            </a:effectRef>
-            <a:fontRef idx="minor">
-              <a:schemeClr val="lt1"/>
-            </a:fontRef>
-          </p:style>
-          <p:txBody>
-            <a:bodyPr rtlCol="0" anchor="ctr"/>
-            <a:lstStyle/>
-            <a:p>
-              <a:pPr algn="ctr"/>
-              <a:endParaRPr lang="en-US"/>
-            </a:p>
-          </p:txBody>
-        </p:sp>
-        <p:sp>
-          <p:nvSpPr>
-            <p:cNvPr id="95" name="Oval 94"/>
-            <p:cNvSpPr/>
-            <p:nvPr/>
-          </p:nvSpPr>
-          <p:spPr>
-            <a:xfrm>
-              <a:off x="3851664" y="4524462"/>
-              <a:ext cx="76200" cy="76200"/>
-            </a:xfrm>
-            <a:prstGeom prst="ellipse">
-              <a:avLst/>
-            </a:prstGeom>
-            <a:solidFill>
-              <a:schemeClr val="tx1">
-                <a:lumMod val="65000"/>
-                <a:lumOff val="35000"/>
-              </a:schemeClr>
-            </a:solidFill>
-            <a:ln>
-              <a:noFill/>
-            </a:ln>
-          </p:spPr>
-          <p:style>
-            <a:lnRef idx="2">
-              <a:schemeClr val="accent1">
-                <a:shade val="50000"/>
-              </a:schemeClr>
-            </a:lnRef>
-            <a:fillRef idx="1">
-              <a:schemeClr val="accent1"/>
-            </a:fillRef>
-            <a:effectRef idx="0">
-              <a:schemeClr val="accent1"/>
-            </a:effectRef>
-            <a:fontRef idx="minor">
-              <a:schemeClr val="lt1"/>
-            </a:fontRef>
-          </p:style>
-          <p:txBody>
-            <a:bodyPr rtlCol="0" anchor="ctr"/>
-            <a:lstStyle/>
-            <a:p>
-              <a:pPr algn="ctr"/>
-              <a:endParaRPr lang="en-US"/>
-            </a:p>
-          </p:txBody>
-        </p:sp>
-        <p:sp>
-          <p:nvSpPr>
-            <p:cNvPr id="96" name="Oval 95"/>
-            <p:cNvSpPr/>
-            <p:nvPr/>
-          </p:nvSpPr>
-          <p:spPr>
-            <a:xfrm>
-              <a:off x="4136205" y="4524462"/>
-              <a:ext cx="76200" cy="76200"/>
-            </a:xfrm>
-            <a:prstGeom prst="ellipse">
-              <a:avLst/>
-            </a:prstGeom>
-            <a:solidFill>
-              <a:schemeClr val="tx1">
-                <a:lumMod val="65000"/>
-                <a:lumOff val="35000"/>
-              </a:schemeClr>
-            </a:solidFill>
-            <a:ln>
-              <a:noFill/>
-            </a:ln>
-          </p:spPr>
-          <p:style>
-            <a:lnRef idx="2">
-              <a:schemeClr val="accent1">
-                <a:shade val="50000"/>
-              </a:schemeClr>
-            </a:lnRef>
-            <a:fillRef idx="1">
-              <a:schemeClr val="accent1"/>
-            </a:fillRef>
-            <a:effectRef idx="0">
-              <a:schemeClr val="accent1"/>
-            </a:effectRef>
-            <a:fontRef idx="minor">
-              <a:schemeClr val="lt1"/>
-            </a:fontRef>
-          </p:style>
-          <p:txBody>
-            <a:bodyPr rtlCol="0" anchor="ctr"/>
-            <a:lstStyle/>
-            <a:p>
-              <a:pPr algn="ctr"/>
-              <a:endParaRPr lang="en-US"/>
-            </a:p>
-          </p:txBody>
-        </p:sp>
-        <p:sp>
-          <p:nvSpPr>
-            <p:cNvPr id="97" name="Oval 96"/>
-            <p:cNvSpPr/>
-            <p:nvPr/>
-          </p:nvSpPr>
-          <p:spPr>
-            <a:xfrm>
-              <a:off x="3851938" y="4788576"/>
-              <a:ext cx="76200" cy="76200"/>
-            </a:xfrm>
-            <a:prstGeom prst="ellipse">
-              <a:avLst/>
-            </a:prstGeom>
-            <a:solidFill>
-              <a:schemeClr val="tx1">
-                <a:lumMod val="65000"/>
-                <a:lumOff val="35000"/>
-              </a:schemeClr>
-            </a:solidFill>
-            <a:ln>
-              <a:noFill/>
-            </a:ln>
-          </p:spPr>
-          <p:style>
-            <a:lnRef idx="2">
-              <a:schemeClr val="accent1">
-                <a:shade val="50000"/>
-              </a:schemeClr>
-            </a:lnRef>
-            <a:fillRef idx="1">
-              <a:schemeClr val="accent1"/>
-            </a:fillRef>
-            <a:effectRef idx="0">
-              <a:schemeClr val="accent1"/>
-            </a:effectRef>
-            <a:fontRef idx="minor">
-              <a:schemeClr val="lt1"/>
-            </a:fontRef>
-          </p:style>
-          <p:txBody>
-            <a:bodyPr rtlCol="0" anchor="ctr"/>
-            <a:lstStyle/>
-            <a:p>
-              <a:pPr algn="ctr"/>
-              <a:endParaRPr lang="en-US"/>
-            </a:p>
-          </p:txBody>
-        </p:sp>
-        <p:sp>
-          <p:nvSpPr>
-            <p:cNvPr id="98" name="Oval 97"/>
-            <p:cNvSpPr/>
-            <p:nvPr/>
-          </p:nvSpPr>
-          <p:spPr>
-            <a:xfrm>
-              <a:off x="4090455" y="4694953"/>
-              <a:ext cx="76200" cy="76200"/>
-            </a:xfrm>
-            <a:prstGeom prst="ellipse">
-              <a:avLst/>
-            </a:prstGeom>
-            <a:solidFill>
-              <a:schemeClr val="tx1">
-                <a:lumMod val="65000"/>
-                <a:lumOff val="35000"/>
-              </a:schemeClr>
-            </a:solidFill>
-            <a:ln>
-              <a:noFill/>
-            </a:ln>
-          </p:spPr>
-          <p:style>
-            <a:lnRef idx="2">
-              <a:schemeClr val="accent1">
-                <a:shade val="50000"/>
-              </a:schemeClr>
-            </a:lnRef>
-            <a:fillRef idx="1">
-              <a:schemeClr val="accent1"/>
-            </a:fillRef>
-            <a:effectRef idx="0">
-              <a:schemeClr val="accent1"/>
-            </a:effectRef>
-            <a:fontRef idx="minor">
-              <a:schemeClr val="lt1"/>
-            </a:fontRef>
-          </p:style>
-          <p:txBody>
-            <a:bodyPr rtlCol="0" anchor="ctr"/>
-            <a:lstStyle/>
-            <a:p>
-              <a:pPr algn="ctr"/>
-              <a:endParaRPr lang="en-US"/>
-            </a:p>
-          </p:txBody>
-        </p:sp>
-        <p:sp>
-          <p:nvSpPr>
-            <p:cNvPr id="99" name="Oval 98"/>
-            <p:cNvSpPr/>
-            <p:nvPr/>
-          </p:nvSpPr>
-          <p:spPr>
-            <a:xfrm>
-              <a:off x="2739612" y="4114800"/>
-              <a:ext cx="76200" cy="76200"/>
-            </a:xfrm>
-            <a:prstGeom prst="ellipse">
-              <a:avLst/>
-            </a:prstGeom>
-            <a:solidFill>
-              <a:schemeClr val="bg1"/>
-            </a:solidFill>
-            <a:ln>
-              <a:noFill/>
-            </a:ln>
-          </p:spPr>
-          <p:style>
-            <a:lnRef idx="2">
-              <a:schemeClr val="accent1">
-                <a:shade val="50000"/>
-              </a:schemeClr>
-            </a:lnRef>
-            <a:fillRef idx="1">
-              <a:schemeClr val="accent1"/>
-            </a:fillRef>
-            <a:effectRef idx="0">
-              <a:schemeClr val="accent1"/>
-            </a:effectRef>
-            <a:fontRef idx="minor">
-              <a:schemeClr val="lt1"/>
-            </a:fontRef>
-          </p:style>
-          <p:txBody>
-            <a:bodyPr rtlCol="0" anchor="ctr"/>
-            <a:lstStyle/>
-            <a:p>
-              <a:pPr algn="ctr"/>
-              <a:endParaRPr lang="en-US"/>
-            </a:p>
-          </p:txBody>
-        </p:sp>
-        <p:sp>
-          <p:nvSpPr>
-            <p:cNvPr id="100" name="Oval 99"/>
-            <p:cNvSpPr/>
-            <p:nvPr/>
-          </p:nvSpPr>
-          <p:spPr>
-            <a:xfrm>
-              <a:off x="2734453" y="4298093"/>
-              <a:ext cx="76200" cy="76200"/>
-            </a:xfrm>
-            <a:prstGeom prst="ellipse">
-              <a:avLst/>
-            </a:prstGeom>
-            <a:solidFill>
-              <a:schemeClr val="bg1"/>
-            </a:solidFill>
-            <a:ln>
-              <a:noFill/>
-            </a:ln>
-          </p:spPr>
-          <p:style>
-            <a:lnRef idx="2">
-              <a:schemeClr val="accent1">
-                <a:shade val="50000"/>
-              </a:schemeClr>
-            </a:lnRef>
-            <a:fillRef idx="1">
-              <a:schemeClr val="accent1"/>
-            </a:fillRef>
-            <a:effectRef idx="0">
-              <a:schemeClr val="accent1"/>
-            </a:effectRef>
-            <a:fontRef idx="minor">
-              <a:schemeClr val="lt1"/>
-            </a:fontRef>
-          </p:style>
-          <p:txBody>
-            <a:bodyPr rtlCol="0" anchor="ctr"/>
-            <a:lstStyle/>
-            <a:p>
-              <a:pPr algn="ctr"/>
-              <a:endParaRPr lang="en-US"/>
-            </a:p>
-          </p:txBody>
-        </p:sp>
-        <p:sp>
-          <p:nvSpPr>
-            <p:cNvPr id="101" name="Oval 100"/>
-            <p:cNvSpPr/>
-            <p:nvPr/>
-          </p:nvSpPr>
-          <p:spPr>
-            <a:xfrm>
-              <a:off x="3031006" y="4240768"/>
-              <a:ext cx="76200" cy="76200"/>
-            </a:xfrm>
-            <a:prstGeom prst="ellipse">
-              <a:avLst/>
-            </a:prstGeom>
-            <a:solidFill>
-              <a:schemeClr val="bg1"/>
-            </a:solidFill>
-            <a:ln>
-              <a:noFill/>
-            </a:ln>
-          </p:spPr>
-          <p:style>
-            <a:lnRef idx="2">
-              <a:schemeClr val="accent1">
-                <a:shade val="50000"/>
-              </a:schemeClr>
-            </a:lnRef>
-            <a:fillRef idx="1">
-              <a:schemeClr val="accent1"/>
-            </a:fillRef>
-            <a:effectRef idx="0">
-              <a:schemeClr val="accent1"/>
-            </a:effectRef>
-            <a:fontRef idx="minor">
-              <a:schemeClr val="lt1"/>
-            </a:fontRef>
-          </p:style>
-          <p:txBody>
-            <a:bodyPr rtlCol="0" anchor="ctr"/>
-            <a:lstStyle/>
-            <a:p>
-              <a:pPr algn="ctr"/>
-              <a:endParaRPr lang="en-US"/>
-            </a:p>
-          </p:txBody>
-        </p:sp>
-        <p:sp>
-          <p:nvSpPr>
-            <p:cNvPr id="102" name="Oval 101"/>
-            <p:cNvSpPr/>
-            <p:nvPr/>
-          </p:nvSpPr>
-          <p:spPr>
-            <a:xfrm>
-              <a:off x="2853711" y="4459419"/>
-              <a:ext cx="76200" cy="76200"/>
-            </a:xfrm>
-            <a:prstGeom prst="ellipse">
-              <a:avLst/>
-            </a:prstGeom>
-            <a:solidFill>
-              <a:schemeClr val="bg1"/>
-            </a:solidFill>
-            <a:ln>
-              <a:noFill/>
-            </a:ln>
-          </p:spPr>
-          <p:style>
-            <a:lnRef idx="2">
-              <a:schemeClr val="accent1">
-                <a:shade val="50000"/>
-              </a:schemeClr>
-            </a:lnRef>
-            <a:fillRef idx="1">
-              <a:schemeClr val="accent1"/>
-            </a:fillRef>
-            <a:effectRef idx="0">
-              <a:schemeClr val="accent1"/>
-            </a:effectRef>
-            <a:fontRef idx="minor">
-              <a:schemeClr val="lt1"/>
-            </a:fontRef>
-          </p:style>
-          <p:txBody>
-            <a:bodyPr rtlCol="0" anchor="ctr"/>
-            <a:lstStyle/>
-            <a:p>
-              <a:pPr algn="ctr"/>
-              <a:endParaRPr lang="en-US"/>
-            </a:p>
-          </p:txBody>
-        </p:sp>
-        <p:sp>
-          <p:nvSpPr>
-            <p:cNvPr id="103" name="Oval 102"/>
-            <p:cNvSpPr/>
-            <p:nvPr/>
-          </p:nvSpPr>
-          <p:spPr>
-            <a:xfrm>
-              <a:off x="3032202" y="4631673"/>
-              <a:ext cx="76200" cy="76200"/>
-            </a:xfrm>
-            <a:prstGeom prst="ellipse">
-              <a:avLst/>
-            </a:prstGeom>
-            <a:solidFill>
-              <a:schemeClr val="bg1"/>
-            </a:solidFill>
-            <a:ln>
-              <a:noFill/>
-            </a:ln>
-          </p:spPr>
-          <p:style>
-            <a:lnRef idx="2">
-              <a:schemeClr val="accent1">
-                <a:shade val="50000"/>
-              </a:schemeClr>
-            </a:lnRef>
-            <a:fillRef idx="1">
-              <a:schemeClr val="accent1"/>
-            </a:fillRef>
-            <a:effectRef idx="0">
-              <a:schemeClr val="accent1"/>
-            </a:effectRef>
-            <a:fontRef idx="minor">
-              <a:schemeClr val="lt1"/>
-            </a:fontRef>
-          </p:style>
-          <p:txBody>
-            <a:bodyPr rtlCol="0" anchor="ctr"/>
-            <a:lstStyle/>
-            <a:p>
-              <a:pPr algn="ctr"/>
-              <a:endParaRPr lang="en-US"/>
-            </a:p>
-          </p:txBody>
-        </p:sp>
-        <p:sp>
-          <p:nvSpPr>
-            <p:cNvPr id="104" name="Oval 103"/>
-            <p:cNvSpPr/>
-            <p:nvPr/>
-          </p:nvSpPr>
-          <p:spPr>
-            <a:xfrm>
-              <a:off x="2749978" y="4712769"/>
-              <a:ext cx="76200" cy="76200"/>
-            </a:xfrm>
-            <a:prstGeom prst="ellipse">
-              <a:avLst/>
-            </a:prstGeom>
-            <a:solidFill>
-              <a:schemeClr val="bg1"/>
-            </a:solidFill>
-            <a:ln>
-              <a:noFill/>
-            </a:ln>
-          </p:spPr>
-          <p:style>
-            <a:lnRef idx="2">
-              <a:schemeClr val="accent1">
-                <a:shade val="50000"/>
-              </a:schemeClr>
-            </a:lnRef>
-            <a:fillRef idx="1">
-              <a:schemeClr val="accent1"/>
-            </a:fillRef>
-            <a:effectRef idx="0">
-              <a:schemeClr val="accent1"/>
-            </a:effectRef>
-            <a:fontRef idx="minor">
-              <a:schemeClr val="lt1"/>
-            </a:fontRef>
-          </p:style>
-          <p:txBody>
-            <a:bodyPr rtlCol="0" anchor="ctr"/>
-            <a:lstStyle/>
-            <a:p>
-              <a:pPr algn="ctr"/>
-              <a:endParaRPr lang="en-US"/>
-            </a:p>
-          </p:txBody>
-        </p:sp>
-        <p:sp>
-          <p:nvSpPr>
-            <p:cNvPr id="105" name="Oval 104"/>
-            <p:cNvSpPr/>
-            <p:nvPr/>
-          </p:nvSpPr>
-          <p:spPr>
-            <a:xfrm>
-              <a:off x="2865125" y="4809253"/>
-              <a:ext cx="76200" cy="76200"/>
-            </a:xfrm>
-            <a:prstGeom prst="ellipse">
-              <a:avLst/>
-            </a:prstGeom>
-            <a:solidFill>
-              <a:schemeClr val="bg1"/>
-            </a:solidFill>
-            <a:ln>
-              <a:noFill/>
-            </a:ln>
-          </p:spPr>
-          <p:style>
-            <a:lnRef idx="2">
-              <a:schemeClr val="accent1">
-                <a:shade val="50000"/>
-              </a:schemeClr>
-            </a:lnRef>
-            <a:fillRef idx="1">
-              <a:schemeClr val="accent1"/>
-            </a:fillRef>
-            <a:effectRef idx="0">
-              <a:schemeClr val="accent1"/>
-            </a:effectRef>
-            <a:fontRef idx="minor">
-              <a:schemeClr val="lt1"/>
-            </a:fontRef>
-          </p:style>
-          <p:txBody>
-            <a:bodyPr rtlCol="0" anchor="ctr"/>
-            <a:lstStyle/>
-            <a:p>
-              <a:pPr algn="ctr"/>
-              <a:endParaRPr lang="en-US"/>
-            </a:p>
-          </p:txBody>
-        </p:sp>
-      </p:grpSp>
-    </p:spTree>
-    <p:extLst>
-      <p:ext uri="{BB962C8B-B14F-4D97-AF65-F5344CB8AC3E}">
-        <p14:creationId xmlns:p14="http://schemas.microsoft.com/office/powerpoint/2010/main" val="305644717"/>
       </p:ext>
     </p:extLst>
   </p:cSld>
@@ -38953,7 +37314,7 @@
   <p:timing>
     <p:tnLst>
       <p:par>
-        <p:cTn id="1" dur="indefinite" restart="never" nodeType="tmRoot"/>
+        <p:cTn xmlns:p14="http://schemas.microsoft.com/office/powerpoint/2010/main" id="1" dur="indefinite" restart="never" nodeType="tmRoot"/>
       </p:par>
     </p:tnLst>
   </p:timing>
@@ -39012,14 +37373,14 @@
           </a:ln>
           <a:effectLst/>
           <a:extLst>
-            <a:ext uri="{909E8E84-426E-40DD-AFC4-6F175D3DCCD1}">
+            <a:ext uri="{909E8E84-426E-40dd-AFC4-6F175D3DCCD1}">
               <a14:hiddenFill xmlns:a14="http://schemas.microsoft.com/office/drawing/2010/main">
                 <a:solidFill>
                   <a:schemeClr val="accent1"/>
                 </a:solidFill>
               </a14:hiddenFill>
             </a:ext>
-            <a:ext uri="{91240B29-F687-4F45-9708-019B960494DF}">
+            <a:ext uri="{91240B29-F687-4f45-9708-019B960494DF}">
               <a14:hiddenLine xmlns:a14="http://schemas.microsoft.com/office/drawing/2010/main" w="9525">
                 <a:solidFill>
                   <a:schemeClr val="tx1"/>
@@ -39029,7 +37390,7 @@
                 <a:tailEnd/>
               </a14:hiddenLine>
             </a:ext>
-            <a:ext uri="{AF507438-7753-43E0-B8FC-AC1667EBCBE1}">
+            <a:ext uri="{AF507438-7753-43e0-B8FC-AC1667EBCBE1}">
               <a14:hiddenEffects xmlns:a14="http://schemas.microsoft.com/office/drawing/2010/main">
                 <a:effectLst>
                   <a:outerShdw dist="35921" dir="2700000" algn="ctr" rotWithShape="0">
@@ -39186,14 +37547,14 @@
           </a:ln>
           <a:effectLst/>
           <a:extLst>
-            <a:ext uri="{909E8E84-426E-40DD-AFC4-6F175D3DCCD1}">
+            <a:ext uri="{909E8E84-426E-40dd-AFC4-6F175D3DCCD1}">
               <a14:hiddenFill xmlns:a14="http://schemas.microsoft.com/office/drawing/2010/main">
                 <a:solidFill>
                   <a:schemeClr val="accent1"/>
                 </a:solidFill>
               </a14:hiddenFill>
             </a:ext>
-            <a:ext uri="{91240B29-F687-4F45-9708-019B960494DF}">
+            <a:ext uri="{91240B29-F687-4f45-9708-019B960494DF}">
               <a14:hiddenLine xmlns:a14="http://schemas.microsoft.com/office/drawing/2010/main" w="9525">
                 <a:solidFill>
                   <a:schemeClr val="tx1"/>
@@ -39203,7 +37564,7 @@
                 <a:tailEnd/>
               </a14:hiddenLine>
             </a:ext>
-            <a:ext uri="{AF507438-7753-43E0-B8FC-AC1667EBCBE1}">
+            <a:ext uri="{AF507438-7753-43e0-B8FC-AC1667EBCBE1}">
               <a14:hiddenEffects xmlns:a14="http://schemas.microsoft.com/office/drawing/2010/main">
                 <a:effectLst>
                   <a:outerShdw dist="35921" dir="2700000" algn="ctr" rotWithShape="0">
@@ -40748,6 +39109,1807 @@
           </p:txBody>
         </p:sp>
       </p:grpSp>
+    </p:spTree>
+    <p:extLst>
+      <p:ext uri="{BB962C8B-B14F-4D97-AF65-F5344CB8AC3E}">
+        <p14:creationId xmlns:p14="http://schemas.microsoft.com/office/powerpoint/2010/main" val="305644717"/>
+      </p:ext>
+    </p:extLst>
+  </p:cSld>
+  <p:clrMapOvr>
+    <a:masterClrMapping/>
+  </p:clrMapOvr>
+</p:sld>
+</file>
+
+<file path=ppt/slides/slide41.xml><?xml version="1.0" encoding="utf-8"?>
+<p:sld xmlns:a="http://schemas.openxmlformats.org/drawingml/2006/main" xmlns:r="http://schemas.openxmlformats.org/officeDocument/2006/relationships" xmlns:p="http://schemas.openxmlformats.org/presentationml/2006/main">
+  <p:cSld>
+    <p:spTree>
+      <p:nvGrpSpPr>
+        <p:cNvPr id="1" name=""/>
+        <p:cNvGrpSpPr/>
+        <p:nvPr/>
+      </p:nvGrpSpPr>
+      <p:grpSpPr>
+        <a:xfrm>
+          <a:off x="0" y="0"/>
+          <a:ext cx="0" cy="0"/>
+          <a:chOff x="0" y="0"/>
+          <a:chExt cx="0" cy="0"/>
+        </a:xfrm>
+      </p:grpSpPr>
+      <p:pic>
+        <p:nvPicPr>
+          <p:cNvPr id="12294" name="Picture 6"/>
+          <p:cNvPicPr>
+            <a:picLocks noChangeAspect="1" noChangeArrowheads="1"/>
+          </p:cNvPicPr>
+          <p:nvPr/>
+        </p:nvPicPr>
+        <p:blipFill>
+          <a:blip r:embed="rId2">
+            <a:extLst>
+              <a:ext uri="{28A0092B-C50C-407E-A947-70E740481C1C}">
+                <a14:useLocalDpi xmlns:a14="http://schemas.microsoft.com/office/drawing/2010/main" val="0"/>
+              </a:ext>
+            </a:extLst>
+          </a:blip>
+          <a:srcRect/>
+          <a:stretch>
+            <a:fillRect/>
+          </a:stretch>
+        </p:blipFill>
+        <p:spPr bwMode="auto">
+          <a:xfrm>
+            <a:off x="838200" y="2590800"/>
+            <a:ext cx="7391400" cy="4114800"/>
+          </a:xfrm>
+          <a:prstGeom prst="rect">
+            <a:avLst/>
+          </a:prstGeom>
+          <a:noFill/>
+          <a:ln>
+            <a:noFill/>
+          </a:ln>
+          <a:effectLst/>
+          <a:extLst>
+            <a:ext uri="{909E8E84-426E-40dd-AFC4-6F175D3DCCD1}">
+              <a14:hiddenFill xmlns:a14="http://schemas.microsoft.com/office/drawing/2010/main">
+                <a:solidFill>
+                  <a:schemeClr val="accent1"/>
+                </a:solidFill>
+              </a14:hiddenFill>
+            </a:ext>
+            <a:ext uri="{91240B29-F687-4f45-9708-019B960494DF}">
+              <a14:hiddenLine xmlns:a14="http://schemas.microsoft.com/office/drawing/2010/main" w="9525">
+                <a:solidFill>
+                  <a:schemeClr val="tx1"/>
+                </a:solidFill>
+                <a:miter lim="800000"/>
+                <a:headEnd/>
+                <a:tailEnd/>
+              </a14:hiddenLine>
+            </a:ext>
+            <a:ext uri="{AF507438-7753-43e0-B8FC-AC1667EBCBE1}">
+              <a14:hiddenEffects xmlns:a14="http://schemas.microsoft.com/office/drawing/2010/main">
+                <a:effectLst>
+                  <a:outerShdw dist="35921" dir="2700000" algn="ctr" rotWithShape="0">
+                    <a:schemeClr val="bg2"/>
+                  </a:outerShdw>
+                </a:effectLst>
+              </a14:hiddenEffects>
+            </a:ext>
+          </a:extLst>
+        </p:spPr>
+      </p:pic>
+      <p:cxnSp>
+        <p:nvCxnSpPr>
+          <p:cNvPr id="3" name="Straight Connector 2"/>
+          <p:cNvCxnSpPr/>
+          <p:nvPr/>
+        </p:nvCxnSpPr>
+        <p:spPr>
+          <a:xfrm flipV="1">
+            <a:off x="5638800" y="3505200"/>
+            <a:ext cx="0" cy="1905000"/>
+          </a:xfrm>
+          <a:prstGeom prst="line">
+            <a:avLst/>
+          </a:prstGeom>
+          <a:ln w="76200">
+            <a:solidFill>
+              <a:srgbClr val="FF0000"/>
+            </a:solidFill>
+            <a:prstDash val="dash"/>
+          </a:ln>
+        </p:spPr>
+        <p:style>
+          <a:lnRef idx="1">
+            <a:schemeClr val="accent1"/>
+          </a:lnRef>
+          <a:fillRef idx="0">
+            <a:schemeClr val="accent1"/>
+          </a:fillRef>
+          <a:effectRef idx="0">
+            <a:schemeClr val="accent1"/>
+          </a:effectRef>
+          <a:fontRef idx="minor">
+            <a:schemeClr val="tx1"/>
+          </a:fontRef>
+        </p:style>
+      </p:cxnSp>
+      <p:cxnSp>
+        <p:nvCxnSpPr>
+          <p:cNvPr id="71" name="Straight Connector 70"/>
+          <p:cNvCxnSpPr/>
+          <p:nvPr/>
+        </p:nvCxnSpPr>
+        <p:spPr>
+          <a:xfrm flipV="1">
+            <a:off x="4648200" y="4953000"/>
+            <a:ext cx="0" cy="457200"/>
+          </a:xfrm>
+          <a:prstGeom prst="line">
+            <a:avLst/>
+          </a:prstGeom>
+          <a:ln w="76200">
+            <a:solidFill>
+              <a:srgbClr val="FF0000"/>
+            </a:solidFill>
+            <a:prstDash val="dash"/>
+          </a:ln>
+        </p:spPr>
+        <p:style>
+          <a:lnRef idx="1">
+            <a:schemeClr val="accent1"/>
+          </a:lnRef>
+          <a:fillRef idx="0">
+            <a:schemeClr val="accent1"/>
+          </a:fillRef>
+          <a:effectRef idx="0">
+            <a:schemeClr val="accent1"/>
+          </a:effectRef>
+          <a:fontRef idx="minor">
+            <a:schemeClr val="tx1"/>
+          </a:fontRef>
+        </p:style>
+      </p:cxnSp>
+      <p:sp>
+        <p:nvSpPr>
+          <p:cNvPr id="6" name="TextBox 5"/>
+          <p:cNvSpPr txBox="1"/>
+          <p:nvPr/>
+        </p:nvSpPr>
+        <p:spPr>
+          <a:xfrm>
+            <a:off x="5916672" y="4226867"/>
+            <a:ext cx="732893" cy="461665"/>
+          </a:xfrm>
+          <a:prstGeom prst="rect">
+            <a:avLst/>
+          </a:prstGeom>
+          <a:noFill/>
+        </p:spPr>
+        <p:txBody>
+          <a:bodyPr wrap="none" rtlCol="0">
+            <a:spAutoFit/>
+          </a:bodyPr>
+          <a:lstStyle/>
+          <a:p>
+            <a:r>
+              <a:rPr lang="en-US" sz="2400" dirty="0" smtClean="0">
+                <a:solidFill>
+                  <a:srgbClr val="FF0000"/>
+                </a:solidFill>
+              </a:rPr>
+              <a:t>d‘=1</a:t>
+            </a:r>
+            <a:endParaRPr lang="en-US" sz="2400" dirty="0">
+              <a:solidFill>
+                <a:srgbClr val="FF0000"/>
+              </a:solidFill>
+            </a:endParaRPr>
+          </a:p>
+        </p:txBody>
+      </p:sp>
+      <p:pic>
+        <p:nvPicPr>
+          <p:cNvPr id="1026" name="Picture 2"/>
+          <p:cNvPicPr>
+            <a:picLocks noChangeAspect="1" noChangeArrowheads="1"/>
+          </p:cNvPicPr>
+          <p:nvPr/>
+        </p:nvPicPr>
+        <p:blipFill>
+          <a:blip r:embed="rId3">
+            <a:extLst>
+              <a:ext uri="{28A0092B-C50C-407E-A947-70E740481C1C}">
+                <a14:useLocalDpi xmlns:a14="http://schemas.microsoft.com/office/drawing/2010/main" val="0"/>
+              </a:ext>
+            </a:extLst>
+          </a:blip>
+          <a:srcRect/>
+          <a:stretch>
+            <a:fillRect/>
+          </a:stretch>
+        </p:blipFill>
+        <p:spPr bwMode="auto">
+          <a:xfrm>
+            <a:off x="3886200" y="533400"/>
+            <a:ext cx="3090863" cy="2206912"/>
+          </a:xfrm>
+          <a:prstGeom prst="rect">
+            <a:avLst/>
+          </a:prstGeom>
+          <a:noFill/>
+          <a:ln>
+            <a:noFill/>
+          </a:ln>
+          <a:effectLst/>
+          <a:extLst>
+            <a:ext uri="{909E8E84-426E-40dd-AFC4-6F175D3DCCD1}">
+              <a14:hiddenFill xmlns:a14="http://schemas.microsoft.com/office/drawing/2010/main">
+                <a:solidFill>
+                  <a:schemeClr val="accent1"/>
+                </a:solidFill>
+              </a14:hiddenFill>
+            </a:ext>
+            <a:ext uri="{91240B29-F687-4f45-9708-019B960494DF}">
+              <a14:hiddenLine xmlns:a14="http://schemas.microsoft.com/office/drawing/2010/main" w="9525">
+                <a:solidFill>
+                  <a:schemeClr val="tx1"/>
+                </a:solidFill>
+                <a:miter lim="800000"/>
+                <a:headEnd/>
+                <a:tailEnd/>
+              </a14:hiddenLine>
+            </a:ext>
+            <a:ext uri="{AF507438-7753-43e0-B8FC-AC1667EBCBE1}">
+              <a14:hiddenEffects xmlns:a14="http://schemas.microsoft.com/office/drawing/2010/main">
+                <a:effectLst>
+                  <a:outerShdw dist="35921" dir="2700000" algn="ctr" rotWithShape="0">
+                    <a:schemeClr val="bg2"/>
+                  </a:outerShdw>
+                </a:effectLst>
+              </a14:hiddenEffects>
+            </a:ext>
+          </a:extLst>
+        </p:spPr>
+      </p:pic>
+      <p:cxnSp>
+        <p:nvCxnSpPr>
+          <p:cNvPr id="4" name="Straight Connector 3"/>
+          <p:cNvCxnSpPr/>
+          <p:nvPr/>
+        </p:nvCxnSpPr>
+        <p:spPr>
+          <a:xfrm>
+            <a:off x="5431631" y="533400"/>
+            <a:ext cx="207169" cy="0"/>
+          </a:xfrm>
+          <a:prstGeom prst="line">
+            <a:avLst/>
+          </a:prstGeom>
+        </p:spPr>
+        <p:style>
+          <a:lnRef idx="1">
+            <a:schemeClr val="accent1"/>
+          </a:lnRef>
+          <a:fillRef idx="0">
+            <a:schemeClr val="accent1"/>
+          </a:fillRef>
+          <a:effectRef idx="0">
+            <a:schemeClr val="accent1"/>
+          </a:effectRef>
+          <a:fontRef idx="minor">
+            <a:schemeClr val="tx1"/>
+          </a:fontRef>
+        </p:style>
+      </p:cxnSp>
+      <p:sp>
+        <p:nvSpPr>
+          <p:cNvPr id="5" name="TextBox 4"/>
+          <p:cNvSpPr txBox="1"/>
+          <p:nvPr/>
+        </p:nvSpPr>
+        <p:spPr>
+          <a:xfrm>
+            <a:off x="5257800" y="156358"/>
+            <a:ext cx="617798" cy="369332"/>
+          </a:xfrm>
+          <a:prstGeom prst="rect">
+            <a:avLst/>
+          </a:prstGeom>
+          <a:noFill/>
+        </p:spPr>
+        <p:txBody>
+          <a:bodyPr wrap="none" rtlCol="0">
+            <a:spAutoFit/>
+          </a:bodyPr>
+          <a:lstStyle/>
+          <a:p>
+            <a:r>
+              <a:rPr lang="en-US" dirty="0" smtClean="0"/>
+              <a:t>d’=1</a:t>
+            </a:r>
+            <a:endParaRPr lang="en-US" dirty="0"/>
+          </a:p>
+        </p:txBody>
+      </p:sp>
+      <p:grpSp>
+        <p:nvGrpSpPr>
+          <p:cNvPr id="76" name="Group 75"/>
+          <p:cNvGrpSpPr/>
+          <p:nvPr/>
+        </p:nvGrpSpPr>
+        <p:grpSpPr>
+          <a:xfrm rot="10800000">
+            <a:off x="2362200" y="947976"/>
+            <a:ext cx="1676400" cy="1154668"/>
+            <a:chOff x="2590800" y="3853934"/>
+            <a:chExt cx="1676400" cy="1154668"/>
+          </a:xfrm>
+        </p:grpSpPr>
+        <p:grpSp>
+          <p:nvGrpSpPr>
+            <p:cNvPr id="77" name="Group 76"/>
+            <p:cNvGrpSpPr/>
+            <p:nvPr/>
+          </p:nvGrpSpPr>
+          <p:grpSpPr>
+            <a:xfrm>
+              <a:off x="2590800" y="3853934"/>
+              <a:ext cx="1676400" cy="1154668"/>
+              <a:chOff x="1524000" y="3048000"/>
+              <a:chExt cx="1676400" cy="1154668"/>
+            </a:xfrm>
+          </p:grpSpPr>
+          <p:sp>
+            <p:nvSpPr>
+              <p:cNvPr id="106" name="Rectangle 105"/>
+              <p:cNvSpPr/>
+              <p:nvPr/>
+            </p:nvSpPr>
+            <p:spPr>
+              <a:xfrm>
+                <a:off x="1524000" y="3048000"/>
+                <a:ext cx="1676400" cy="1154668"/>
+              </a:xfrm>
+              <a:prstGeom prst="rect">
+                <a:avLst/>
+              </a:prstGeom>
+              <a:solidFill>
+                <a:schemeClr val="bg1">
+                  <a:lumMod val="50000"/>
+                </a:schemeClr>
+              </a:solidFill>
+              <a:ln>
+                <a:solidFill>
+                  <a:schemeClr val="tx1"/>
+                </a:solidFill>
+              </a:ln>
+            </p:spPr>
+            <p:style>
+              <a:lnRef idx="2">
+                <a:schemeClr val="accent1">
+                  <a:shade val="50000"/>
+                </a:schemeClr>
+              </a:lnRef>
+              <a:fillRef idx="1">
+                <a:schemeClr val="accent1"/>
+              </a:fillRef>
+              <a:effectRef idx="0">
+                <a:schemeClr val="accent1"/>
+              </a:effectRef>
+              <a:fontRef idx="minor">
+                <a:schemeClr val="lt1"/>
+              </a:fontRef>
+            </p:style>
+            <p:txBody>
+              <a:bodyPr rtlCol="0" anchor="ctr"/>
+              <a:lstStyle/>
+              <a:p>
+                <a:pPr algn="ctr"/>
+                <a:endParaRPr lang="en-US" dirty="0"/>
+              </a:p>
+            </p:txBody>
+          </p:sp>
+          <p:cxnSp>
+            <p:nvCxnSpPr>
+              <p:cNvPr id="107" name="Straight Connector 106"/>
+              <p:cNvCxnSpPr/>
+              <p:nvPr/>
+            </p:nvCxnSpPr>
+            <p:spPr>
+              <a:xfrm>
+                <a:off x="2362200" y="3396734"/>
+                <a:ext cx="0" cy="457200"/>
+              </a:xfrm>
+              <a:prstGeom prst="line">
+                <a:avLst/>
+              </a:prstGeom>
+              <a:ln>
+                <a:solidFill>
+                  <a:schemeClr val="tx1"/>
+                </a:solidFill>
+              </a:ln>
+            </p:spPr>
+            <p:style>
+              <a:lnRef idx="1">
+                <a:schemeClr val="accent1"/>
+              </a:lnRef>
+              <a:fillRef idx="0">
+                <a:schemeClr val="accent1"/>
+              </a:fillRef>
+              <a:effectRef idx="0">
+                <a:schemeClr val="accent1"/>
+              </a:effectRef>
+              <a:fontRef idx="minor">
+                <a:schemeClr val="tx1"/>
+              </a:fontRef>
+            </p:style>
+          </p:cxnSp>
+          <p:cxnSp>
+            <p:nvCxnSpPr>
+              <p:cNvPr id="108" name="Straight Connector 107"/>
+              <p:cNvCxnSpPr/>
+              <p:nvPr/>
+            </p:nvCxnSpPr>
+            <p:spPr>
+              <a:xfrm flipH="1">
+                <a:off x="2133600" y="3625334"/>
+                <a:ext cx="457200" cy="0"/>
+              </a:xfrm>
+              <a:prstGeom prst="line">
+                <a:avLst/>
+              </a:prstGeom>
+              <a:ln>
+                <a:solidFill>
+                  <a:schemeClr val="tx1"/>
+                </a:solidFill>
+              </a:ln>
+            </p:spPr>
+            <p:style>
+              <a:lnRef idx="1">
+                <a:schemeClr val="accent1"/>
+              </a:lnRef>
+              <a:fillRef idx="0">
+                <a:schemeClr val="accent1"/>
+              </a:fillRef>
+              <a:effectRef idx="0">
+                <a:schemeClr val="accent1"/>
+              </a:effectRef>
+              <a:fontRef idx="minor">
+                <a:schemeClr val="tx1"/>
+              </a:fontRef>
+            </p:style>
+          </p:cxnSp>
+        </p:grpSp>
+        <p:sp>
+          <p:nvSpPr>
+            <p:cNvPr id="78" name="Oval 77"/>
+            <p:cNvSpPr/>
+            <p:nvPr/>
+          </p:nvSpPr>
+          <p:spPr>
+            <a:xfrm>
+              <a:off x="2750402" y="3962400"/>
+              <a:ext cx="76200" cy="76200"/>
+            </a:xfrm>
+            <a:prstGeom prst="ellipse">
+              <a:avLst/>
+            </a:prstGeom>
+            <a:solidFill>
+              <a:schemeClr val="tx1"/>
+            </a:solidFill>
+            <a:ln>
+              <a:noFill/>
+            </a:ln>
+          </p:spPr>
+          <p:style>
+            <a:lnRef idx="2">
+              <a:schemeClr val="accent1">
+                <a:shade val="50000"/>
+              </a:schemeClr>
+            </a:lnRef>
+            <a:fillRef idx="1">
+              <a:schemeClr val="accent1"/>
+            </a:fillRef>
+            <a:effectRef idx="0">
+              <a:schemeClr val="accent1"/>
+            </a:effectRef>
+            <a:fontRef idx="minor">
+              <a:schemeClr val="lt1"/>
+            </a:fontRef>
+          </p:style>
+          <p:txBody>
+            <a:bodyPr rtlCol="0" anchor="ctr"/>
+            <a:lstStyle/>
+            <a:p>
+              <a:pPr algn="ctr"/>
+              <a:endParaRPr lang="en-US"/>
+            </a:p>
+          </p:txBody>
+        </p:sp>
+        <p:sp>
+          <p:nvSpPr>
+            <p:cNvPr id="79" name="Oval 78"/>
+            <p:cNvSpPr/>
+            <p:nvPr/>
+          </p:nvSpPr>
+          <p:spPr>
+            <a:xfrm>
+              <a:off x="2880475" y="4202668"/>
+              <a:ext cx="76200" cy="76200"/>
+            </a:xfrm>
+            <a:prstGeom prst="ellipse">
+              <a:avLst/>
+            </a:prstGeom>
+            <a:solidFill>
+              <a:schemeClr val="tx1"/>
+            </a:solidFill>
+            <a:ln>
+              <a:noFill/>
+            </a:ln>
+          </p:spPr>
+          <p:style>
+            <a:lnRef idx="2">
+              <a:schemeClr val="accent1">
+                <a:shade val="50000"/>
+              </a:schemeClr>
+            </a:lnRef>
+            <a:fillRef idx="1">
+              <a:schemeClr val="accent1"/>
+            </a:fillRef>
+            <a:effectRef idx="0">
+              <a:schemeClr val="accent1"/>
+            </a:effectRef>
+            <a:fontRef idx="minor">
+              <a:schemeClr val="lt1"/>
+            </a:fontRef>
+          </p:style>
+          <p:txBody>
+            <a:bodyPr rtlCol="0" anchor="ctr"/>
+            <a:lstStyle/>
+            <a:p>
+              <a:pPr algn="ctr"/>
+              <a:endParaRPr lang="en-US"/>
+            </a:p>
+          </p:txBody>
+        </p:sp>
+        <p:sp>
+          <p:nvSpPr>
+            <p:cNvPr id="80" name="Oval 79"/>
+            <p:cNvSpPr/>
+            <p:nvPr/>
+          </p:nvSpPr>
+          <p:spPr>
+            <a:xfrm>
+              <a:off x="2969159" y="4076700"/>
+              <a:ext cx="76200" cy="76200"/>
+            </a:xfrm>
+            <a:prstGeom prst="ellipse">
+              <a:avLst/>
+            </a:prstGeom>
+            <a:solidFill>
+              <a:schemeClr val="tx1"/>
+            </a:solidFill>
+            <a:ln>
+              <a:noFill/>
+            </a:ln>
+          </p:spPr>
+          <p:style>
+            <a:lnRef idx="2">
+              <a:schemeClr val="accent1">
+                <a:shade val="50000"/>
+              </a:schemeClr>
+            </a:lnRef>
+            <a:fillRef idx="1">
+              <a:schemeClr val="accent1"/>
+            </a:fillRef>
+            <a:effectRef idx="0">
+              <a:schemeClr val="accent1"/>
+            </a:effectRef>
+            <a:fontRef idx="minor">
+              <a:schemeClr val="lt1"/>
+            </a:fontRef>
+          </p:style>
+          <p:txBody>
+            <a:bodyPr rtlCol="0" anchor="ctr"/>
+            <a:lstStyle/>
+            <a:p>
+              <a:pPr algn="ctr"/>
+              <a:endParaRPr lang="en-US"/>
+            </a:p>
+          </p:txBody>
+        </p:sp>
+        <p:sp>
+          <p:nvSpPr>
+            <p:cNvPr id="81" name="Oval 80"/>
+            <p:cNvSpPr/>
+            <p:nvPr/>
+          </p:nvSpPr>
+          <p:spPr>
+            <a:xfrm>
+              <a:off x="2755385" y="4431268"/>
+              <a:ext cx="76200" cy="76200"/>
+            </a:xfrm>
+            <a:prstGeom prst="ellipse">
+              <a:avLst/>
+            </a:prstGeom>
+            <a:solidFill>
+              <a:schemeClr val="tx1"/>
+            </a:solidFill>
+            <a:ln>
+              <a:noFill/>
+            </a:ln>
+          </p:spPr>
+          <p:style>
+            <a:lnRef idx="2">
+              <a:schemeClr val="accent1">
+                <a:shade val="50000"/>
+              </a:schemeClr>
+            </a:lnRef>
+            <a:fillRef idx="1">
+              <a:schemeClr val="accent1"/>
+            </a:fillRef>
+            <a:effectRef idx="0">
+              <a:schemeClr val="accent1"/>
+            </a:effectRef>
+            <a:fontRef idx="minor">
+              <a:schemeClr val="lt1"/>
+            </a:fontRef>
+          </p:style>
+          <p:txBody>
+            <a:bodyPr rtlCol="0" anchor="ctr"/>
+            <a:lstStyle/>
+            <a:p>
+              <a:pPr algn="ctr"/>
+              <a:endParaRPr lang="en-US"/>
+            </a:p>
+          </p:txBody>
+        </p:sp>
+        <p:sp>
+          <p:nvSpPr>
+            <p:cNvPr id="82" name="Oval 81"/>
+            <p:cNvSpPr/>
+            <p:nvPr/>
+          </p:nvSpPr>
+          <p:spPr>
+            <a:xfrm>
+              <a:off x="3023979" y="4467331"/>
+              <a:ext cx="76200" cy="76200"/>
+            </a:xfrm>
+            <a:prstGeom prst="ellipse">
+              <a:avLst/>
+            </a:prstGeom>
+            <a:solidFill>
+              <a:schemeClr val="tx1"/>
+            </a:solidFill>
+            <a:ln>
+              <a:noFill/>
+            </a:ln>
+          </p:spPr>
+          <p:style>
+            <a:lnRef idx="2">
+              <a:schemeClr val="accent1">
+                <a:shade val="50000"/>
+              </a:schemeClr>
+            </a:lnRef>
+            <a:fillRef idx="1">
+              <a:schemeClr val="accent1"/>
+            </a:fillRef>
+            <a:effectRef idx="0">
+              <a:schemeClr val="accent1"/>
+            </a:effectRef>
+            <a:fontRef idx="minor">
+              <a:schemeClr val="lt1"/>
+            </a:fontRef>
+          </p:style>
+          <p:txBody>
+            <a:bodyPr rtlCol="0" anchor="ctr"/>
+            <a:lstStyle/>
+            <a:p>
+              <a:pPr algn="ctr"/>
+              <a:endParaRPr lang="en-US"/>
+            </a:p>
+          </p:txBody>
+        </p:sp>
+        <p:sp>
+          <p:nvSpPr>
+            <p:cNvPr id="83" name="Oval 82"/>
+            <p:cNvSpPr/>
+            <p:nvPr/>
+          </p:nvSpPr>
+          <p:spPr>
+            <a:xfrm>
+              <a:off x="2821443" y="4583668"/>
+              <a:ext cx="76200" cy="76200"/>
+            </a:xfrm>
+            <a:prstGeom prst="ellipse">
+              <a:avLst/>
+            </a:prstGeom>
+            <a:solidFill>
+              <a:schemeClr val="tx1"/>
+            </a:solidFill>
+            <a:ln>
+              <a:noFill/>
+            </a:ln>
+          </p:spPr>
+          <p:style>
+            <a:lnRef idx="2">
+              <a:schemeClr val="accent1">
+                <a:shade val="50000"/>
+              </a:schemeClr>
+            </a:lnRef>
+            <a:fillRef idx="1">
+              <a:schemeClr val="accent1"/>
+            </a:fillRef>
+            <a:effectRef idx="0">
+              <a:schemeClr val="accent1"/>
+            </a:effectRef>
+            <a:fontRef idx="minor">
+              <a:schemeClr val="lt1"/>
+            </a:fontRef>
+          </p:style>
+          <p:txBody>
+            <a:bodyPr rtlCol="0" anchor="ctr"/>
+            <a:lstStyle/>
+            <a:p>
+              <a:pPr algn="ctr"/>
+              <a:endParaRPr lang="en-US"/>
+            </a:p>
+          </p:txBody>
+        </p:sp>
+        <p:sp>
+          <p:nvSpPr>
+            <p:cNvPr id="84" name="Oval 83"/>
+            <p:cNvSpPr/>
+            <p:nvPr/>
+          </p:nvSpPr>
+          <p:spPr>
+            <a:xfrm>
+              <a:off x="3039155" y="4774168"/>
+              <a:ext cx="76200" cy="76200"/>
+            </a:xfrm>
+            <a:prstGeom prst="ellipse">
+              <a:avLst/>
+            </a:prstGeom>
+            <a:solidFill>
+              <a:schemeClr val="tx1"/>
+            </a:solidFill>
+            <a:ln>
+              <a:noFill/>
+            </a:ln>
+          </p:spPr>
+          <p:style>
+            <a:lnRef idx="2">
+              <a:schemeClr val="accent1">
+                <a:shade val="50000"/>
+              </a:schemeClr>
+            </a:lnRef>
+            <a:fillRef idx="1">
+              <a:schemeClr val="accent1"/>
+            </a:fillRef>
+            <a:effectRef idx="0">
+              <a:schemeClr val="accent1"/>
+            </a:effectRef>
+            <a:fontRef idx="minor">
+              <a:schemeClr val="lt1"/>
+            </a:fontRef>
+          </p:style>
+          <p:txBody>
+            <a:bodyPr rtlCol="0" anchor="ctr"/>
+            <a:lstStyle/>
+            <a:p>
+              <a:pPr algn="ctr"/>
+              <a:endParaRPr lang="en-US"/>
+            </a:p>
+          </p:txBody>
+        </p:sp>
+        <p:sp>
+          <p:nvSpPr>
+            <p:cNvPr id="85" name="Oval 84"/>
+            <p:cNvSpPr/>
+            <p:nvPr/>
+          </p:nvSpPr>
+          <p:spPr>
+            <a:xfrm>
+              <a:off x="3756127" y="4009153"/>
+              <a:ext cx="76200" cy="76200"/>
+            </a:xfrm>
+            <a:prstGeom prst="ellipse">
+              <a:avLst/>
+            </a:prstGeom>
+            <a:solidFill>
+              <a:schemeClr val="bg1">
+                <a:lumMod val="65000"/>
+              </a:schemeClr>
+            </a:solidFill>
+            <a:ln>
+              <a:noFill/>
+            </a:ln>
+          </p:spPr>
+          <p:style>
+            <a:lnRef idx="2">
+              <a:schemeClr val="accent1">
+                <a:shade val="50000"/>
+              </a:schemeClr>
+            </a:lnRef>
+            <a:fillRef idx="1">
+              <a:schemeClr val="accent1"/>
+            </a:fillRef>
+            <a:effectRef idx="0">
+              <a:schemeClr val="accent1"/>
+            </a:effectRef>
+            <a:fontRef idx="minor">
+              <a:schemeClr val="lt1"/>
+            </a:fontRef>
+          </p:style>
+          <p:txBody>
+            <a:bodyPr rtlCol="0" anchor="ctr"/>
+            <a:lstStyle/>
+            <a:p>
+              <a:pPr algn="ctr"/>
+              <a:endParaRPr lang="en-US"/>
+            </a:p>
+          </p:txBody>
+        </p:sp>
+        <p:sp>
+          <p:nvSpPr>
+            <p:cNvPr id="86" name="Oval 85"/>
+            <p:cNvSpPr/>
+            <p:nvPr/>
+          </p:nvSpPr>
+          <p:spPr>
+            <a:xfrm>
+              <a:off x="3886200" y="4249421"/>
+              <a:ext cx="76200" cy="76200"/>
+            </a:xfrm>
+            <a:prstGeom prst="ellipse">
+              <a:avLst/>
+            </a:prstGeom>
+            <a:solidFill>
+              <a:schemeClr val="bg1">
+                <a:lumMod val="65000"/>
+              </a:schemeClr>
+            </a:solidFill>
+            <a:ln>
+              <a:noFill/>
+            </a:ln>
+          </p:spPr>
+          <p:style>
+            <a:lnRef idx="2">
+              <a:schemeClr val="accent1">
+                <a:shade val="50000"/>
+              </a:schemeClr>
+            </a:lnRef>
+            <a:fillRef idx="1">
+              <a:schemeClr val="accent1"/>
+            </a:fillRef>
+            <a:effectRef idx="0">
+              <a:schemeClr val="accent1"/>
+            </a:effectRef>
+            <a:fontRef idx="minor">
+              <a:schemeClr val="lt1"/>
+            </a:fontRef>
+          </p:style>
+          <p:txBody>
+            <a:bodyPr rtlCol="0" anchor="ctr"/>
+            <a:lstStyle/>
+            <a:p>
+              <a:pPr algn="ctr"/>
+              <a:endParaRPr lang="en-US"/>
+            </a:p>
+          </p:txBody>
+        </p:sp>
+        <p:sp>
+          <p:nvSpPr>
+            <p:cNvPr id="87" name="Oval 86"/>
+            <p:cNvSpPr/>
+            <p:nvPr/>
+          </p:nvSpPr>
+          <p:spPr>
+            <a:xfrm>
+              <a:off x="4026714" y="4000500"/>
+              <a:ext cx="76200" cy="76200"/>
+            </a:xfrm>
+            <a:prstGeom prst="ellipse">
+              <a:avLst/>
+            </a:prstGeom>
+            <a:solidFill>
+              <a:schemeClr val="bg1">
+                <a:lumMod val="65000"/>
+              </a:schemeClr>
+            </a:solidFill>
+            <a:ln>
+              <a:noFill/>
+            </a:ln>
+          </p:spPr>
+          <p:style>
+            <a:lnRef idx="2">
+              <a:schemeClr val="accent1">
+                <a:shade val="50000"/>
+              </a:schemeClr>
+            </a:lnRef>
+            <a:fillRef idx="1">
+              <a:schemeClr val="accent1"/>
+            </a:fillRef>
+            <a:effectRef idx="0">
+              <a:schemeClr val="accent1"/>
+            </a:effectRef>
+            <a:fontRef idx="minor">
+              <a:schemeClr val="lt1"/>
+            </a:fontRef>
+          </p:style>
+          <p:txBody>
+            <a:bodyPr rtlCol="0" anchor="ctr"/>
+            <a:lstStyle/>
+            <a:p>
+              <a:pPr algn="ctr"/>
+              <a:endParaRPr lang="en-US"/>
+            </a:p>
+          </p:txBody>
+        </p:sp>
+        <p:sp>
+          <p:nvSpPr>
+            <p:cNvPr id="88" name="Oval 87"/>
+            <p:cNvSpPr/>
+            <p:nvPr/>
+          </p:nvSpPr>
+          <p:spPr>
+            <a:xfrm>
+              <a:off x="4014255" y="4507468"/>
+              <a:ext cx="76200" cy="76200"/>
+            </a:xfrm>
+            <a:prstGeom prst="ellipse">
+              <a:avLst/>
+            </a:prstGeom>
+            <a:solidFill>
+              <a:schemeClr val="bg1">
+                <a:lumMod val="65000"/>
+              </a:schemeClr>
+            </a:solidFill>
+            <a:ln>
+              <a:noFill/>
+            </a:ln>
+          </p:spPr>
+          <p:style>
+            <a:lnRef idx="2">
+              <a:schemeClr val="accent1">
+                <a:shade val="50000"/>
+              </a:schemeClr>
+            </a:lnRef>
+            <a:fillRef idx="1">
+              <a:schemeClr val="accent1"/>
+            </a:fillRef>
+            <a:effectRef idx="0">
+              <a:schemeClr val="accent1"/>
+            </a:effectRef>
+            <a:fontRef idx="minor">
+              <a:schemeClr val="lt1"/>
+            </a:fontRef>
+          </p:style>
+          <p:txBody>
+            <a:bodyPr rtlCol="0" anchor="ctr"/>
+            <a:lstStyle/>
+            <a:p>
+              <a:pPr algn="ctr"/>
+              <a:endParaRPr lang="en-US"/>
+            </a:p>
+          </p:txBody>
+        </p:sp>
+        <p:sp>
+          <p:nvSpPr>
+            <p:cNvPr id="89" name="Oval 88"/>
+            <p:cNvSpPr/>
+            <p:nvPr/>
+          </p:nvSpPr>
+          <p:spPr>
+            <a:xfrm>
+              <a:off x="3980516" y="4212374"/>
+              <a:ext cx="76200" cy="76200"/>
+            </a:xfrm>
+            <a:prstGeom prst="ellipse">
+              <a:avLst/>
+            </a:prstGeom>
+            <a:solidFill>
+              <a:schemeClr val="bg1">
+                <a:lumMod val="65000"/>
+              </a:schemeClr>
+            </a:solidFill>
+            <a:ln>
+              <a:noFill/>
+            </a:ln>
+          </p:spPr>
+          <p:style>
+            <a:lnRef idx="2">
+              <a:schemeClr val="accent1">
+                <a:shade val="50000"/>
+              </a:schemeClr>
+            </a:lnRef>
+            <a:fillRef idx="1">
+              <a:schemeClr val="accent1"/>
+            </a:fillRef>
+            <a:effectRef idx="0">
+              <a:schemeClr val="accent1"/>
+            </a:effectRef>
+            <a:fontRef idx="minor">
+              <a:schemeClr val="lt1"/>
+            </a:fontRef>
+          </p:style>
+          <p:txBody>
+            <a:bodyPr rtlCol="0" anchor="ctr"/>
+            <a:lstStyle/>
+            <a:p>
+              <a:pPr algn="ctr"/>
+              <a:endParaRPr lang="en-US"/>
+            </a:p>
+          </p:txBody>
+        </p:sp>
+        <p:sp>
+          <p:nvSpPr>
+            <p:cNvPr id="90" name="Oval 89"/>
+            <p:cNvSpPr/>
+            <p:nvPr/>
+          </p:nvSpPr>
+          <p:spPr>
+            <a:xfrm>
+              <a:off x="3827168" y="4630421"/>
+              <a:ext cx="76200" cy="76200"/>
+            </a:xfrm>
+            <a:prstGeom prst="ellipse">
+              <a:avLst/>
+            </a:prstGeom>
+            <a:solidFill>
+              <a:schemeClr val="bg1">
+                <a:lumMod val="65000"/>
+              </a:schemeClr>
+            </a:solidFill>
+            <a:ln>
+              <a:noFill/>
+            </a:ln>
+          </p:spPr>
+          <p:style>
+            <a:lnRef idx="2">
+              <a:schemeClr val="accent1">
+                <a:shade val="50000"/>
+              </a:schemeClr>
+            </a:lnRef>
+            <a:fillRef idx="1">
+              <a:schemeClr val="accent1"/>
+            </a:fillRef>
+            <a:effectRef idx="0">
+              <a:schemeClr val="accent1"/>
+            </a:effectRef>
+            <a:fontRef idx="minor">
+              <a:schemeClr val="lt1"/>
+            </a:fontRef>
+          </p:style>
+          <p:txBody>
+            <a:bodyPr rtlCol="0" anchor="ctr"/>
+            <a:lstStyle/>
+            <a:p>
+              <a:pPr algn="ctr"/>
+              <a:endParaRPr lang="en-US"/>
+            </a:p>
+          </p:txBody>
+        </p:sp>
+        <p:sp>
+          <p:nvSpPr>
+            <p:cNvPr id="91" name="Oval 90"/>
+            <p:cNvSpPr/>
+            <p:nvPr/>
+          </p:nvSpPr>
+          <p:spPr>
+            <a:xfrm>
+              <a:off x="3968680" y="4771153"/>
+              <a:ext cx="76200" cy="76200"/>
+            </a:xfrm>
+            <a:prstGeom prst="ellipse">
+              <a:avLst/>
+            </a:prstGeom>
+            <a:solidFill>
+              <a:schemeClr val="bg1">
+                <a:lumMod val="65000"/>
+              </a:schemeClr>
+            </a:solidFill>
+            <a:ln>
+              <a:noFill/>
+            </a:ln>
+          </p:spPr>
+          <p:style>
+            <a:lnRef idx="2">
+              <a:schemeClr val="accent1">
+                <a:shade val="50000"/>
+              </a:schemeClr>
+            </a:lnRef>
+            <a:fillRef idx="1">
+              <a:schemeClr val="accent1"/>
+            </a:fillRef>
+            <a:effectRef idx="0">
+              <a:schemeClr val="accent1"/>
+            </a:effectRef>
+            <a:fontRef idx="minor">
+              <a:schemeClr val="lt1"/>
+            </a:fontRef>
+          </p:style>
+          <p:txBody>
+            <a:bodyPr rtlCol="0" anchor="ctr"/>
+            <a:lstStyle/>
+            <a:p>
+              <a:pPr algn="ctr"/>
+              <a:endParaRPr lang="en-US"/>
+            </a:p>
+          </p:txBody>
+        </p:sp>
+        <p:sp>
+          <p:nvSpPr>
+            <p:cNvPr id="92" name="Oval 91"/>
+            <p:cNvSpPr/>
+            <p:nvPr/>
+          </p:nvSpPr>
+          <p:spPr>
+            <a:xfrm>
+              <a:off x="3882911" y="4000500"/>
+              <a:ext cx="76200" cy="76200"/>
+            </a:xfrm>
+            <a:prstGeom prst="ellipse">
+              <a:avLst/>
+            </a:prstGeom>
+            <a:solidFill>
+              <a:schemeClr val="tx1">
+                <a:lumMod val="65000"/>
+                <a:lumOff val="35000"/>
+              </a:schemeClr>
+            </a:solidFill>
+            <a:ln>
+              <a:noFill/>
+            </a:ln>
+          </p:spPr>
+          <p:style>
+            <a:lnRef idx="2">
+              <a:schemeClr val="accent1">
+                <a:shade val="50000"/>
+              </a:schemeClr>
+            </a:lnRef>
+            <a:fillRef idx="1">
+              <a:schemeClr val="accent1"/>
+            </a:fillRef>
+            <a:effectRef idx="0">
+              <a:schemeClr val="accent1"/>
+            </a:effectRef>
+            <a:fontRef idx="minor">
+              <a:schemeClr val="lt1"/>
+            </a:fontRef>
+          </p:style>
+          <p:txBody>
+            <a:bodyPr rtlCol="0" anchor="ctr"/>
+            <a:lstStyle/>
+            <a:p>
+              <a:pPr algn="ctr"/>
+              <a:endParaRPr lang="en-US"/>
+            </a:p>
+          </p:txBody>
+        </p:sp>
+        <p:sp>
+          <p:nvSpPr>
+            <p:cNvPr id="93" name="Oval 92"/>
+            <p:cNvSpPr/>
+            <p:nvPr/>
+          </p:nvSpPr>
+          <p:spPr>
+            <a:xfrm>
+              <a:off x="3990831" y="4336193"/>
+              <a:ext cx="76200" cy="76200"/>
+            </a:xfrm>
+            <a:prstGeom prst="ellipse">
+              <a:avLst/>
+            </a:prstGeom>
+            <a:solidFill>
+              <a:schemeClr val="tx1">
+                <a:lumMod val="65000"/>
+                <a:lumOff val="35000"/>
+              </a:schemeClr>
+            </a:solidFill>
+            <a:ln>
+              <a:noFill/>
+            </a:ln>
+          </p:spPr>
+          <p:style>
+            <a:lnRef idx="2">
+              <a:schemeClr val="accent1">
+                <a:shade val="50000"/>
+              </a:schemeClr>
+            </a:lnRef>
+            <a:fillRef idx="1">
+              <a:schemeClr val="accent1"/>
+            </a:fillRef>
+            <a:effectRef idx="0">
+              <a:schemeClr val="accent1"/>
+            </a:effectRef>
+            <a:fontRef idx="minor">
+              <a:schemeClr val="lt1"/>
+            </a:fontRef>
+          </p:style>
+          <p:txBody>
+            <a:bodyPr rtlCol="0" anchor="ctr"/>
+            <a:lstStyle/>
+            <a:p>
+              <a:pPr algn="ctr"/>
+              <a:endParaRPr lang="en-US"/>
+            </a:p>
+          </p:txBody>
+        </p:sp>
+        <p:sp>
+          <p:nvSpPr>
+            <p:cNvPr id="94" name="Oval 93"/>
+            <p:cNvSpPr/>
+            <p:nvPr/>
+          </p:nvSpPr>
+          <p:spPr>
+            <a:xfrm>
+              <a:off x="4101668" y="4114800"/>
+              <a:ext cx="76200" cy="76200"/>
+            </a:xfrm>
+            <a:prstGeom prst="ellipse">
+              <a:avLst/>
+            </a:prstGeom>
+            <a:solidFill>
+              <a:schemeClr val="tx1">
+                <a:lumMod val="65000"/>
+                <a:lumOff val="35000"/>
+              </a:schemeClr>
+            </a:solidFill>
+            <a:ln>
+              <a:noFill/>
+            </a:ln>
+          </p:spPr>
+          <p:style>
+            <a:lnRef idx="2">
+              <a:schemeClr val="accent1">
+                <a:shade val="50000"/>
+              </a:schemeClr>
+            </a:lnRef>
+            <a:fillRef idx="1">
+              <a:schemeClr val="accent1"/>
+            </a:fillRef>
+            <a:effectRef idx="0">
+              <a:schemeClr val="accent1"/>
+            </a:effectRef>
+            <a:fontRef idx="minor">
+              <a:schemeClr val="lt1"/>
+            </a:fontRef>
+          </p:style>
+          <p:txBody>
+            <a:bodyPr rtlCol="0" anchor="ctr"/>
+            <a:lstStyle/>
+            <a:p>
+              <a:pPr algn="ctr"/>
+              <a:endParaRPr lang="en-US"/>
+            </a:p>
+          </p:txBody>
+        </p:sp>
+        <p:sp>
+          <p:nvSpPr>
+            <p:cNvPr id="95" name="Oval 94"/>
+            <p:cNvSpPr/>
+            <p:nvPr/>
+          </p:nvSpPr>
+          <p:spPr>
+            <a:xfrm>
+              <a:off x="3851664" y="4524462"/>
+              <a:ext cx="76200" cy="76200"/>
+            </a:xfrm>
+            <a:prstGeom prst="ellipse">
+              <a:avLst/>
+            </a:prstGeom>
+            <a:solidFill>
+              <a:schemeClr val="tx1">
+                <a:lumMod val="65000"/>
+                <a:lumOff val="35000"/>
+              </a:schemeClr>
+            </a:solidFill>
+            <a:ln>
+              <a:noFill/>
+            </a:ln>
+          </p:spPr>
+          <p:style>
+            <a:lnRef idx="2">
+              <a:schemeClr val="accent1">
+                <a:shade val="50000"/>
+              </a:schemeClr>
+            </a:lnRef>
+            <a:fillRef idx="1">
+              <a:schemeClr val="accent1"/>
+            </a:fillRef>
+            <a:effectRef idx="0">
+              <a:schemeClr val="accent1"/>
+            </a:effectRef>
+            <a:fontRef idx="minor">
+              <a:schemeClr val="lt1"/>
+            </a:fontRef>
+          </p:style>
+          <p:txBody>
+            <a:bodyPr rtlCol="0" anchor="ctr"/>
+            <a:lstStyle/>
+            <a:p>
+              <a:pPr algn="ctr"/>
+              <a:endParaRPr lang="en-US"/>
+            </a:p>
+          </p:txBody>
+        </p:sp>
+        <p:sp>
+          <p:nvSpPr>
+            <p:cNvPr id="96" name="Oval 95"/>
+            <p:cNvSpPr/>
+            <p:nvPr/>
+          </p:nvSpPr>
+          <p:spPr>
+            <a:xfrm>
+              <a:off x="4136205" y="4524462"/>
+              <a:ext cx="76200" cy="76200"/>
+            </a:xfrm>
+            <a:prstGeom prst="ellipse">
+              <a:avLst/>
+            </a:prstGeom>
+            <a:solidFill>
+              <a:schemeClr val="tx1">
+                <a:lumMod val="65000"/>
+                <a:lumOff val="35000"/>
+              </a:schemeClr>
+            </a:solidFill>
+            <a:ln>
+              <a:noFill/>
+            </a:ln>
+          </p:spPr>
+          <p:style>
+            <a:lnRef idx="2">
+              <a:schemeClr val="accent1">
+                <a:shade val="50000"/>
+              </a:schemeClr>
+            </a:lnRef>
+            <a:fillRef idx="1">
+              <a:schemeClr val="accent1"/>
+            </a:fillRef>
+            <a:effectRef idx="0">
+              <a:schemeClr val="accent1"/>
+            </a:effectRef>
+            <a:fontRef idx="minor">
+              <a:schemeClr val="lt1"/>
+            </a:fontRef>
+          </p:style>
+          <p:txBody>
+            <a:bodyPr rtlCol="0" anchor="ctr"/>
+            <a:lstStyle/>
+            <a:p>
+              <a:pPr algn="ctr"/>
+              <a:endParaRPr lang="en-US"/>
+            </a:p>
+          </p:txBody>
+        </p:sp>
+        <p:sp>
+          <p:nvSpPr>
+            <p:cNvPr id="97" name="Oval 96"/>
+            <p:cNvSpPr/>
+            <p:nvPr/>
+          </p:nvSpPr>
+          <p:spPr>
+            <a:xfrm>
+              <a:off x="3851938" y="4788576"/>
+              <a:ext cx="76200" cy="76200"/>
+            </a:xfrm>
+            <a:prstGeom prst="ellipse">
+              <a:avLst/>
+            </a:prstGeom>
+            <a:solidFill>
+              <a:schemeClr val="tx1">
+                <a:lumMod val="65000"/>
+                <a:lumOff val="35000"/>
+              </a:schemeClr>
+            </a:solidFill>
+            <a:ln>
+              <a:noFill/>
+            </a:ln>
+          </p:spPr>
+          <p:style>
+            <a:lnRef idx="2">
+              <a:schemeClr val="accent1">
+                <a:shade val="50000"/>
+              </a:schemeClr>
+            </a:lnRef>
+            <a:fillRef idx="1">
+              <a:schemeClr val="accent1"/>
+            </a:fillRef>
+            <a:effectRef idx="0">
+              <a:schemeClr val="accent1"/>
+            </a:effectRef>
+            <a:fontRef idx="minor">
+              <a:schemeClr val="lt1"/>
+            </a:fontRef>
+          </p:style>
+          <p:txBody>
+            <a:bodyPr rtlCol="0" anchor="ctr"/>
+            <a:lstStyle/>
+            <a:p>
+              <a:pPr algn="ctr"/>
+              <a:endParaRPr lang="en-US"/>
+            </a:p>
+          </p:txBody>
+        </p:sp>
+        <p:sp>
+          <p:nvSpPr>
+            <p:cNvPr id="98" name="Oval 97"/>
+            <p:cNvSpPr/>
+            <p:nvPr/>
+          </p:nvSpPr>
+          <p:spPr>
+            <a:xfrm>
+              <a:off x="4090455" y="4694953"/>
+              <a:ext cx="76200" cy="76200"/>
+            </a:xfrm>
+            <a:prstGeom prst="ellipse">
+              <a:avLst/>
+            </a:prstGeom>
+            <a:solidFill>
+              <a:schemeClr val="tx1">
+                <a:lumMod val="65000"/>
+                <a:lumOff val="35000"/>
+              </a:schemeClr>
+            </a:solidFill>
+            <a:ln>
+              <a:noFill/>
+            </a:ln>
+          </p:spPr>
+          <p:style>
+            <a:lnRef idx="2">
+              <a:schemeClr val="accent1">
+                <a:shade val="50000"/>
+              </a:schemeClr>
+            </a:lnRef>
+            <a:fillRef idx="1">
+              <a:schemeClr val="accent1"/>
+            </a:fillRef>
+            <a:effectRef idx="0">
+              <a:schemeClr val="accent1"/>
+            </a:effectRef>
+            <a:fontRef idx="minor">
+              <a:schemeClr val="lt1"/>
+            </a:fontRef>
+          </p:style>
+          <p:txBody>
+            <a:bodyPr rtlCol="0" anchor="ctr"/>
+            <a:lstStyle/>
+            <a:p>
+              <a:pPr algn="ctr"/>
+              <a:endParaRPr lang="en-US"/>
+            </a:p>
+          </p:txBody>
+        </p:sp>
+        <p:sp>
+          <p:nvSpPr>
+            <p:cNvPr id="99" name="Oval 98"/>
+            <p:cNvSpPr/>
+            <p:nvPr/>
+          </p:nvSpPr>
+          <p:spPr>
+            <a:xfrm>
+              <a:off x="2739612" y="4114800"/>
+              <a:ext cx="76200" cy="76200"/>
+            </a:xfrm>
+            <a:prstGeom prst="ellipse">
+              <a:avLst/>
+            </a:prstGeom>
+            <a:solidFill>
+              <a:schemeClr val="bg1"/>
+            </a:solidFill>
+            <a:ln>
+              <a:noFill/>
+            </a:ln>
+          </p:spPr>
+          <p:style>
+            <a:lnRef idx="2">
+              <a:schemeClr val="accent1">
+                <a:shade val="50000"/>
+              </a:schemeClr>
+            </a:lnRef>
+            <a:fillRef idx="1">
+              <a:schemeClr val="accent1"/>
+            </a:fillRef>
+            <a:effectRef idx="0">
+              <a:schemeClr val="accent1"/>
+            </a:effectRef>
+            <a:fontRef idx="minor">
+              <a:schemeClr val="lt1"/>
+            </a:fontRef>
+          </p:style>
+          <p:txBody>
+            <a:bodyPr rtlCol="0" anchor="ctr"/>
+            <a:lstStyle/>
+            <a:p>
+              <a:pPr algn="ctr"/>
+              <a:endParaRPr lang="en-US"/>
+            </a:p>
+          </p:txBody>
+        </p:sp>
+        <p:sp>
+          <p:nvSpPr>
+            <p:cNvPr id="100" name="Oval 99"/>
+            <p:cNvSpPr/>
+            <p:nvPr/>
+          </p:nvSpPr>
+          <p:spPr>
+            <a:xfrm>
+              <a:off x="2734453" y="4298093"/>
+              <a:ext cx="76200" cy="76200"/>
+            </a:xfrm>
+            <a:prstGeom prst="ellipse">
+              <a:avLst/>
+            </a:prstGeom>
+            <a:solidFill>
+              <a:schemeClr val="bg1"/>
+            </a:solidFill>
+            <a:ln>
+              <a:noFill/>
+            </a:ln>
+          </p:spPr>
+          <p:style>
+            <a:lnRef idx="2">
+              <a:schemeClr val="accent1">
+                <a:shade val="50000"/>
+              </a:schemeClr>
+            </a:lnRef>
+            <a:fillRef idx="1">
+              <a:schemeClr val="accent1"/>
+            </a:fillRef>
+            <a:effectRef idx="0">
+              <a:schemeClr val="accent1"/>
+            </a:effectRef>
+            <a:fontRef idx="minor">
+              <a:schemeClr val="lt1"/>
+            </a:fontRef>
+          </p:style>
+          <p:txBody>
+            <a:bodyPr rtlCol="0" anchor="ctr"/>
+            <a:lstStyle/>
+            <a:p>
+              <a:pPr algn="ctr"/>
+              <a:endParaRPr lang="en-US"/>
+            </a:p>
+          </p:txBody>
+        </p:sp>
+        <p:sp>
+          <p:nvSpPr>
+            <p:cNvPr id="101" name="Oval 100"/>
+            <p:cNvSpPr/>
+            <p:nvPr/>
+          </p:nvSpPr>
+          <p:spPr>
+            <a:xfrm>
+              <a:off x="3031006" y="4240768"/>
+              <a:ext cx="76200" cy="76200"/>
+            </a:xfrm>
+            <a:prstGeom prst="ellipse">
+              <a:avLst/>
+            </a:prstGeom>
+            <a:solidFill>
+              <a:schemeClr val="bg1"/>
+            </a:solidFill>
+            <a:ln>
+              <a:noFill/>
+            </a:ln>
+          </p:spPr>
+          <p:style>
+            <a:lnRef idx="2">
+              <a:schemeClr val="accent1">
+                <a:shade val="50000"/>
+              </a:schemeClr>
+            </a:lnRef>
+            <a:fillRef idx="1">
+              <a:schemeClr val="accent1"/>
+            </a:fillRef>
+            <a:effectRef idx="0">
+              <a:schemeClr val="accent1"/>
+            </a:effectRef>
+            <a:fontRef idx="minor">
+              <a:schemeClr val="lt1"/>
+            </a:fontRef>
+          </p:style>
+          <p:txBody>
+            <a:bodyPr rtlCol="0" anchor="ctr"/>
+            <a:lstStyle/>
+            <a:p>
+              <a:pPr algn="ctr"/>
+              <a:endParaRPr lang="en-US"/>
+            </a:p>
+          </p:txBody>
+        </p:sp>
+        <p:sp>
+          <p:nvSpPr>
+            <p:cNvPr id="102" name="Oval 101"/>
+            <p:cNvSpPr/>
+            <p:nvPr/>
+          </p:nvSpPr>
+          <p:spPr>
+            <a:xfrm>
+              <a:off x="2853711" y="4459419"/>
+              <a:ext cx="76200" cy="76200"/>
+            </a:xfrm>
+            <a:prstGeom prst="ellipse">
+              <a:avLst/>
+            </a:prstGeom>
+            <a:solidFill>
+              <a:schemeClr val="bg1"/>
+            </a:solidFill>
+            <a:ln>
+              <a:noFill/>
+            </a:ln>
+          </p:spPr>
+          <p:style>
+            <a:lnRef idx="2">
+              <a:schemeClr val="accent1">
+                <a:shade val="50000"/>
+              </a:schemeClr>
+            </a:lnRef>
+            <a:fillRef idx="1">
+              <a:schemeClr val="accent1"/>
+            </a:fillRef>
+            <a:effectRef idx="0">
+              <a:schemeClr val="accent1"/>
+            </a:effectRef>
+            <a:fontRef idx="minor">
+              <a:schemeClr val="lt1"/>
+            </a:fontRef>
+          </p:style>
+          <p:txBody>
+            <a:bodyPr rtlCol="0" anchor="ctr"/>
+            <a:lstStyle/>
+            <a:p>
+              <a:pPr algn="ctr"/>
+              <a:endParaRPr lang="en-US"/>
+            </a:p>
+          </p:txBody>
+        </p:sp>
+        <p:sp>
+          <p:nvSpPr>
+            <p:cNvPr id="103" name="Oval 102"/>
+            <p:cNvSpPr/>
+            <p:nvPr/>
+          </p:nvSpPr>
+          <p:spPr>
+            <a:xfrm>
+              <a:off x="3032202" y="4631673"/>
+              <a:ext cx="76200" cy="76200"/>
+            </a:xfrm>
+            <a:prstGeom prst="ellipse">
+              <a:avLst/>
+            </a:prstGeom>
+            <a:solidFill>
+              <a:schemeClr val="bg1"/>
+            </a:solidFill>
+            <a:ln>
+              <a:noFill/>
+            </a:ln>
+          </p:spPr>
+          <p:style>
+            <a:lnRef idx="2">
+              <a:schemeClr val="accent1">
+                <a:shade val="50000"/>
+              </a:schemeClr>
+            </a:lnRef>
+            <a:fillRef idx="1">
+              <a:schemeClr val="accent1"/>
+            </a:fillRef>
+            <a:effectRef idx="0">
+              <a:schemeClr val="accent1"/>
+            </a:effectRef>
+            <a:fontRef idx="minor">
+              <a:schemeClr val="lt1"/>
+            </a:fontRef>
+          </p:style>
+          <p:txBody>
+            <a:bodyPr rtlCol="0" anchor="ctr"/>
+            <a:lstStyle/>
+            <a:p>
+              <a:pPr algn="ctr"/>
+              <a:endParaRPr lang="en-US"/>
+            </a:p>
+          </p:txBody>
+        </p:sp>
+        <p:sp>
+          <p:nvSpPr>
+            <p:cNvPr id="104" name="Oval 103"/>
+            <p:cNvSpPr/>
+            <p:nvPr/>
+          </p:nvSpPr>
+          <p:spPr>
+            <a:xfrm>
+              <a:off x="2749978" y="4712769"/>
+              <a:ext cx="76200" cy="76200"/>
+            </a:xfrm>
+            <a:prstGeom prst="ellipse">
+              <a:avLst/>
+            </a:prstGeom>
+            <a:solidFill>
+              <a:schemeClr val="bg1"/>
+            </a:solidFill>
+            <a:ln>
+              <a:noFill/>
+            </a:ln>
+          </p:spPr>
+          <p:style>
+            <a:lnRef idx="2">
+              <a:schemeClr val="accent1">
+                <a:shade val="50000"/>
+              </a:schemeClr>
+            </a:lnRef>
+            <a:fillRef idx="1">
+              <a:schemeClr val="accent1"/>
+            </a:fillRef>
+            <a:effectRef idx="0">
+              <a:schemeClr val="accent1"/>
+            </a:effectRef>
+            <a:fontRef idx="minor">
+              <a:schemeClr val="lt1"/>
+            </a:fontRef>
+          </p:style>
+          <p:txBody>
+            <a:bodyPr rtlCol="0" anchor="ctr"/>
+            <a:lstStyle/>
+            <a:p>
+              <a:pPr algn="ctr"/>
+              <a:endParaRPr lang="en-US"/>
+            </a:p>
+          </p:txBody>
+        </p:sp>
+        <p:sp>
+          <p:nvSpPr>
+            <p:cNvPr id="105" name="Oval 104"/>
+            <p:cNvSpPr/>
+            <p:nvPr/>
+          </p:nvSpPr>
+          <p:spPr>
+            <a:xfrm>
+              <a:off x="2865125" y="4809253"/>
+              <a:ext cx="76200" cy="76200"/>
+            </a:xfrm>
+            <a:prstGeom prst="ellipse">
+              <a:avLst/>
+            </a:prstGeom>
+            <a:solidFill>
+              <a:schemeClr val="bg1"/>
+            </a:solidFill>
+            <a:ln>
+              <a:noFill/>
+            </a:ln>
+          </p:spPr>
+          <p:style>
+            <a:lnRef idx="2">
+              <a:schemeClr val="accent1">
+                <a:shade val="50000"/>
+              </a:schemeClr>
+            </a:lnRef>
+            <a:fillRef idx="1">
+              <a:schemeClr val="accent1"/>
+            </a:fillRef>
+            <a:effectRef idx="0">
+              <a:schemeClr val="accent1"/>
+            </a:effectRef>
+            <a:fontRef idx="minor">
+              <a:schemeClr val="lt1"/>
+            </a:fontRef>
+          </p:style>
+          <p:txBody>
+            <a:bodyPr rtlCol="0" anchor="ctr"/>
+            <a:lstStyle/>
+            <a:p>
+              <a:pPr algn="ctr"/>
+              <a:endParaRPr lang="en-US"/>
+            </a:p>
+          </p:txBody>
+        </p:sp>
+      </p:grpSp>
       <p:sp>
         <p:nvSpPr>
           <p:cNvPr id="2" name="TextBox 1"/>
@@ -40846,7 +41008,7 @@
 </p:sld>
 </file>
 
-<file path=ppt/slides/slide41.xml><?xml version="1.0" encoding="utf-8"?>
+<file path=ppt/slides/slide42.xml><?xml version="1.0" encoding="utf-8"?>
 <p:sld xmlns:a="http://schemas.openxmlformats.org/drawingml/2006/main" xmlns:r="http://schemas.openxmlformats.org/officeDocument/2006/relationships" xmlns:p="http://schemas.openxmlformats.org/presentationml/2006/main">
   <p:cSld>
     <p:spTree>
@@ -40898,14 +41060,14 @@
           </a:ln>
           <a:effectLst/>
           <a:extLst>
-            <a:ext uri="{909E8E84-426E-40DD-AFC4-6F175D3DCCD1}">
+            <a:ext uri="{909E8E84-426E-40dd-AFC4-6F175D3DCCD1}">
               <a14:hiddenFill xmlns:a14="http://schemas.microsoft.com/office/drawing/2010/main">
                 <a:solidFill>
                   <a:schemeClr val="accent1"/>
                 </a:solidFill>
               </a14:hiddenFill>
             </a:ext>
-            <a:ext uri="{91240B29-F687-4F45-9708-019B960494DF}">
+            <a:ext uri="{91240B29-F687-4f45-9708-019B960494DF}">
               <a14:hiddenLine xmlns:a14="http://schemas.microsoft.com/office/drawing/2010/main" w="9525">
                 <a:solidFill>
                   <a:schemeClr val="tx1"/>
@@ -40915,7 +41077,7 @@
                 <a:tailEnd/>
               </a14:hiddenLine>
             </a:ext>
-            <a:ext uri="{AF507438-7753-43E0-B8FC-AC1667EBCBE1}">
+            <a:ext uri="{AF507438-7753-43e0-B8FC-AC1667EBCBE1}">
               <a14:hiddenEffects xmlns:a14="http://schemas.microsoft.com/office/drawing/2010/main">
                 <a:effectLst>
                   <a:outerShdw dist="35921" dir="2700000" algn="ctr" rotWithShape="0">
@@ -40940,7 +41102,7 @@
 </p:sld>
 </file>
 
-<file path=ppt/slides/slide42.xml><?xml version="1.0" encoding="utf-8"?>
+<file path=ppt/slides/slide43.xml><?xml version="1.0" encoding="utf-8"?>
 <p:sld xmlns:a="http://schemas.openxmlformats.org/drawingml/2006/main" xmlns:r="http://schemas.openxmlformats.org/officeDocument/2006/relationships" xmlns:p="http://schemas.openxmlformats.org/presentationml/2006/main">
   <p:cSld>
     <p:spTree>
@@ -40992,14 +41154,14 @@
           </a:ln>
           <a:effectLst/>
           <a:extLst>
-            <a:ext uri="{909E8E84-426E-40DD-AFC4-6F175D3DCCD1}">
+            <a:ext uri="{909E8E84-426E-40dd-AFC4-6F175D3DCCD1}">
               <a14:hiddenFill xmlns:a14="http://schemas.microsoft.com/office/drawing/2010/main">
                 <a:solidFill>
                   <a:schemeClr val="accent1"/>
                 </a:solidFill>
               </a14:hiddenFill>
             </a:ext>
-            <a:ext uri="{91240B29-F687-4F45-9708-019B960494DF}">
+            <a:ext uri="{91240B29-F687-4f45-9708-019B960494DF}">
               <a14:hiddenLine xmlns:a14="http://schemas.microsoft.com/office/drawing/2010/main" w="9525">
                 <a:solidFill>
                   <a:schemeClr val="tx1"/>
@@ -41009,7 +41171,7 @@
                 <a:tailEnd/>
               </a14:hiddenLine>
             </a:ext>
-            <a:ext uri="{AF507438-7753-43E0-B8FC-AC1667EBCBE1}">
+            <a:ext uri="{AF507438-7753-43e0-B8FC-AC1667EBCBE1}">
               <a14:hiddenEffects xmlns:a14="http://schemas.microsoft.com/office/drawing/2010/main">
                 <a:effectLst>
                   <a:outerShdw dist="35921" dir="2700000" algn="ctr" rotWithShape="0">
@@ -41034,7 +41196,7 @@
 </p:sld>
 </file>
 
-<file path=ppt/slides/slide43.xml><?xml version="1.0" encoding="utf-8"?>
+<file path=ppt/slides/slide44.xml><?xml version="1.0" encoding="utf-8"?>
 <p:sld xmlns:a="http://schemas.openxmlformats.org/drawingml/2006/main" xmlns:r="http://schemas.openxmlformats.org/officeDocument/2006/relationships" xmlns:p="http://schemas.openxmlformats.org/presentationml/2006/main">
   <p:cSld>
     <p:spTree>
@@ -41086,14 +41248,14 @@
           </a:ln>
           <a:effectLst/>
           <a:extLst>
-            <a:ext uri="{909E8E84-426E-40DD-AFC4-6F175D3DCCD1}">
+            <a:ext uri="{909E8E84-426E-40dd-AFC4-6F175D3DCCD1}">
               <a14:hiddenFill xmlns:a14="http://schemas.microsoft.com/office/drawing/2010/main">
                 <a:solidFill>
                   <a:schemeClr val="accent1"/>
                 </a:solidFill>
               </a14:hiddenFill>
             </a:ext>
-            <a:ext uri="{91240B29-F687-4F45-9708-019B960494DF}">
+            <a:ext uri="{91240B29-F687-4f45-9708-019B960494DF}">
               <a14:hiddenLine xmlns:a14="http://schemas.microsoft.com/office/drawing/2010/main" w="9525">
                 <a:solidFill>
                   <a:schemeClr val="tx1"/>
@@ -41103,7 +41265,7 @@
                 <a:tailEnd/>
               </a14:hiddenLine>
             </a:ext>
-            <a:ext uri="{AF507438-7753-43E0-B8FC-AC1667EBCBE1}">
+            <a:ext uri="{AF507438-7753-43e0-B8FC-AC1667EBCBE1}">
               <a14:hiddenEffects xmlns:a14="http://schemas.microsoft.com/office/drawing/2010/main">
                 <a:effectLst>
                   <a:outerShdw dist="35921" dir="2700000" algn="ctr" rotWithShape="0">
@@ -41128,7 +41290,7 @@
 </p:sld>
 </file>
 
-<file path=ppt/slides/slide44.xml><?xml version="1.0" encoding="utf-8"?>
+<file path=ppt/slides/slide45.xml><?xml version="1.0" encoding="utf-8"?>
 <p:sld xmlns:a="http://schemas.openxmlformats.org/drawingml/2006/main" xmlns:r="http://schemas.openxmlformats.org/officeDocument/2006/relationships" xmlns:p="http://schemas.openxmlformats.org/presentationml/2006/main">
   <p:cSld>
     <p:spTree>
@@ -41180,14 +41342,14 @@
           </a:ln>
           <a:effectLst/>
           <a:extLst>
-            <a:ext uri="{909E8E84-426E-40DD-AFC4-6F175D3DCCD1}">
+            <a:ext uri="{909E8E84-426E-40dd-AFC4-6F175D3DCCD1}">
               <a14:hiddenFill xmlns:a14="http://schemas.microsoft.com/office/drawing/2010/main">
                 <a:solidFill>
                   <a:schemeClr val="accent1"/>
                 </a:solidFill>
               </a14:hiddenFill>
             </a:ext>
-            <a:ext uri="{91240B29-F687-4F45-9708-019B960494DF}">
+            <a:ext uri="{91240B29-F687-4f45-9708-019B960494DF}">
               <a14:hiddenLine xmlns:a14="http://schemas.microsoft.com/office/drawing/2010/main" w="9525">
                 <a:solidFill>
                   <a:schemeClr val="tx1"/>
@@ -41197,7 +41359,7 @@
                 <a:tailEnd/>
               </a14:hiddenLine>
             </a:ext>
-            <a:ext uri="{AF507438-7753-43E0-B8FC-AC1667EBCBE1}">
+            <a:ext uri="{AF507438-7753-43e0-B8FC-AC1667EBCBE1}">
               <a14:hiddenEffects xmlns:a14="http://schemas.microsoft.com/office/drawing/2010/main">
                 <a:effectLst>
                   <a:outerShdw dist="35921" dir="2700000" algn="ctr" rotWithShape="0">
@@ -41213,217 +41375,6 @@
     <p:extLst>
       <p:ext uri="{BB962C8B-B14F-4D97-AF65-F5344CB8AC3E}">
         <p14:creationId xmlns:p14="http://schemas.microsoft.com/office/powerpoint/2010/main" val="2031195925"/>
-      </p:ext>
-    </p:extLst>
-  </p:cSld>
-  <p:clrMapOvr>
-    <a:masterClrMapping/>
-  </p:clrMapOvr>
-</p:sld>
-</file>
-
-<file path=ppt/slides/slide45.xml><?xml version="1.0" encoding="utf-8"?>
-<p:sld xmlns:a="http://schemas.openxmlformats.org/drawingml/2006/main" xmlns:r="http://schemas.openxmlformats.org/officeDocument/2006/relationships" xmlns:p="http://schemas.openxmlformats.org/presentationml/2006/main">
-  <p:cSld>
-    <p:spTree>
-      <p:nvGrpSpPr>
-        <p:cNvPr id="1" name=""/>
-        <p:cNvGrpSpPr/>
-        <p:nvPr/>
-      </p:nvGrpSpPr>
-      <p:grpSpPr>
-        <a:xfrm>
-          <a:off x="0" y="0"/>
-          <a:ext cx="0" cy="0"/>
-          <a:chOff x="0" y="0"/>
-          <a:chExt cx="0" cy="0"/>
-        </a:xfrm>
-      </p:grpSpPr>
-      <p:sp>
-        <p:nvSpPr>
-          <p:cNvPr id="2" name="Title 1"/>
-          <p:cNvSpPr>
-            <a:spLocks noGrp="1"/>
-          </p:cNvSpPr>
-          <p:nvPr>
-            <p:ph type="title"/>
-          </p:nvPr>
-        </p:nvSpPr>
-        <p:spPr/>
-        <p:txBody>
-          <a:bodyPr/>
-          <a:lstStyle/>
-          <a:p>
-            <a:r>
-              <a:rPr lang="en-US" dirty="0" smtClean="0"/>
-              <a:t>Neural Representations</a:t>
-            </a:r>
-            <a:endParaRPr lang="en-US" dirty="0"/>
-          </a:p>
-        </p:txBody>
-      </p:sp>
-      <p:pic>
-        <p:nvPicPr>
-          <p:cNvPr id="4" name="Picture 3"/>
-          <p:cNvPicPr>
-            <a:picLocks noChangeAspect="1" noChangeArrowheads="1"/>
-          </p:cNvPicPr>
-          <p:nvPr/>
-        </p:nvPicPr>
-        <p:blipFill>
-          <a:blip r:embed="rId2" cstate="print">
-            <a:extLst>
-              <a:ext uri="{28A0092B-C50C-407E-A947-70E740481C1C}">
-                <a14:useLocalDpi xmlns:a14="http://schemas.microsoft.com/office/drawing/2010/main" val="0"/>
-              </a:ext>
-            </a:extLst>
-          </a:blip>
-          <a:srcRect/>
-          <a:stretch>
-            <a:fillRect/>
-          </a:stretch>
-        </p:blipFill>
-        <p:spPr bwMode="auto">
-          <a:xfrm>
-            <a:off x="1077686" y="1524000"/>
-            <a:ext cx="3200400" cy="2593497"/>
-          </a:xfrm>
-          <a:prstGeom prst="rect">
-            <a:avLst/>
-          </a:prstGeom>
-          <a:noFill/>
-          <a:ln>
-            <a:noFill/>
-          </a:ln>
-          <a:effectLst/>
-          <a:extLst>
-            <a:ext uri="{909E8E84-426E-40DD-AFC4-6F175D3DCCD1}">
-              <a14:hiddenFill xmlns:a14="http://schemas.microsoft.com/office/drawing/2010/main">
-                <a:solidFill>
-                  <a:schemeClr val="accent1"/>
-                </a:solidFill>
-              </a14:hiddenFill>
-            </a:ext>
-            <a:ext uri="{91240B29-F687-4F45-9708-019B960494DF}">
-              <a14:hiddenLine xmlns:a14="http://schemas.microsoft.com/office/drawing/2010/main" w="9525">
-                <a:solidFill>
-                  <a:schemeClr val="tx1"/>
-                </a:solidFill>
-                <a:miter lim="800000"/>
-                <a:headEnd/>
-                <a:tailEnd/>
-              </a14:hiddenLine>
-            </a:ext>
-            <a:ext uri="{AF507438-7753-43E0-B8FC-AC1667EBCBE1}">
-              <a14:hiddenEffects xmlns:a14="http://schemas.microsoft.com/office/drawing/2010/main">
-                <a:effectLst>
-                  <a:outerShdw dist="35921" dir="2700000" algn="ctr" rotWithShape="0">
-                    <a:schemeClr val="bg2"/>
-                  </a:outerShdw>
-                </a:effectLst>
-              </a14:hiddenEffects>
-            </a:ext>
-          </a:extLst>
-        </p:spPr>
-      </p:pic>
-      <p:pic>
-        <p:nvPicPr>
-          <p:cNvPr id="5" name="Picture 2"/>
-          <p:cNvPicPr>
-            <a:picLocks noChangeAspect="1" noChangeArrowheads="1"/>
-          </p:cNvPicPr>
-          <p:nvPr/>
-        </p:nvPicPr>
-        <p:blipFill>
-          <a:blip r:embed="rId3">
-            <a:extLst>
-              <a:ext uri="{28A0092B-C50C-407E-A947-70E740481C1C}">
-                <a14:useLocalDpi xmlns:a14="http://schemas.microsoft.com/office/drawing/2010/main" val="0"/>
-              </a:ext>
-            </a:extLst>
-          </a:blip>
-          <a:srcRect/>
-          <a:stretch>
-            <a:fillRect/>
-          </a:stretch>
-        </p:blipFill>
-        <p:spPr bwMode="auto">
-          <a:xfrm>
-            <a:off x="4572000" y="1717292"/>
-            <a:ext cx="3090863" cy="2206912"/>
-          </a:xfrm>
-          <a:prstGeom prst="rect">
-            <a:avLst/>
-          </a:prstGeom>
-          <a:noFill/>
-          <a:ln>
-            <a:noFill/>
-          </a:ln>
-          <a:effectLst/>
-          <a:extLst>
-            <a:ext uri="{909E8E84-426E-40DD-AFC4-6F175D3DCCD1}">
-              <a14:hiddenFill xmlns:a14="http://schemas.microsoft.com/office/drawing/2010/main">
-                <a:solidFill>
-                  <a:schemeClr val="accent1"/>
-                </a:solidFill>
-              </a14:hiddenFill>
-            </a:ext>
-            <a:ext uri="{91240B29-F687-4F45-9708-019B960494DF}">
-              <a14:hiddenLine xmlns:a14="http://schemas.microsoft.com/office/drawing/2010/main" w="9525">
-                <a:solidFill>
-                  <a:schemeClr val="tx1"/>
-                </a:solidFill>
-                <a:miter lim="800000"/>
-                <a:headEnd/>
-                <a:tailEnd/>
-              </a14:hiddenLine>
-            </a:ext>
-            <a:ext uri="{AF507438-7753-43E0-B8FC-AC1667EBCBE1}">
-              <a14:hiddenEffects xmlns:a14="http://schemas.microsoft.com/office/drawing/2010/main">
-                <a:effectLst>
-                  <a:outerShdw dist="35921" dir="2700000" algn="ctr" rotWithShape="0">
-                    <a:schemeClr val="bg2"/>
-                  </a:outerShdw>
-                </a:effectLst>
-              </a14:hiddenEffects>
-            </a:ext>
-          </a:extLst>
-        </p:spPr>
-      </p:pic>
-      <p:sp>
-        <p:nvSpPr>
-          <p:cNvPr id="6" name="TextBox 5"/>
-          <p:cNvSpPr txBox="1"/>
-          <p:nvPr/>
-        </p:nvSpPr>
-        <p:spPr>
-          <a:xfrm>
-            <a:off x="4278086" y="2362200"/>
-            <a:ext cx="490840" cy="830997"/>
-          </a:xfrm>
-          <a:prstGeom prst="rect">
-            <a:avLst/>
-          </a:prstGeom>
-          <a:noFill/>
-        </p:spPr>
-        <p:txBody>
-          <a:bodyPr wrap="none" rtlCol="0">
-            <a:spAutoFit/>
-          </a:bodyPr>
-          <a:lstStyle/>
-          <a:p>
-            <a:r>
-              <a:rPr lang="en-US" sz="4800" dirty="0" smtClean="0"/>
-              <a:t>+</a:t>
-            </a:r>
-            <a:endParaRPr lang="en-US" sz="4800" dirty="0"/>
-          </a:p>
-        </p:txBody>
-      </p:sp>
-    </p:spTree>
-    <p:extLst>
-      <p:ext uri="{BB962C8B-B14F-4D97-AF65-F5344CB8AC3E}">
-        <p14:creationId xmlns:p14="http://schemas.microsoft.com/office/powerpoint/2010/main" val="3934795208"/>
       </p:ext>
     </p:extLst>
   </p:cSld>
@@ -41508,14 +41459,14 @@
           </a:ln>
           <a:effectLst/>
           <a:extLst>
-            <a:ext uri="{909E8E84-426E-40DD-AFC4-6F175D3DCCD1}">
+            <a:ext uri="{909E8E84-426E-40dd-AFC4-6F175D3DCCD1}">
               <a14:hiddenFill xmlns:a14="http://schemas.microsoft.com/office/drawing/2010/main">
                 <a:solidFill>
                   <a:schemeClr val="accent1"/>
                 </a:solidFill>
               </a14:hiddenFill>
             </a:ext>
-            <a:ext uri="{91240B29-F687-4F45-9708-019B960494DF}">
+            <a:ext uri="{91240B29-F687-4f45-9708-019B960494DF}">
               <a14:hiddenLine xmlns:a14="http://schemas.microsoft.com/office/drawing/2010/main" w="9525">
                 <a:solidFill>
                   <a:schemeClr val="tx1"/>
@@ -41525,7 +41476,7 @@
                 <a:tailEnd/>
               </a14:hiddenLine>
             </a:ext>
-            <a:ext uri="{AF507438-7753-43E0-B8FC-AC1667EBCBE1}">
+            <a:ext uri="{AF507438-7753-43e0-B8FC-AC1667EBCBE1}">
               <a14:hiddenEffects xmlns:a14="http://schemas.microsoft.com/office/drawing/2010/main">
                 <a:effectLst>
                   <a:outerShdw dist="35921" dir="2700000" algn="ctr" rotWithShape="0">
@@ -41572,14 +41523,14 @@
           </a:ln>
           <a:effectLst/>
           <a:extLst>
-            <a:ext uri="{909E8E84-426E-40DD-AFC4-6F175D3DCCD1}">
+            <a:ext uri="{909E8E84-426E-40dd-AFC4-6F175D3DCCD1}">
               <a14:hiddenFill xmlns:a14="http://schemas.microsoft.com/office/drawing/2010/main">
                 <a:solidFill>
                   <a:schemeClr val="accent1"/>
                 </a:solidFill>
               </a14:hiddenFill>
             </a:ext>
-            <a:ext uri="{91240B29-F687-4F45-9708-019B960494DF}">
+            <a:ext uri="{91240B29-F687-4f45-9708-019B960494DF}">
               <a14:hiddenLine xmlns:a14="http://schemas.microsoft.com/office/drawing/2010/main" w="9525">
                 <a:solidFill>
                   <a:schemeClr val="tx1"/>
@@ -41589,7 +41540,218 @@
                 <a:tailEnd/>
               </a14:hiddenLine>
             </a:ext>
-            <a:ext uri="{AF507438-7753-43E0-B8FC-AC1667EBCBE1}">
+            <a:ext uri="{AF507438-7753-43e0-B8FC-AC1667EBCBE1}">
+              <a14:hiddenEffects xmlns:a14="http://schemas.microsoft.com/office/drawing/2010/main">
+                <a:effectLst>
+                  <a:outerShdw dist="35921" dir="2700000" algn="ctr" rotWithShape="0">
+                    <a:schemeClr val="bg2"/>
+                  </a:outerShdw>
+                </a:effectLst>
+              </a14:hiddenEffects>
+            </a:ext>
+          </a:extLst>
+        </p:spPr>
+      </p:pic>
+      <p:sp>
+        <p:nvSpPr>
+          <p:cNvPr id="6" name="TextBox 5"/>
+          <p:cNvSpPr txBox="1"/>
+          <p:nvPr/>
+        </p:nvSpPr>
+        <p:spPr>
+          <a:xfrm>
+            <a:off x="4278086" y="2362200"/>
+            <a:ext cx="490840" cy="830997"/>
+          </a:xfrm>
+          <a:prstGeom prst="rect">
+            <a:avLst/>
+          </a:prstGeom>
+          <a:noFill/>
+        </p:spPr>
+        <p:txBody>
+          <a:bodyPr wrap="none" rtlCol="0">
+            <a:spAutoFit/>
+          </a:bodyPr>
+          <a:lstStyle/>
+          <a:p>
+            <a:r>
+              <a:rPr lang="en-US" sz="4800" dirty="0" smtClean="0"/>
+              <a:t>+</a:t>
+            </a:r>
+            <a:endParaRPr lang="en-US" sz="4800" dirty="0"/>
+          </a:p>
+        </p:txBody>
+      </p:sp>
+    </p:spTree>
+    <p:extLst>
+      <p:ext uri="{BB962C8B-B14F-4D97-AF65-F5344CB8AC3E}">
+        <p14:creationId xmlns:p14="http://schemas.microsoft.com/office/powerpoint/2010/main" val="3934795208"/>
+      </p:ext>
+    </p:extLst>
+  </p:cSld>
+  <p:clrMapOvr>
+    <a:masterClrMapping/>
+  </p:clrMapOvr>
+</p:sld>
+</file>
+
+<file path=ppt/slides/slide47.xml><?xml version="1.0" encoding="utf-8"?>
+<p:sld xmlns:a="http://schemas.openxmlformats.org/drawingml/2006/main" xmlns:r="http://schemas.openxmlformats.org/officeDocument/2006/relationships" xmlns:p="http://schemas.openxmlformats.org/presentationml/2006/main">
+  <p:cSld>
+    <p:spTree>
+      <p:nvGrpSpPr>
+        <p:cNvPr id="1" name=""/>
+        <p:cNvGrpSpPr/>
+        <p:nvPr/>
+      </p:nvGrpSpPr>
+      <p:grpSpPr>
+        <a:xfrm>
+          <a:off x="0" y="0"/>
+          <a:ext cx="0" cy="0"/>
+          <a:chOff x="0" y="0"/>
+          <a:chExt cx="0" cy="0"/>
+        </a:xfrm>
+      </p:grpSpPr>
+      <p:sp>
+        <p:nvSpPr>
+          <p:cNvPr id="2" name="Title 1"/>
+          <p:cNvSpPr>
+            <a:spLocks noGrp="1"/>
+          </p:cNvSpPr>
+          <p:nvPr>
+            <p:ph type="title"/>
+          </p:nvPr>
+        </p:nvSpPr>
+        <p:spPr/>
+        <p:txBody>
+          <a:bodyPr/>
+          <a:lstStyle/>
+          <a:p>
+            <a:r>
+              <a:rPr lang="en-US" dirty="0" smtClean="0"/>
+              <a:t>Neural Representations</a:t>
+            </a:r>
+            <a:endParaRPr lang="en-US" dirty="0"/>
+          </a:p>
+        </p:txBody>
+      </p:sp>
+      <p:pic>
+        <p:nvPicPr>
+          <p:cNvPr id="4" name="Picture 3"/>
+          <p:cNvPicPr>
+            <a:picLocks noChangeAspect="1" noChangeArrowheads="1"/>
+          </p:cNvPicPr>
+          <p:nvPr/>
+        </p:nvPicPr>
+        <p:blipFill>
+          <a:blip r:embed="rId2" cstate="print">
+            <a:extLst>
+              <a:ext uri="{28A0092B-C50C-407E-A947-70E740481C1C}">
+                <a14:useLocalDpi xmlns:a14="http://schemas.microsoft.com/office/drawing/2010/main" val="0"/>
+              </a:ext>
+            </a:extLst>
+          </a:blip>
+          <a:srcRect/>
+          <a:stretch>
+            <a:fillRect/>
+          </a:stretch>
+        </p:blipFill>
+        <p:spPr bwMode="auto">
+          <a:xfrm>
+            <a:off x="1077686" y="1524000"/>
+            <a:ext cx="3200400" cy="2593497"/>
+          </a:xfrm>
+          <a:prstGeom prst="rect">
+            <a:avLst/>
+          </a:prstGeom>
+          <a:noFill/>
+          <a:ln>
+            <a:noFill/>
+          </a:ln>
+          <a:effectLst/>
+          <a:extLst>
+            <a:ext uri="{909E8E84-426E-40dd-AFC4-6F175D3DCCD1}">
+              <a14:hiddenFill xmlns:a14="http://schemas.microsoft.com/office/drawing/2010/main">
+                <a:solidFill>
+                  <a:schemeClr val="accent1"/>
+                </a:solidFill>
+              </a14:hiddenFill>
+            </a:ext>
+            <a:ext uri="{91240B29-F687-4f45-9708-019B960494DF}">
+              <a14:hiddenLine xmlns:a14="http://schemas.microsoft.com/office/drawing/2010/main" w="9525">
+                <a:solidFill>
+                  <a:schemeClr val="tx1"/>
+                </a:solidFill>
+                <a:miter lim="800000"/>
+                <a:headEnd/>
+                <a:tailEnd/>
+              </a14:hiddenLine>
+            </a:ext>
+            <a:ext uri="{AF507438-7753-43e0-B8FC-AC1667EBCBE1}">
+              <a14:hiddenEffects xmlns:a14="http://schemas.microsoft.com/office/drawing/2010/main">
+                <a:effectLst>
+                  <a:outerShdw dist="35921" dir="2700000" algn="ctr" rotWithShape="0">
+                    <a:schemeClr val="bg2"/>
+                  </a:outerShdw>
+                </a:effectLst>
+              </a14:hiddenEffects>
+            </a:ext>
+          </a:extLst>
+        </p:spPr>
+      </p:pic>
+      <p:pic>
+        <p:nvPicPr>
+          <p:cNvPr id="5" name="Picture 2"/>
+          <p:cNvPicPr>
+            <a:picLocks noChangeAspect="1" noChangeArrowheads="1"/>
+          </p:cNvPicPr>
+          <p:nvPr/>
+        </p:nvPicPr>
+        <p:blipFill>
+          <a:blip r:embed="rId3">
+            <a:extLst>
+              <a:ext uri="{28A0092B-C50C-407E-A947-70E740481C1C}">
+                <a14:useLocalDpi xmlns:a14="http://schemas.microsoft.com/office/drawing/2010/main" val="0"/>
+              </a:ext>
+            </a:extLst>
+          </a:blip>
+          <a:srcRect/>
+          <a:stretch>
+            <a:fillRect/>
+          </a:stretch>
+        </p:blipFill>
+        <p:spPr bwMode="auto">
+          <a:xfrm>
+            <a:off x="4572000" y="1717292"/>
+            <a:ext cx="3090863" cy="2206912"/>
+          </a:xfrm>
+          <a:prstGeom prst="rect">
+            <a:avLst/>
+          </a:prstGeom>
+          <a:noFill/>
+          <a:ln>
+            <a:noFill/>
+          </a:ln>
+          <a:effectLst/>
+          <a:extLst>
+            <a:ext uri="{909E8E84-426E-40dd-AFC4-6F175D3DCCD1}">
+              <a14:hiddenFill xmlns:a14="http://schemas.microsoft.com/office/drawing/2010/main">
+                <a:solidFill>
+                  <a:schemeClr val="accent1"/>
+                </a:solidFill>
+              </a14:hiddenFill>
+            </a:ext>
+            <a:ext uri="{91240B29-F687-4f45-9708-019B960494DF}">
+              <a14:hiddenLine xmlns:a14="http://schemas.microsoft.com/office/drawing/2010/main" w="9525">
+                <a:solidFill>
+                  <a:schemeClr val="tx1"/>
+                </a:solidFill>
+                <a:miter lim="800000"/>
+                <a:headEnd/>
+                <a:tailEnd/>
+              </a14:hiddenLine>
+            </a:ext>
+            <a:ext uri="{AF507438-7753-43e0-B8FC-AC1667EBCBE1}">
               <a14:hiddenEffects xmlns:a14="http://schemas.microsoft.com/office/drawing/2010/main">
                 <a:effectLst>
                   <a:outerShdw dist="35921" dir="2700000" algn="ctr" rotWithShape="0">
@@ -41695,14 +41857,14 @@
           </a:ln>
           <a:effectLst/>
           <a:extLst>
-            <a:ext uri="{909E8E84-426E-40DD-AFC4-6F175D3DCCD1}">
+            <a:ext uri="{909E8E84-426E-40dd-AFC4-6F175D3DCCD1}">
               <a14:hiddenFill xmlns:a14="http://schemas.microsoft.com/office/drawing/2010/main">
                 <a:solidFill>
                   <a:schemeClr val="accent1"/>
                 </a:solidFill>
               </a14:hiddenFill>
             </a:ext>
-            <a:ext uri="{91240B29-F687-4F45-9708-019B960494DF}">
+            <a:ext uri="{91240B29-F687-4f45-9708-019B960494DF}">
               <a14:hiddenLine xmlns:a14="http://schemas.microsoft.com/office/drawing/2010/main" w="9525">
                 <a:solidFill>
                   <a:schemeClr val="tx1"/>
@@ -41712,7 +41874,7 @@
                 <a:tailEnd/>
               </a14:hiddenLine>
             </a:ext>
-            <a:ext uri="{AF507438-7753-43E0-B8FC-AC1667EBCBE1}">
+            <a:ext uri="{AF507438-7753-43e0-B8FC-AC1667EBCBE1}">
               <a14:hiddenEffects xmlns:a14="http://schemas.microsoft.com/office/drawing/2010/main">
                 <a:effectLst>
                   <a:outerShdw dist="35921" dir="2700000" algn="ctr" rotWithShape="0">
@@ -41737,7 +41899,7 @@
 </p:sld>
 </file>
 
-<file path=ppt/slides/slide47.xml><?xml version="1.0" encoding="utf-8"?>
+<file path=ppt/slides/slide48.xml><?xml version="1.0" encoding="utf-8"?>
 <p:sld xmlns:a="http://schemas.openxmlformats.org/drawingml/2006/main" xmlns:r="http://schemas.openxmlformats.org/officeDocument/2006/relationships" xmlns:p="http://schemas.openxmlformats.org/presentationml/2006/main">
   <p:cSld>
     <p:spTree>
@@ -41812,14 +41974,14 @@
           </a:ln>
           <a:effectLst/>
           <a:extLst>
-            <a:ext uri="{909E8E84-426E-40DD-AFC4-6F175D3DCCD1}">
+            <a:ext uri="{909E8E84-426E-40dd-AFC4-6F175D3DCCD1}">
               <a14:hiddenFill xmlns:a14="http://schemas.microsoft.com/office/drawing/2010/main">
                 <a:solidFill>
                   <a:schemeClr val="accent1"/>
                 </a:solidFill>
               </a14:hiddenFill>
             </a:ext>
-            <a:ext uri="{91240B29-F687-4F45-9708-019B960494DF}">
+            <a:ext uri="{91240B29-F687-4f45-9708-019B960494DF}">
               <a14:hiddenLine xmlns:a14="http://schemas.microsoft.com/office/drawing/2010/main" w="9525">
                 <a:solidFill>
                   <a:schemeClr val="tx1"/>
@@ -41829,7 +41991,7 @@
                 <a:tailEnd/>
               </a14:hiddenLine>
             </a:ext>
-            <a:ext uri="{AF507438-7753-43E0-B8FC-AC1667EBCBE1}">
+            <a:ext uri="{AF507438-7753-43e0-B8FC-AC1667EBCBE1}">
               <a14:hiddenEffects xmlns:a14="http://schemas.microsoft.com/office/drawing/2010/main">
                 <a:effectLst>
                   <a:outerShdw dist="35921" dir="2700000" algn="ctr" rotWithShape="0">
@@ -41876,14 +42038,14 @@
           </a:ln>
           <a:effectLst/>
           <a:extLst>
-            <a:ext uri="{909E8E84-426E-40DD-AFC4-6F175D3DCCD1}">
+            <a:ext uri="{909E8E84-426E-40dd-AFC4-6F175D3DCCD1}">
               <a14:hiddenFill xmlns:a14="http://schemas.microsoft.com/office/drawing/2010/main">
                 <a:solidFill>
                   <a:schemeClr val="accent1"/>
                 </a:solidFill>
               </a14:hiddenFill>
             </a:ext>
-            <a:ext uri="{91240B29-F687-4F45-9708-019B960494DF}">
+            <a:ext uri="{91240B29-F687-4f45-9708-019B960494DF}">
               <a14:hiddenLine xmlns:a14="http://schemas.microsoft.com/office/drawing/2010/main" w="9525">
                 <a:solidFill>
                   <a:schemeClr val="tx1"/>
@@ -41893,7 +42055,7 @@
                 <a:tailEnd/>
               </a14:hiddenLine>
             </a:ext>
-            <a:ext uri="{AF507438-7753-43E0-B8FC-AC1667EBCBE1}">
+            <a:ext uri="{AF507438-7753-43e0-B8FC-AC1667EBCBE1}">
               <a14:hiddenEffects xmlns:a14="http://schemas.microsoft.com/office/drawing/2010/main">
                 <a:effectLst>
                   <a:outerShdw dist="35921" dir="2700000" algn="ctr" rotWithShape="0">
@@ -41999,14 +42161,14 @@
           </a:ln>
           <a:effectLst/>
           <a:extLst>
-            <a:ext uri="{909E8E84-426E-40DD-AFC4-6F175D3DCCD1}">
+            <a:ext uri="{909E8E84-426E-40dd-AFC4-6F175D3DCCD1}">
               <a14:hiddenFill xmlns:a14="http://schemas.microsoft.com/office/drawing/2010/main">
                 <a:solidFill>
                   <a:schemeClr val="accent1"/>
                 </a:solidFill>
               </a14:hiddenFill>
             </a:ext>
-            <a:ext uri="{91240B29-F687-4F45-9708-019B960494DF}">
+            <a:ext uri="{91240B29-F687-4f45-9708-019B960494DF}">
               <a14:hiddenLine xmlns:a14="http://schemas.microsoft.com/office/drawing/2010/main" w="9525">
                 <a:solidFill>
                   <a:schemeClr val="tx1"/>
@@ -42016,7 +42178,7 @@
                 <a:tailEnd/>
               </a14:hiddenLine>
             </a:ext>
-            <a:ext uri="{AF507438-7753-43E0-B8FC-AC1667EBCBE1}">
+            <a:ext uri="{AF507438-7753-43e0-B8FC-AC1667EBCBE1}">
               <a14:hiddenEffects xmlns:a14="http://schemas.microsoft.com/office/drawing/2010/main">
                 <a:effectLst>
                   <a:outerShdw dist="35921" dir="2700000" algn="ctr" rotWithShape="0">
@@ -42121,7 +42283,7 @@
 </p:sld>
 </file>
 
-<file path=ppt/slides/slide48.xml><?xml version="1.0" encoding="utf-8"?>
+<file path=ppt/slides/slide49.xml><?xml version="1.0" encoding="utf-8"?>
 <p:sld xmlns:a="http://schemas.openxmlformats.org/drawingml/2006/main" xmlns:r="http://schemas.openxmlformats.org/officeDocument/2006/relationships" xmlns:p="http://schemas.openxmlformats.org/presentationml/2006/main">
   <p:cSld>
     <p:spTree>
@@ -42140,9 +42302,9 @@
       </p:grpSpPr>
       <p:pic>
         <p:nvPicPr>
-          <p:cNvPr id="8195" name="Picture 3"/>
+          <p:cNvPr id="5" name="Picture 4" descr="avg_time_V1.pdf"/>
           <p:cNvPicPr>
-            <a:picLocks noChangeAspect="1" noChangeArrowheads="1"/>
+            <a:picLocks noChangeAspect="1"/>
           </p:cNvPicPr>
           <p:nvPr/>
         </p:nvPicPr>
@@ -42154,251 +42316,54 @@
               </a:ext>
             </a:extLst>
           </a:blip>
-          <a:srcRect/>
           <a:stretch>
             <a:fillRect/>
           </a:stretch>
         </p:blipFill>
-        <p:spPr bwMode="auto">
+        <p:spPr>
           <a:xfrm>
-            <a:off x="1652588" y="1371600"/>
-            <a:ext cx="5838825" cy="5305425"/>
+            <a:off x="3886200" y="914400"/>
+            <a:ext cx="7112000" cy="5321300"/>
           </a:xfrm>
           <a:prstGeom prst="rect">
             <a:avLst/>
           </a:prstGeom>
-          <a:noFill/>
-          <a:ln>
-            <a:noFill/>
-          </a:ln>
-          <a:effectLst/>
-          <a:extLst>
-            <a:ext uri="{909E8E84-426E-40DD-AFC4-6F175D3DCCD1}">
-              <a14:hiddenFill xmlns:a14="http://schemas.microsoft.com/office/drawing/2010/main">
-                <a:solidFill>
-                  <a:schemeClr val="accent1"/>
-                </a:solidFill>
-              </a14:hiddenFill>
-            </a:ext>
-            <a:ext uri="{91240B29-F687-4F45-9708-019B960494DF}">
-              <a14:hiddenLine xmlns:a14="http://schemas.microsoft.com/office/drawing/2010/main" w="9525">
-                <a:solidFill>
-                  <a:schemeClr val="tx1"/>
-                </a:solidFill>
-                <a:miter lim="800000"/>
-                <a:headEnd/>
-                <a:tailEnd/>
-              </a14:hiddenLine>
-            </a:ext>
-            <a:ext uri="{AF507438-7753-43E0-B8FC-AC1667EBCBE1}">
-              <a14:hiddenEffects xmlns:a14="http://schemas.microsoft.com/office/drawing/2010/main">
-                <a:effectLst>
-                  <a:outerShdw dist="35921" dir="2700000" algn="ctr" rotWithShape="0">
-                    <a:schemeClr val="bg2"/>
-                  </a:outerShdw>
-                </a:effectLst>
-              </a14:hiddenEffects>
-            </a:ext>
-          </a:extLst>
         </p:spPr>
       </p:pic>
-      <p:sp>
-        <p:nvSpPr>
-          <p:cNvPr id="6" name="Title 1"/>
-          <p:cNvSpPr>
-            <a:spLocks noGrp="1"/>
-          </p:cNvSpPr>
-          <p:nvPr>
-            <p:ph type="title"/>
-          </p:nvPr>
-        </p:nvSpPr>
+      <p:pic>
+        <p:nvPicPr>
+          <p:cNvPr id="7" name="Picture 6" descr="avg_cc_V1.pdf"/>
+          <p:cNvPicPr>
+            <a:picLocks noChangeAspect="1"/>
+          </p:cNvPicPr>
+          <p:nvPr/>
+        </p:nvPicPr>
+        <p:blipFill>
+          <a:blip r:embed="rId3">
+            <a:extLst>
+              <a:ext uri="{28A0092B-C50C-407E-A947-70E740481C1C}">
+                <a14:useLocalDpi xmlns:a14="http://schemas.microsoft.com/office/drawing/2010/main" val="0"/>
+              </a:ext>
+            </a:extLst>
+          </a:blip>
+          <a:stretch>
+            <a:fillRect/>
+          </a:stretch>
+        </p:blipFill>
         <p:spPr>
           <a:xfrm>
-            <a:off x="457200" y="274638"/>
-            <a:ext cx="8229600" cy="1143000"/>
+            <a:off x="-1905000" y="762000"/>
+            <a:ext cx="7112000" cy="5321300"/>
           </a:xfrm>
+          <a:prstGeom prst="rect">
+            <a:avLst/>
+          </a:prstGeom>
         </p:spPr>
-        <p:txBody>
-          <a:bodyPr/>
-          <a:lstStyle/>
-          <a:p>
-            <a:r>
-              <a:rPr lang="en-US" dirty="0" smtClean="0"/>
-              <a:t>Non-Linear Representations</a:t>
-            </a:r>
-            <a:endParaRPr lang="en-US" dirty="0"/>
-          </a:p>
-        </p:txBody>
-      </p:sp>
+      </p:pic>
     </p:spTree>
     <p:extLst>
       <p:ext uri="{BB962C8B-B14F-4D97-AF65-F5344CB8AC3E}">
-        <p14:creationId xmlns:p14="http://schemas.microsoft.com/office/powerpoint/2010/main" val="2098679018"/>
-      </p:ext>
-    </p:extLst>
-  </p:cSld>
-  <p:clrMapOvr>
-    <a:masterClrMapping/>
-  </p:clrMapOvr>
-</p:sld>
-</file>
-
-<file path=ppt/slides/slide49.xml><?xml version="1.0" encoding="utf-8"?>
-<p:sld xmlns:a="http://schemas.openxmlformats.org/drawingml/2006/main" xmlns:r="http://schemas.openxmlformats.org/officeDocument/2006/relationships" xmlns:p="http://schemas.openxmlformats.org/presentationml/2006/main">
-  <p:cSld>
-    <p:spTree>
-      <p:nvGrpSpPr>
-        <p:cNvPr id="1" name=""/>
-        <p:cNvGrpSpPr/>
-        <p:nvPr/>
-      </p:nvGrpSpPr>
-      <p:grpSpPr>
-        <a:xfrm>
-          <a:off x="0" y="0"/>
-          <a:ext cx="0" cy="0"/>
-          <a:chOff x="0" y="0"/>
-          <a:chExt cx="0" cy="0"/>
-        </a:xfrm>
-      </p:grpSpPr>
-      <p:sp>
-        <p:nvSpPr>
-          <p:cNvPr id="2" name="Title 1"/>
-          <p:cNvSpPr>
-            <a:spLocks noGrp="1"/>
-          </p:cNvSpPr>
-          <p:nvPr>
-            <p:ph type="title"/>
-          </p:nvPr>
-        </p:nvSpPr>
-        <p:spPr/>
-        <p:txBody>
-          <a:bodyPr/>
-          <a:lstStyle/>
-          <a:p>
-            <a:r>
-              <a:rPr lang="en-US" dirty="0" smtClean="0"/>
-              <a:t>Outline</a:t>
-            </a:r>
-            <a:endParaRPr lang="en-US" dirty="0"/>
-          </a:p>
-        </p:txBody>
-      </p:sp>
-      <p:sp>
-        <p:nvSpPr>
-          <p:cNvPr id="3" name="Content Placeholder 2"/>
-          <p:cNvSpPr>
-            <a:spLocks noGrp="1"/>
-          </p:cNvSpPr>
-          <p:nvPr>
-            <p:ph idx="1"/>
-          </p:nvPr>
-        </p:nvSpPr>
-        <p:spPr>
-          <a:xfrm>
-            <a:off x="457200" y="1600200"/>
-            <a:ext cx="8229600" cy="5029200"/>
-          </a:xfrm>
-        </p:spPr>
-        <p:txBody>
-          <a:bodyPr>
-            <a:normAutofit/>
-          </a:bodyPr>
-          <a:lstStyle/>
-          <a:p>
-            <a:r>
-              <a:rPr lang="en-US" sz="1600" dirty="0" smtClean="0"/>
-              <a:t>Attention: an improvement in performance when prior information about behavioral relevance is available, at the cost of performance for other information.</a:t>
-            </a:r>
-          </a:p>
-          <a:p>
-            <a:r>
-              <a:rPr lang="en-US" sz="1600" dirty="0" smtClean="0"/>
-              <a:t>Awareness: reportability, discriminability, </a:t>
-            </a:r>
-            <a:r>
-              <a:rPr lang="en-US" sz="1600" dirty="0" err="1" smtClean="0"/>
-              <a:t>etc</a:t>
-            </a:r>
-            <a:endParaRPr lang="en-US" sz="1600" dirty="0" smtClean="0"/>
-          </a:p>
-          <a:p>
-            <a:r>
-              <a:rPr lang="en-US" sz="1600" dirty="0" smtClean="0"/>
-              <a:t>We want to understand the neural mechanism that results in attention and why it sometimes acts in counter-intuitive ways:</a:t>
-            </a:r>
-          </a:p>
-          <a:p>
-            <a:pPr lvl="1"/>
-            <a:r>
-              <a:rPr lang="en-US" sz="1200" dirty="0" smtClean="0"/>
-              <a:t>For example, attention to contrast hurts discriminability of motion coherence</a:t>
-            </a:r>
-          </a:p>
-          <a:p>
-            <a:pPr lvl="1"/>
-            <a:r>
-              <a:rPr lang="en-US" sz="1200" dirty="0" smtClean="0"/>
-              <a:t>Dig into behavior</a:t>
-            </a:r>
-          </a:p>
-          <a:p>
-            <a:r>
-              <a:rPr lang="en-US" sz="1600" dirty="0" smtClean="0"/>
-              <a:t>What kinds of neural responses might underlie these behaviors? Well, we can read out from V1 fMRI and MT fMRI signals that are sufficiently large to explain behavior, under the assumption that there is relatively low noise (similar to previous experiments).</a:t>
-            </a:r>
-          </a:p>
-          <a:p>
-            <a:pPr lvl="1"/>
-            <a:r>
-              <a:rPr lang="en-US" sz="1200" dirty="0" smtClean="0"/>
-              <a:t>Explain model in detail, including fitting both timing and amplitude</a:t>
-            </a:r>
-          </a:p>
-          <a:p>
-            <a:r>
-              <a:rPr lang="en-US" sz="1600" dirty="0" smtClean="0"/>
-              <a:t>Complete fit --- can we explain the behavior using the magnitudes of responses in visual cortex?</a:t>
-            </a:r>
-          </a:p>
-          <a:p>
-            <a:pPr lvl="1"/>
-            <a:r>
-              <a:rPr lang="en-US" sz="1200" dirty="0" smtClean="0"/>
-              <a:t>Yes (assuming no attention effects)</a:t>
-            </a:r>
-          </a:p>
-          <a:p>
-            <a:r>
-              <a:rPr lang="en-US" sz="1600" dirty="0" smtClean="0"/>
-              <a:t>What does attention do? It acts as an intercept change .</a:t>
-            </a:r>
-          </a:p>
-          <a:p>
-            <a:pPr lvl="1"/>
-            <a:r>
-              <a:rPr lang="en-US" sz="1200" dirty="0" smtClean="0"/>
-              <a:t>Can we fit the behavior using a model that uses intercept changes instead of beta weights? Yes but only if you allow the slope to change on the unattended motion coherence function:</a:t>
-            </a:r>
-          </a:p>
-          <a:p>
-            <a:pPr lvl="2"/>
-            <a:r>
-              <a:rPr lang="en-US" sz="800" dirty="0" smtClean="0"/>
-              <a:t>Does this show up in the data?</a:t>
-            </a:r>
-          </a:p>
-          <a:p>
-            <a:r>
-              <a:rPr lang="en-US" sz="1600" dirty="0" smtClean="0"/>
-              <a:t>A hierarchical model for feature attention is sufficient to explain this behavioral and fMRI data jointly.</a:t>
-            </a:r>
-          </a:p>
-        </p:txBody>
-      </p:sp>
-    </p:spTree>
-    <p:extLst>
-      <p:ext uri="{BB962C8B-B14F-4D97-AF65-F5344CB8AC3E}">
-        <p14:creationId xmlns:p14="http://schemas.microsoft.com/office/powerpoint/2010/main" val="3050125178"/>
+        <p14:creationId xmlns:p14="http://schemas.microsoft.com/office/powerpoint/2010/main" val="2426871158"/>
       </p:ext>
     </p:extLst>
   </p:cSld>
@@ -43197,7 +43162,7 @@
   <p:timing>
     <p:tnLst>
       <p:par>
-        <p:cTn id="1" dur="indefinite" restart="never" nodeType="tmRoot"/>
+        <p:cTn xmlns:p14="http://schemas.microsoft.com/office/powerpoint/2010/main" id="1" dur="indefinite" restart="never" nodeType="tmRoot"/>
       </p:par>
     </p:tnLst>
   </p:timing>
@@ -43223,9 +43188,9 @@
       </p:grpSpPr>
       <p:pic>
         <p:nvPicPr>
-          <p:cNvPr id="4098" name="Picture 2" descr="https://lh5.googleusercontent.com/5yFWj-qayB6bcfp7FA51WnnSkVn4WHIy1IBQo98ySZYldtakzYpRNe4tL7BFlrj1KEcMAqxKFApH5ORAaElCtTa1aowo_Vwon4jBEA5YuPdkHfFa_Jd3RzLDPzN1n5NQQ2r_IqKz"/>
+          <p:cNvPr id="4" name="Picture 3" descr="avg_cc_MT.pdf"/>
           <p:cNvPicPr>
-            <a:picLocks noChangeAspect="1" noChangeArrowheads="1"/>
+            <a:picLocks noChangeAspect="1"/>
           </p:cNvPicPr>
           <p:nvPr/>
         </p:nvPicPr>
@@ -43237,36 +43202,25 @@
               </a:ext>
             </a:extLst>
           </a:blip>
-          <a:srcRect/>
           <a:stretch>
             <a:fillRect/>
           </a:stretch>
         </p:blipFill>
-        <p:spPr bwMode="auto">
+        <p:spPr>
           <a:xfrm>
-            <a:off x="0" y="1954481"/>
-            <a:ext cx="4543425" cy="3495675"/>
+            <a:off x="-1524000" y="838200"/>
+            <a:ext cx="7112000" cy="5321300"/>
           </a:xfrm>
           <a:prstGeom prst="rect">
             <a:avLst/>
           </a:prstGeom>
-          <a:noFill/>
-          <a:extLst>
-            <a:ext uri="{909E8E84-426E-40DD-AFC4-6F175D3DCCD1}">
-              <a14:hiddenFill xmlns:a14="http://schemas.microsoft.com/office/drawing/2010/main">
-                <a:solidFill>
-                  <a:srgbClr val="FFFFFF"/>
-                </a:solidFill>
-              </a14:hiddenFill>
-            </a:ext>
-          </a:extLst>
         </p:spPr>
       </p:pic>
       <p:pic>
         <p:nvPicPr>
-          <p:cNvPr id="3" name="Picture 2" descr="https://lh5.googleusercontent.com/RUCEnvn0UUm16u4OXq6lmgDU94gFw6vtmR1ntNnIZs4ZyxYnN9eOtf2jMEAoc0wJFAdcgw4xED4DlCDsrkBkGNwLECcUVJHr0mj-gumRmYUX1FhDW3Z355g1zcFMGscyERVjlGW8"/>
+          <p:cNvPr id="5" name="Picture 4" descr="avg_time_MT.pdf"/>
           <p:cNvPicPr>
-            <a:picLocks noChangeAspect="1" noChangeArrowheads="1"/>
+            <a:picLocks noChangeAspect="1"/>
           </p:cNvPicPr>
           <p:nvPr/>
         </p:nvPicPr>
@@ -43278,71 +43232,24 @@
               </a:ext>
             </a:extLst>
           </a:blip>
-          <a:srcRect/>
           <a:stretch>
             <a:fillRect/>
           </a:stretch>
         </p:blipFill>
-        <p:spPr bwMode="auto">
+        <p:spPr>
           <a:xfrm>
-            <a:off x="4381500" y="1981200"/>
-            <a:ext cx="4762500" cy="3657600"/>
+            <a:off x="4648200" y="990600"/>
+            <a:ext cx="7112000" cy="5321300"/>
           </a:xfrm>
           <a:prstGeom prst="rect">
             <a:avLst/>
           </a:prstGeom>
-          <a:noFill/>
-          <a:extLst>
-            <a:ext uri="{909E8E84-426E-40DD-AFC4-6F175D3DCCD1}">
-              <a14:hiddenFill xmlns:a14="http://schemas.microsoft.com/office/drawing/2010/main">
-                <a:solidFill>
-                  <a:srgbClr val="FFFFFF"/>
-                </a:solidFill>
-              </a14:hiddenFill>
-            </a:ext>
-          </a:extLst>
         </p:spPr>
       </p:pic>
-      <p:sp>
-        <p:nvSpPr>
-          <p:cNvPr id="2" name="TextBox 1"/>
-          <p:cNvSpPr txBox="1"/>
-          <p:nvPr/>
-        </p:nvSpPr>
-        <p:spPr>
-          <a:xfrm>
-            <a:off x="5305214" y="3276600"/>
-            <a:ext cx="3818994" cy="646331"/>
-          </a:xfrm>
-          <a:prstGeom prst="rect">
-            <a:avLst/>
-          </a:prstGeom>
-          <a:noFill/>
-        </p:spPr>
-        <p:txBody>
-          <a:bodyPr wrap="none" rtlCol="0">
-            <a:spAutoFit/>
-          </a:bodyPr>
-          <a:lstStyle/>
-          <a:p>
-            <a:r>
-              <a:rPr lang="en-US" b="1" dirty="0" smtClean="0"/>
-              <a:t>Use real data + curve estimates? From</a:t>
-            </a:r>
-          </a:p>
-          <a:p>
-            <a:r>
-              <a:rPr lang="en-US" b="1" dirty="0" smtClean="0"/>
-              <a:t>Average behavioral data</a:t>
-            </a:r>
-            <a:endParaRPr lang="en-US" b="1" dirty="0"/>
-          </a:p>
-        </p:txBody>
-      </p:sp>
     </p:spTree>
     <p:extLst>
       <p:ext uri="{BB962C8B-B14F-4D97-AF65-F5344CB8AC3E}">
-        <p14:creationId xmlns:p14="http://schemas.microsoft.com/office/powerpoint/2010/main" val="3624098776"/>
+        <p14:creationId xmlns:p14="http://schemas.microsoft.com/office/powerpoint/2010/main" val="467359169"/>
       </p:ext>
     </p:extLst>
   </p:cSld>
@@ -43371,49 +43278,38 @@
       </p:grpSpPr>
       <p:pic>
         <p:nvPicPr>
-          <p:cNvPr id="6146" name="Picture 2" descr="https://lh6.googleusercontent.com/V7BWg4fuxJkN5MzWGr40mpY_q5yxcV1ZCVa64OZryZAKq1TP7HNrG_Qr1h2LdizoLDoSZ_Daax4jtkxHQwIKaq56o8mWI99Zh_ctBtbi-kKaZEuEKbcE9uNWLoK1I8rcS8pTWmGr"/>
+          <p:cNvPr id="8" name="Picture 7" descr="avg_fmriresponse.pdf"/>
           <p:cNvPicPr>
-            <a:picLocks noChangeAspect="1" noChangeArrowheads="1"/>
+            <a:picLocks noChangeAspect="1"/>
           </p:cNvPicPr>
           <p:nvPr/>
         </p:nvPicPr>
         <p:blipFill>
-          <a:blip r:embed="rId2" cstate="print">
+          <a:blip r:embed="rId2">
             <a:extLst>
               <a:ext uri="{28A0092B-C50C-407E-A947-70E740481C1C}">
                 <a14:useLocalDpi xmlns:a14="http://schemas.microsoft.com/office/drawing/2010/main" val="0"/>
               </a:ext>
             </a:extLst>
           </a:blip>
-          <a:srcRect/>
           <a:stretch>
             <a:fillRect/>
           </a:stretch>
         </p:blipFill>
-        <p:spPr bwMode="auto">
+        <p:spPr>
           <a:xfrm>
-            <a:off x="1295400" y="2133600"/>
-            <a:ext cx="5943600" cy="2295526"/>
+            <a:off x="-1" y="0"/>
+            <a:ext cx="9165823" cy="6858000"/>
           </a:xfrm>
           <a:prstGeom prst="rect">
             <a:avLst/>
           </a:prstGeom>
-          <a:noFill/>
-          <a:extLst>
-            <a:ext uri="{909E8E84-426E-40DD-AFC4-6F175D3DCCD1}">
-              <a14:hiddenFill xmlns:a14="http://schemas.microsoft.com/office/drawing/2010/main">
-                <a:solidFill>
-                  <a:srgbClr val="FFFFFF"/>
-                </a:solidFill>
-              </a14:hiddenFill>
-            </a:ext>
-          </a:extLst>
         </p:spPr>
       </p:pic>
     </p:spTree>
     <p:extLst>
       <p:ext uri="{BB962C8B-B14F-4D97-AF65-F5344CB8AC3E}">
-        <p14:creationId xmlns:p14="http://schemas.microsoft.com/office/powerpoint/2010/main" val="2649323446"/>
+        <p14:creationId xmlns:p14="http://schemas.microsoft.com/office/powerpoint/2010/main" val="3742504389"/>
       </p:ext>
     </p:extLst>
   </p:cSld>
@@ -43442,9 +43338,9 @@
       </p:grpSpPr>
       <p:pic>
         <p:nvPicPr>
-          <p:cNvPr id="4" name="Picture 2" descr="https://lh4.googleusercontent.com/J4ZmQkJcckD80l6RAjnrydFKPfzCXlLXVpZJB562FrCe_DlYbtKu2YIKhCu63A6XZitR6IKjSEOMPtYzTHKzkvDDJTSohfOO_pEjlRyBKNm00624x6dC_IJL0dIS5kl9w27VNNze"/>
+          <p:cNvPr id="5" name="Picture 4" descr="avg_behavvsfmri.pdf"/>
           <p:cNvPicPr>
-            <a:picLocks noChangeAspect="1" noChangeArrowheads="1"/>
+            <a:picLocks noChangeAspect="1"/>
           </p:cNvPicPr>
           <p:nvPr/>
         </p:nvPicPr>
@@ -43456,284 +43352,24 @@
               </a:ext>
             </a:extLst>
           </a:blip>
-          <a:srcRect/>
           <a:stretch>
             <a:fillRect/>
           </a:stretch>
         </p:blipFill>
-        <p:spPr bwMode="auto">
+        <p:spPr>
           <a:xfrm>
-            <a:off x="1219200" y="1295400"/>
-            <a:ext cx="5943600" cy="4467226"/>
+            <a:off x="0" y="0"/>
+            <a:ext cx="9267666" cy="6934200"/>
           </a:xfrm>
           <a:prstGeom prst="rect">
             <a:avLst/>
           </a:prstGeom>
-          <a:noFill/>
-          <a:extLst>
-            <a:ext uri="{909E8E84-426E-40DD-AFC4-6F175D3DCCD1}">
-              <a14:hiddenFill xmlns:a14="http://schemas.microsoft.com/office/drawing/2010/main">
-                <a:solidFill>
-                  <a:srgbClr val="FFFFFF"/>
-                </a:solidFill>
-              </a14:hiddenFill>
-            </a:ext>
-          </a:extLst>
         </p:spPr>
       </p:pic>
     </p:spTree>
     <p:extLst>
       <p:ext uri="{BB962C8B-B14F-4D97-AF65-F5344CB8AC3E}">
-        <p14:creationId xmlns:p14="http://schemas.microsoft.com/office/powerpoint/2010/main" val="1743058360"/>
-      </p:ext>
-    </p:extLst>
-  </p:cSld>
-  <p:clrMapOvr>
-    <a:masterClrMapping/>
-  </p:clrMapOvr>
-</p:sld>
-</file>
-
-<file path=ppt/slides/slide53.xml><?xml version="1.0" encoding="utf-8"?>
-<p:sld xmlns:a="http://schemas.openxmlformats.org/drawingml/2006/main" xmlns:r="http://schemas.openxmlformats.org/officeDocument/2006/relationships" xmlns:p="http://schemas.openxmlformats.org/presentationml/2006/main">
-  <p:cSld>
-    <p:spTree>
-      <p:nvGrpSpPr>
-        <p:cNvPr id="1" name=""/>
-        <p:cNvGrpSpPr/>
-        <p:nvPr/>
-      </p:nvGrpSpPr>
-      <p:grpSpPr>
-        <a:xfrm>
-          <a:off x="0" y="0"/>
-          <a:ext cx="0" cy="0"/>
-          <a:chOff x="0" y="0"/>
-          <a:chExt cx="0" cy="0"/>
-        </a:xfrm>
-      </p:grpSpPr>
-      <p:pic>
-        <p:nvPicPr>
-          <p:cNvPr id="7170" name="Picture 2" descr="https://lh3.googleusercontent.com/NeIPitDX3Fady8ht6AerMLHeifOPgvI-QtjqHm3LbImiV2147tT94tZI-sx1QsDRYT4mMmZCjI38paTF2xaIy0foufUONur5X-pIwNmPk0iOuXEtiEr0X2OZdWQ2yzy2ExtVolws"/>
-          <p:cNvPicPr>
-            <a:picLocks noChangeAspect="1" noChangeArrowheads="1"/>
-          </p:cNvPicPr>
-          <p:nvPr/>
-        </p:nvPicPr>
-        <p:blipFill>
-          <a:blip r:embed="rId2">
-            <a:extLst>
-              <a:ext uri="{28A0092B-C50C-407E-A947-70E740481C1C}">
-                <a14:useLocalDpi xmlns:a14="http://schemas.microsoft.com/office/drawing/2010/main" val="0"/>
-              </a:ext>
-            </a:extLst>
-          </a:blip>
-          <a:srcRect/>
-          <a:stretch>
-            <a:fillRect/>
-          </a:stretch>
-        </p:blipFill>
-        <p:spPr bwMode="auto">
-          <a:xfrm>
-            <a:off x="1524000" y="838200"/>
-            <a:ext cx="5943600" cy="4772025"/>
-          </a:xfrm>
-          <a:prstGeom prst="rect">
-            <a:avLst/>
-          </a:prstGeom>
-          <a:noFill/>
-          <a:extLst>
-            <a:ext uri="{909E8E84-426E-40DD-AFC4-6F175D3DCCD1}">
-              <a14:hiddenFill xmlns:a14="http://schemas.microsoft.com/office/drawing/2010/main">
-                <a:solidFill>
-                  <a:srgbClr val="FFFFFF"/>
-                </a:solidFill>
-              </a14:hiddenFill>
-            </a:ext>
-          </a:extLst>
-        </p:spPr>
-      </p:pic>
-    </p:spTree>
-    <p:extLst>
-      <p:ext uri="{BB962C8B-B14F-4D97-AF65-F5344CB8AC3E}">
-        <p14:creationId xmlns:p14="http://schemas.microsoft.com/office/powerpoint/2010/main" val="4049894715"/>
-      </p:ext>
-    </p:extLst>
-  </p:cSld>
-  <p:clrMapOvr>
-    <a:masterClrMapping/>
-  </p:clrMapOvr>
-</p:sld>
-</file>
-
-<file path=ppt/slides/slide54.xml><?xml version="1.0" encoding="utf-8"?>
-<p:sld xmlns:a="http://schemas.openxmlformats.org/drawingml/2006/main" xmlns:r="http://schemas.openxmlformats.org/officeDocument/2006/relationships" xmlns:p="http://schemas.openxmlformats.org/presentationml/2006/main">
-  <p:cSld>
-    <p:spTree>
-      <p:nvGrpSpPr>
-        <p:cNvPr id="1" name=""/>
-        <p:cNvGrpSpPr/>
-        <p:nvPr/>
-      </p:nvGrpSpPr>
-      <p:grpSpPr>
-        <a:xfrm>
-          <a:off x="0" y="0"/>
-          <a:ext cx="0" cy="0"/>
-          <a:chOff x="0" y="0"/>
-          <a:chExt cx="0" cy="0"/>
-        </a:xfrm>
-      </p:grpSpPr>
-      <p:pic>
-        <p:nvPicPr>
-          <p:cNvPr id="8194" name="Picture 2" descr="https://lh3.googleusercontent.com/ePvVCAqyWqfk1KK9J98ZX-2So2MmAkAwNPH97VqG8pI6YltI2tZx1l9FdtTwmZ_ZHKF0lt-3gjDGat2P-cdvFPDBIMwkZQjBp1vplTRmLNZz90y04JahPRPmoTXSgtUg68WuzHM3"/>
-          <p:cNvPicPr>
-            <a:picLocks noChangeAspect="1" noChangeArrowheads="1"/>
-          </p:cNvPicPr>
-          <p:nvPr/>
-        </p:nvPicPr>
-        <p:blipFill>
-          <a:blip r:embed="rId2">
-            <a:extLst>
-              <a:ext uri="{28A0092B-C50C-407E-A947-70E740481C1C}">
-                <a14:useLocalDpi xmlns:a14="http://schemas.microsoft.com/office/drawing/2010/main" val="0"/>
-              </a:ext>
-            </a:extLst>
-          </a:blip>
-          <a:srcRect/>
-          <a:stretch>
-            <a:fillRect/>
-          </a:stretch>
-        </p:blipFill>
-        <p:spPr bwMode="auto">
-          <a:xfrm>
-            <a:off x="1066800" y="1295400"/>
-            <a:ext cx="5943600" cy="3895725"/>
-          </a:xfrm>
-          <a:prstGeom prst="rect">
-            <a:avLst/>
-          </a:prstGeom>
-          <a:noFill/>
-          <a:extLst>
-            <a:ext uri="{909E8E84-426E-40DD-AFC4-6F175D3DCCD1}">
-              <a14:hiddenFill xmlns:a14="http://schemas.microsoft.com/office/drawing/2010/main">
-                <a:solidFill>
-                  <a:srgbClr val="FFFFFF"/>
-                </a:solidFill>
-              </a14:hiddenFill>
-            </a:ext>
-          </a:extLst>
-        </p:spPr>
-      </p:pic>
-    </p:spTree>
-    <p:extLst>
-      <p:ext uri="{BB962C8B-B14F-4D97-AF65-F5344CB8AC3E}">
-        <p14:creationId xmlns:p14="http://schemas.microsoft.com/office/powerpoint/2010/main" val="192498456"/>
-      </p:ext>
-    </p:extLst>
-  </p:cSld>
-  <p:clrMapOvr>
-    <a:masterClrMapping/>
-  </p:clrMapOvr>
-</p:sld>
-</file>
-
-<file path=ppt/slides/slide55.xml><?xml version="1.0" encoding="utf-8"?>
-<p:sld xmlns:a="http://schemas.openxmlformats.org/drawingml/2006/main" xmlns:r="http://schemas.openxmlformats.org/officeDocument/2006/relationships" xmlns:p="http://schemas.openxmlformats.org/presentationml/2006/main">
-  <p:cSld>
-    <p:spTree>
-      <p:nvGrpSpPr>
-        <p:cNvPr id="1" name=""/>
-        <p:cNvGrpSpPr/>
-        <p:nvPr/>
-      </p:nvGrpSpPr>
-      <p:grpSpPr>
-        <a:xfrm>
-          <a:off x="0" y="0"/>
-          <a:ext cx="0" cy="0"/>
-          <a:chOff x="0" y="0"/>
-          <a:chExt cx="0" cy="0"/>
-        </a:xfrm>
-      </p:grpSpPr>
-      <p:sp>
-        <p:nvSpPr>
-          <p:cNvPr id="2" name="Title 1"/>
-          <p:cNvSpPr>
-            <a:spLocks noGrp="1"/>
-          </p:cNvSpPr>
-          <p:nvPr>
-            <p:ph type="title"/>
-          </p:nvPr>
-        </p:nvSpPr>
-        <p:spPr/>
-        <p:txBody>
-          <a:bodyPr>
-            <a:normAutofit fontScale="90000"/>
-          </a:bodyPr>
-          <a:lstStyle/>
-          <a:p>
-            <a:r>
-              <a:rPr lang="en-US" dirty="0" smtClean="0"/>
-              <a:t>Missing data: behavior w/ intercept model</a:t>
-            </a:r>
-            <a:br>
-              <a:rPr lang="en-US" dirty="0" smtClean="0"/>
-            </a:br>
-            <a:endParaRPr lang="en-US" dirty="0"/>
-          </a:p>
-        </p:txBody>
-      </p:sp>
-      <p:sp>
-        <p:nvSpPr>
-          <p:cNvPr id="3" name="Content Placeholder 2"/>
-          <p:cNvSpPr>
-            <a:spLocks noGrp="1"/>
-          </p:cNvSpPr>
-          <p:nvPr>
-            <p:ph idx="1"/>
-          </p:nvPr>
-        </p:nvSpPr>
-        <p:spPr/>
-        <p:txBody>
-          <a:bodyPr/>
-          <a:lstStyle/>
-          <a:p>
-            <a:endParaRPr lang="en-US"/>
-          </a:p>
-        </p:txBody>
-      </p:sp>
-    </p:spTree>
-    <p:extLst>
-      <p:ext uri="{BB962C8B-B14F-4D97-AF65-F5344CB8AC3E}">
-        <p14:creationId xmlns:p14="http://schemas.microsoft.com/office/powerpoint/2010/main" val="3054930867"/>
-      </p:ext>
-    </p:extLst>
-  </p:cSld>
-  <p:clrMapOvr>
-    <a:masterClrMapping/>
-  </p:clrMapOvr>
-</p:sld>
-</file>
-
-<file path=ppt/slides/slide56.xml><?xml version="1.0" encoding="utf-8"?>
-<p:sld xmlns:a="http://schemas.openxmlformats.org/drawingml/2006/main" xmlns:r="http://schemas.openxmlformats.org/officeDocument/2006/relationships" xmlns:p="http://schemas.openxmlformats.org/presentationml/2006/main">
-  <p:cSld>
-    <p:spTree>
-      <p:nvGrpSpPr>
-        <p:cNvPr id="1" name=""/>
-        <p:cNvGrpSpPr/>
-        <p:nvPr/>
-      </p:nvGrpSpPr>
-      <p:grpSpPr>
-        <a:xfrm>
-          <a:off x="0" y="0"/>
-          <a:ext cx="0" cy="0"/>
-          <a:chOff x="0" y="0"/>
-          <a:chExt cx="0" cy="0"/>
-        </a:xfrm>
-      </p:grpSpPr>
-    </p:spTree>
-    <p:extLst>
-      <p:ext uri="{BB962C8B-B14F-4D97-AF65-F5344CB8AC3E}">
-        <p14:creationId xmlns:p14="http://schemas.microsoft.com/office/powerpoint/2010/main" val="261586815"/>
+        <p14:creationId xmlns:p14="http://schemas.microsoft.com/office/powerpoint/2010/main" val="1344270394"/>
       </p:ext>
     </p:extLst>
   </p:cSld>
@@ -44532,7 +44168,7 @@
   <p:timing>
     <p:tnLst>
       <p:par>
-        <p:cTn id="1" dur="indefinite" restart="never" nodeType="tmRoot"/>
+        <p:cTn xmlns:p14="http://schemas.microsoft.com/office/powerpoint/2010/main" id="1" dur="indefinite" restart="never" nodeType="tmRoot"/>
       </p:par>
     </p:tnLst>
   </p:timing>
@@ -45358,7 +44994,7 @@
   <p:timing>
     <p:tnLst>
       <p:par>
-        <p:cTn id="1" dur="indefinite" restart="never" nodeType="tmRoot"/>
+        <p:cTn xmlns:p14="http://schemas.microsoft.com/office/powerpoint/2010/main" id="1" dur="indefinite" restart="never" nodeType="tmRoot"/>
       </p:par>
     </p:tnLst>
   </p:timing>
@@ -46214,7 +45850,7 @@
   <p:timing>
     <p:tnLst>
       <p:par>
-        <p:cTn id="1" dur="indefinite" restart="never" nodeType="tmRoot"/>
+        <p:cTn xmlns:p14="http://schemas.microsoft.com/office/powerpoint/2010/main" id="1" dur="indefinite" restart="never" nodeType="tmRoot"/>
       </p:par>
     </p:tnLst>
   </p:timing>
@@ -47100,7 +46736,7 @@
   <p:timing>
     <p:tnLst>
       <p:par>
-        <p:cTn id="1" dur="indefinite" restart="never" nodeType="tmRoot"/>
+        <p:cTn xmlns:p14="http://schemas.microsoft.com/office/powerpoint/2010/main" id="1" dur="indefinite" restart="never" nodeType="tmRoot"/>
       </p:par>
     </p:tnLst>
   </p:timing>

--- a/talks/20160823_mad_birman.pptx
+++ b/talks/20160823_mad_birman.pptx
@@ -5,7 +5,7 @@
     <p:sldMasterId id="2147483648" r:id="rId1"/>
   </p:sldMasterIdLst>
   <p:notesMasterIdLst>
-    <p:notesMasterId r:id="rId54"/>
+    <p:notesMasterId r:id="rId55"/>
   </p:notesMasterIdLst>
   <p:sldIdLst>
     <p:sldId id="256" r:id="rId2"/>
@@ -56,10 +56,11 @@
     <p:sldId id="320" r:id="rId47"/>
     <p:sldId id="319" r:id="rId48"/>
     <p:sldId id="321" r:id="rId49"/>
-    <p:sldId id="324" r:id="rId50"/>
-    <p:sldId id="326" r:id="rId51"/>
-    <p:sldId id="325" r:id="rId52"/>
-    <p:sldId id="327" r:id="rId53"/>
+    <p:sldId id="332" r:id="rId50"/>
+    <p:sldId id="324" r:id="rId51"/>
+    <p:sldId id="326" r:id="rId52"/>
+    <p:sldId id="325" r:id="rId53"/>
+    <p:sldId id="327" r:id="rId54"/>
   </p:sldIdLst>
   <p:sldSz cx="9144000" cy="6858000" type="screen4x3"/>
   <p:notesSz cx="6858000" cy="9144000"/>
@@ -44936,7 +44937,7 @@
       </p:grpSpPr>
       <p:pic>
         <p:nvPicPr>
-          <p:cNvPr id="5" name="Picture 4" descr="avg_time_V1.pdf"/>
+          <p:cNvPr id="4" name="Picture 3" descr="avg_cc_V1.pdf"/>
           <p:cNvPicPr>
             <a:picLocks noChangeAspect="1"/>
           </p:cNvPicPr>
@@ -44956,48 +44957,48 @@
         </p:blipFill>
         <p:spPr>
           <a:xfrm>
-            <a:off x="3886200" y="914400"/>
-            <a:ext cx="7112000" cy="5321300"/>
+            <a:off x="5486400" y="0"/>
+            <a:ext cx="3666330" cy="2743200"/>
           </a:xfrm>
           <a:prstGeom prst="rect">
             <a:avLst/>
           </a:prstGeom>
         </p:spPr>
       </p:pic>
-      <p:pic>
-        <p:nvPicPr>
-          <p:cNvPr id="7" name="Picture 6" descr="avg_cc_V1.pdf"/>
-          <p:cNvPicPr>
-            <a:picLocks noChangeAspect="1"/>
-          </p:cNvPicPr>
+      <p:sp>
+        <p:nvSpPr>
+          <p:cNvPr id="5" name="TextBox 4"/>
+          <p:cNvSpPr txBox="1"/>
           <p:nvPr/>
-        </p:nvPicPr>
-        <p:blipFill>
-          <a:blip r:embed="rId3">
-            <a:extLst>
-              <a:ext uri="{28A0092B-C50C-407E-A947-70E740481C1C}">
-                <a14:useLocalDpi xmlns:a14="http://schemas.microsoft.com/office/drawing/2010/main" val="0"/>
-              </a:ext>
-            </a:extLst>
-          </a:blip>
-          <a:stretch>
-            <a:fillRect/>
-          </a:stretch>
-        </p:blipFill>
+        </p:nvSpPr>
         <p:spPr>
           <a:xfrm>
-            <a:off x="-1905000" y="762000"/>
-            <a:ext cx="7112000" cy="5321300"/>
+            <a:off x="2133600" y="4070866"/>
+            <a:ext cx="5032981" cy="369332"/>
           </a:xfrm>
           <a:prstGeom prst="rect">
             <a:avLst/>
           </a:prstGeom>
+          <a:noFill/>
         </p:spPr>
-      </p:pic>
+        <p:txBody>
+          <a:bodyPr wrap="none" rtlCol="0">
+            <a:spAutoFit/>
+          </a:bodyPr>
+          <a:lstStyle/>
+          <a:p>
+            <a:r>
+              <a:rPr lang="en-US" dirty="0" smtClean="0"/>
+              <a:t>Add slide with time series model explanation (GLM)</a:t>
+            </a:r>
+            <a:endParaRPr lang="en-US" dirty="0"/>
+          </a:p>
+        </p:txBody>
+      </p:sp>
     </p:spTree>
     <p:extLst>
       <p:ext uri="{BB962C8B-B14F-4D97-AF65-F5344CB8AC3E}">
-        <p14:creationId xmlns:p14="http://schemas.microsoft.com/office/powerpoint/2010/main" val="2426871158"/>
+        <p14:creationId xmlns:p14="http://schemas.microsoft.com/office/powerpoint/2010/main" val="1345015394"/>
       </p:ext>
     </p:extLst>
   </p:cSld>
@@ -45829,6 +45830,103 @@
       </p:grpSpPr>
       <p:pic>
         <p:nvPicPr>
+          <p:cNvPr id="5" name="Picture 4" descr="avg_time_V1.pdf"/>
+          <p:cNvPicPr>
+            <a:picLocks noChangeAspect="1"/>
+          </p:cNvPicPr>
+          <p:nvPr/>
+        </p:nvPicPr>
+        <p:blipFill>
+          <a:blip r:embed="rId2">
+            <a:extLst>
+              <a:ext uri="{28A0092B-C50C-407E-A947-70E740481C1C}">
+                <a14:useLocalDpi xmlns:a14="http://schemas.microsoft.com/office/drawing/2010/main" val="0"/>
+              </a:ext>
+            </a:extLst>
+          </a:blip>
+          <a:stretch>
+            <a:fillRect/>
+          </a:stretch>
+        </p:blipFill>
+        <p:spPr>
+          <a:xfrm>
+            <a:off x="3886200" y="914400"/>
+            <a:ext cx="7112000" cy="5321300"/>
+          </a:xfrm>
+          <a:prstGeom prst="rect">
+            <a:avLst/>
+          </a:prstGeom>
+        </p:spPr>
+      </p:pic>
+      <p:pic>
+        <p:nvPicPr>
+          <p:cNvPr id="7" name="Picture 6" descr="avg_cc_V1.pdf"/>
+          <p:cNvPicPr>
+            <a:picLocks noChangeAspect="1"/>
+          </p:cNvPicPr>
+          <p:nvPr/>
+        </p:nvPicPr>
+        <p:blipFill>
+          <a:blip r:embed="rId3">
+            <a:extLst>
+              <a:ext uri="{28A0092B-C50C-407E-A947-70E740481C1C}">
+                <a14:useLocalDpi xmlns:a14="http://schemas.microsoft.com/office/drawing/2010/main" val="0"/>
+              </a:ext>
+            </a:extLst>
+          </a:blip>
+          <a:stretch>
+            <a:fillRect/>
+          </a:stretch>
+        </p:blipFill>
+        <p:spPr>
+          <a:xfrm>
+            <a:off x="-1905000" y="762000"/>
+            <a:ext cx="7112000" cy="5321300"/>
+          </a:xfrm>
+          <a:prstGeom prst="rect">
+            <a:avLst/>
+          </a:prstGeom>
+        </p:spPr>
+      </p:pic>
+    </p:spTree>
+    <p:extLst>
+      <p:ext uri="{BB962C8B-B14F-4D97-AF65-F5344CB8AC3E}">
+        <p14:creationId xmlns:p14="http://schemas.microsoft.com/office/powerpoint/2010/main" val="2426871158"/>
+      </p:ext>
+    </p:extLst>
+  </p:cSld>
+  <p:clrMapOvr>
+    <a:masterClrMapping/>
+  </p:clrMapOvr>
+  <p:timing>
+    <p:tnLst>
+      <p:par>
+        <p:cTn id="1" dur="indefinite" restart="never" nodeType="tmRoot"/>
+      </p:par>
+    </p:tnLst>
+  </p:timing>
+</p:sld>
+</file>
+
+<file path=ppt/slides/slide51.xml><?xml version="1.0" encoding="utf-8"?>
+<p:sld xmlns:a="http://schemas.openxmlformats.org/drawingml/2006/main" xmlns:r="http://schemas.openxmlformats.org/officeDocument/2006/relationships" xmlns:p="http://schemas.openxmlformats.org/presentationml/2006/main">
+  <p:cSld>
+    <p:spTree>
+      <p:nvGrpSpPr>
+        <p:cNvPr id="1" name=""/>
+        <p:cNvGrpSpPr/>
+        <p:nvPr/>
+      </p:nvGrpSpPr>
+      <p:grpSpPr>
+        <a:xfrm>
+          <a:off x="0" y="0"/>
+          <a:ext cx="0" cy="0"/>
+          <a:chOff x="0" y="0"/>
+          <a:chExt cx="0" cy="0"/>
+        </a:xfrm>
+      </p:grpSpPr>
+      <p:pic>
+        <p:nvPicPr>
           <p:cNvPr id="4" name="Picture 3" descr="avg_cc_MT.pdf"/>
           <p:cNvPicPr>
             <a:picLocks noChangeAspect="1"/>
@@ -45907,7 +46005,7 @@
 </p:sld>
 </file>
 
-<file path=ppt/slides/slide51.xml><?xml version="1.0" encoding="utf-8"?>
+<file path=ppt/slides/slide52.xml><?xml version="1.0" encoding="utf-8"?>
 <p:sld xmlns:a="http://schemas.openxmlformats.org/drawingml/2006/main" xmlns:r="http://schemas.openxmlformats.org/officeDocument/2006/relationships" xmlns:p="http://schemas.openxmlformats.org/presentationml/2006/main">
   <p:cSld>
     <p:spTree>
@@ -45974,7 +46072,7 @@
 </p:sld>
 </file>
 
-<file path=ppt/slides/slide52.xml><?xml version="1.0" encoding="utf-8"?>
+<file path=ppt/slides/slide53.xml><?xml version="1.0" encoding="utf-8"?>
 <p:sld xmlns:a="http://schemas.openxmlformats.org/drawingml/2006/main" xmlns:r="http://schemas.openxmlformats.org/officeDocument/2006/relationships" xmlns:p="http://schemas.openxmlformats.org/presentationml/2006/main">
   <p:cSld>
     <p:spTree>
